--- a/Part_2/Лекция 2.pptx
+++ b/Part_2/Лекция 2.pptx
@@ -5,7 +5,7 @@
     <p:sldMasterId id="2147483648" r:id="rId1"/>
   </p:sldMasterIdLst>
   <p:notesMasterIdLst>
-    <p:notesMasterId r:id="rId25"/>
+    <p:notesMasterId r:id="rId29"/>
   </p:notesMasterIdLst>
   <p:sldIdLst>
     <p:sldId id="256" r:id="rId2"/>
@@ -27,10 +27,14 @@
     <p:sldId id="294" r:id="rId18"/>
     <p:sldId id="283" r:id="rId19"/>
     <p:sldId id="299" r:id="rId20"/>
-    <p:sldId id="300" r:id="rId21"/>
-    <p:sldId id="301" r:id="rId22"/>
-    <p:sldId id="298" r:id="rId23"/>
-    <p:sldId id="282" r:id="rId24"/>
+    <p:sldId id="304" r:id="rId21"/>
+    <p:sldId id="303" r:id="rId22"/>
+    <p:sldId id="305" r:id="rId23"/>
+    <p:sldId id="302" r:id="rId24"/>
+    <p:sldId id="300" r:id="rId25"/>
+    <p:sldId id="301" r:id="rId26"/>
+    <p:sldId id="298" r:id="rId27"/>
+    <p:sldId id="282" r:id="rId28"/>
   </p:sldIdLst>
   <p:sldSz cx="9144000" cy="6858000" type="screen4x3"/>
   <p:notesSz cx="6858000" cy="9144000"/>
@@ -231,7 +235,7 @@
             <a:fld id="{4F9A4CCB-2AB7-4470-8669-B08666E49AEC}" type="datetimeFigureOut">
               <a:rPr lang="ru-RU" smtClean="0"/>
               <a:pPr/>
-              <a:t>01.10.2025</a:t>
+              <a:t>06.10.2025</a:t>
             </a:fld>
             <a:endParaRPr lang="ru-RU"/>
           </a:p>
@@ -399,6 +403,11 @@
         </p:txBody>
       </p:sp>
     </p:spTree>
+    <p:extLst>
+      <p:ext uri="{BB962C8B-B14F-4D97-AF65-F5344CB8AC3E}">
+        <p14:creationId xmlns:p14="http://schemas.microsoft.com/office/powerpoint/2010/main" val="3737519139"/>
+      </p:ext>
+    </p:extLst>
   </p:cSld>
   <p:clrMap bg1="lt1" tx1="dk1" bg2="lt2" tx2="dk2" accent1="accent1" accent2="accent2" accent3="accent3" accent4="accent4" accent5="accent5" accent6="accent6" hlink="hlink" folHlink="folHlink"/>
   <p:notesStyle>
@@ -571,6 +580,11 @@
         </p:txBody>
       </p:sp>
     </p:spTree>
+    <p:extLst>
+      <p:ext uri="{BB962C8B-B14F-4D97-AF65-F5344CB8AC3E}">
+        <p14:creationId xmlns:p14="http://schemas.microsoft.com/office/powerpoint/2010/main" val="1780418240"/>
+      </p:ext>
+    </p:extLst>
   </p:cSld>
   <p:clrMapOvr>
     <a:masterClrMapping/>
@@ -646,13 +660,18 @@
             <a:fld id="{8BEAC31F-0D34-4ACC-A799-447BDFD53FC6}" type="slidenum">
               <a:rPr lang="ru-RU" smtClean="0"/>
               <a:pPr/>
-              <a:t>23</a:t>
+              <a:t>27</a:t>
             </a:fld>
             <a:endParaRPr lang="ru-RU"/>
           </a:p>
         </p:txBody>
       </p:sp>
     </p:spTree>
+    <p:extLst>
+      <p:ext uri="{BB962C8B-B14F-4D97-AF65-F5344CB8AC3E}">
+        <p14:creationId xmlns:p14="http://schemas.microsoft.com/office/powerpoint/2010/main" val="1657153299"/>
+      </p:ext>
+    </p:extLst>
   </p:cSld>
   <p:clrMapOvr>
     <a:masterClrMapping/>
@@ -735,6 +754,11 @@
         </p:txBody>
       </p:sp>
     </p:spTree>
+    <p:extLst>
+      <p:ext uri="{BB962C8B-B14F-4D97-AF65-F5344CB8AC3E}">
+        <p14:creationId xmlns:p14="http://schemas.microsoft.com/office/powerpoint/2010/main" val="1067070863"/>
+      </p:ext>
+    </p:extLst>
   </p:cSld>
   <p:clrMapOvr>
     <a:masterClrMapping/>
@@ -817,6 +841,11 @@
         </p:txBody>
       </p:sp>
     </p:spTree>
+    <p:extLst>
+      <p:ext uri="{BB962C8B-B14F-4D97-AF65-F5344CB8AC3E}">
+        <p14:creationId xmlns:p14="http://schemas.microsoft.com/office/powerpoint/2010/main" val="2246802647"/>
+      </p:ext>
+    </p:extLst>
   </p:cSld>
   <p:clrMapOvr>
     <a:masterClrMapping/>
@@ -899,6 +928,11 @@
         </p:txBody>
       </p:sp>
     </p:spTree>
+    <p:extLst>
+      <p:ext uri="{BB962C8B-B14F-4D97-AF65-F5344CB8AC3E}">
+        <p14:creationId xmlns:p14="http://schemas.microsoft.com/office/powerpoint/2010/main" val="3111234554"/>
+      </p:ext>
+    </p:extLst>
   </p:cSld>
   <p:clrMapOvr>
     <a:masterClrMapping/>
@@ -981,6 +1015,11 @@
         </p:txBody>
       </p:sp>
     </p:spTree>
+    <p:extLst>
+      <p:ext uri="{BB962C8B-B14F-4D97-AF65-F5344CB8AC3E}">
+        <p14:creationId xmlns:p14="http://schemas.microsoft.com/office/powerpoint/2010/main" val="1182821355"/>
+      </p:ext>
+    </p:extLst>
   </p:cSld>
   <p:clrMapOvr>
     <a:masterClrMapping/>
@@ -1063,6 +1102,11 @@
         </p:txBody>
       </p:sp>
     </p:spTree>
+    <p:extLst>
+      <p:ext uri="{BB962C8B-B14F-4D97-AF65-F5344CB8AC3E}">
+        <p14:creationId xmlns:p14="http://schemas.microsoft.com/office/powerpoint/2010/main" val="1911096622"/>
+      </p:ext>
+    </p:extLst>
   </p:cSld>
   <p:clrMapOvr>
     <a:masterClrMapping/>
@@ -1145,6 +1189,11 @@
         </p:txBody>
       </p:sp>
     </p:spTree>
+    <p:extLst>
+      <p:ext uri="{BB962C8B-B14F-4D97-AF65-F5344CB8AC3E}">
+        <p14:creationId xmlns:p14="http://schemas.microsoft.com/office/powerpoint/2010/main" val="3757246211"/>
+      </p:ext>
+    </p:extLst>
   </p:cSld>
   <p:clrMapOvr>
     <a:masterClrMapping/>
@@ -1240,6 +1289,10 @@
               <a:rPr lang="en" b="1" dirty="0"/>
               <a:t>Absorbing phase)</a:t>
             </a:r>
+            <a:r>
+              <a:rPr lang="en" dirty="0"/>
+              <a:t/>
+            </a:r>
             <a:br>
               <a:rPr lang="en" dirty="0"/>
             </a:br>
@@ -1260,6 +1313,10 @@
             <a:r>
               <a:rPr lang="en" b="1" dirty="0"/>
               <a:t>Squeezing phase)</a:t>
+            </a:r>
+            <a:r>
+              <a:rPr lang="en" dirty="0"/>
+              <a:t/>
             </a:r>
             <a:br>
               <a:rPr lang="en" dirty="0"/>
@@ -1365,7 +1422,7 @@
             <a:fld id="{8BEAC31F-0D34-4ACC-A799-447BDFD53FC6}" type="slidenum">
               <a:rPr lang="ru-RU" smtClean="0"/>
               <a:pPr/>
-              <a:t>20</a:t>
+              <a:t>24</a:t>
             </a:fld>
             <a:endParaRPr lang="ru-RU"/>
           </a:p>
@@ -1513,7 +1570,7 @@
             <a:fld id="{8BEAC31F-0D34-4ACC-A799-447BDFD53FC6}" type="slidenum">
               <a:rPr lang="ru-RU" smtClean="0"/>
               <a:pPr/>
-              <a:t>21</a:t>
+              <a:t>25</a:t>
             </a:fld>
             <a:endParaRPr lang="ru-RU"/>
           </a:p>
@@ -1712,7 +1769,7 @@
             <a:fld id="{55195CAD-60CC-4524-AF44-06665E924DBE}" type="datetimeFigureOut">
               <a:rPr lang="ru-RU" smtClean="0"/>
               <a:pPr/>
-              <a:t>01.10.2025</a:t>
+              <a:t>06.10.2025</a:t>
             </a:fld>
             <a:endParaRPr lang="ru-RU"/>
           </a:p>
@@ -1877,7 +1934,7 @@
             <a:fld id="{55195CAD-60CC-4524-AF44-06665E924DBE}" type="datetimeFigureOut">
               <a:rPr lang="ru-RU" smtClean="0"/>
               <a:pPr/>
-              <a:t>01.10.2025</a:t>
+              <a:t>06.10.2025</a:t>
             </a:fld>
             <a:endParaRPr lang="ru-RU"/>
           </a:p>
@@ -2052,7 +2109,7 @@
             <a:fld id="{55195CAD-60CC-4524-AF44-06665E924DBE}" type="datetimeFigureOut">
               <a:rPr lang="ru-RU" smtClean="0"/>
               <a:pPr/>
-              <a:t>01.10.2025</a:t>
+              <a:t>06.10.2025</a:t>
             </a:fld>
             <a:endParaRPr lang="ru-RU"/>
           </a:p>
@@ -2217,7 +2274,7 @@
             <a:fld id="{55195CAD-60CC-4524-AF44-06665E924DBE}" type="datetimeFigureOut">
               <a:rPr lang="ru-RU" smtClean="0"/>
               <a:pPr/>
-              <a:t>01.10.2025</a:t>
+              <a:t>06.10.2025</a:t>
             </a:fld>
             <a:endParaRPr lang="ru-RU"/>
           </a:p>
@@ -2459,7 +2516,7 @@
             <a:fld id="{55195CAD-60CC-4524-AF44-06665E924DBE}" type="datetimeFigureOut">
               <a:rPr lang="ru-RU" smtClean="0"/>
               <a:pPr/>
-              <a:t>01.10.2025</a:t>
+              <a:t>06.10.2025</a:t>
             </a:fld>
             <a:endParaRPr lang="ru-RU"/>
           </a:p>
@@ -2741,7 +2798,7 @@
             <a:fld id="{55195CAD-60CC-4524-AF44-06665E924DBE}" type="datetimeFigureOut">
               <a:rPr lang="ru-RU" smtClean="0"/>
               <a:pPr/>
-              <a:t>01.10.2025</a:t>
+              <a:t>06.10.2025</a:t>
             </a:fld>
             <a:endParaRPr lang="ru-RU"/>
           </a:p>
@@ -3157,7 +3214,7 @@
             <a:fld id="{55195CAD-60CC-4524-AF44-06665E924DBE}" type="datetimeFigureOut">
               <a:rPr lang="ru-RU" smtClean="0"/>
               <a:pPr/>
-              <a:t>01.10.2025</a:t>
+              <a:t>06.10.2025</a:t>
             </a:fld>
             <a:endParaRPr lang="ru-RU"/>
           </a:p>
@@ -3271,7 +3328,7 @@
             <a:fld id="{55195CAD-60CC-4524-AF44-06665E924DBE}" type="datetimeFigureOut">
               <a:rPr lang="ru-RU" smtClean="0"/>
               <a:pPr/>
-              <a:t>01.10.2025</a:t>
+              <a:t>06.10.2025</a:t>
             </a:fld>
             <a:endParaRPr lang="ru-RU"/>
           </a:p>
@@ -3363,7 +3420,7 @@
             <a:fld id="{55195CAD-60CC-4524-AF44-06665E924DBE}" type="datetimeFigureOut">
               <a:rPr lang="ru-RU" smtClean="0"/>
               <a:pPr/>
-              <a:t>01.10.2025</a:t>
+              <a:t>06.10.2025</a:t>
             </a:fld>
             <a:endParaRPr lang="ru-RU"/>
           </a:p>
@@ -3635,7 +3692,7 @@
             <a:fld id="{55195CAD-60CC-4524-AF44-06665E924DBE}" type="datetimeFigureOut">
               <a:rPr lang="ru-RU" smtClean="0"/>
               <a:pPr/>
-              <a:t>01.10.2025</a:t>
+              <a:t>06.10.2025</a:t>
             </a:fld>
             <a:endParaRPr lang="ru-RU"/>
           </a:p>
@@ -3884,7 +3941,7 @@
             <a:fld id="{55195CAD-60CC-4524-AF44-06665E924DBE}" type="datetimeFigureOut">
               <a:rPr lang="ru-RU" smtClean="0"/>
               <a:pPr/>
-              <a:t>01.10.2025</a:t>
+              <a:t>06.10.2025</a:t>
             </a:fld>
             <a:endParaRPr lang="ru-RU"/>
           </a:p>
@@ -4092,7 +4149,7 @@
             <a:fld id="{55195CAD-60CC-4524-AF44-06665E924DBE}" type="datetimeFigureOut">
               <a:rPr lang="ru-RU" smtClean="0"/>
               <a:pPr/>
-              <a:t>01.10.2025</a:t>
+              <a:t>06.10.2025</a:t>
             </a:fld>
             <a:endParaRPr lang="ru-RU"/>
           </a:p>
@@ -4530,6 +4587,14 @@
               </a:rPr>
               <a:t>Лекция 2</a:t>
             </a:r>
+            <a:r>
+              <a:rPr lang="ru-RU" sz="4500" dirty="0">
+                <a:solidFill>
+                  <a:srgbClr val="FF0000"/>
+                </a:solidFill>
+              </a:rPr>
+              <a:t/>
+            </a:r>
             <a:br>
               <a:rPr lang="ru-RU" sz="4500" dirty="0">
                 <a:solidFill>
@@ -4687,6 +4752,16 @@
                 <a:cs typeface="Times New Roman" pitchFamily="18" charset="0"/>
               </a:rPr>
               <a:t>Лекция 2</a:t>
+            </a:r>
+            <a:r>
+              <a:rPr lang="ru-RU" sz="3200" dirty="0">
+                <a:solidFill>
+                  <a:srgbClr val="FF0000"/>
+                </a:solidFill>
+                <a:latin typeface="Times New Roman" pitchFamily="18" charset="0"/>
+                <a:cs typeface="Times New Roman" pitchFamily="18" charset="0"/>
+              </a:rPr>
+              <a:t/>
             </a:r>
             <a:br>
               <a:rPr lang="ru-RU" sz="3200" dirty="0">
@@ -6632,6 +6707,14 @@
               </a:rPr>
               <a:t>Лекция 2</a:t>
             </a:r>
+            <a:r>
+              <a:rPr lang="ru-RU" sz="3200" dirty="0">
+                <a:solidFill>
+                  <a:srgbClr val="FF0000"/>
+                </a:solidFill>
+              </a:rPr>
+              <a:t/>
+            </a:r>
             <a:br>
               <a:rPr lang="ru-RU" sz="3200" dirty="0">
                 <a:solidFill>
@@ -6716,7 +6799,7 @@
           <p:cNvPr id="5" name="TextBox 4">
             <a:extLst>
               <a:ext uri="{FF2B5EF4-FFF2-40B4-BE49-F238E27FC236}">
-                <a16:creationId xmlns:a16="http://schemas.microsoft.com/office/drawing/2014/main" id="{69999608-3F0D-B337-9EAB-7C62158681D5}"/>
+                <a16:creationId xmlns="" xmlns:a16="http://schemas.microsoft.com/office/drawing/2014/main" id="{69999608-3F0D-B337-9EAB-7C62158681D5}"/>
               </a:ext>
             </a:extLst>
           </p:cNvPr>
@@ -6725,7 +6808,7 @@
         </p:nvSpPr>
         <p:spPr>
           <a:xfrm>
-            <a:off x="323528" y="764704"/>
+            <a:off x="323528" y="548680"/>
             <a:ext cx="8496944" cy="6370975"/>
           </a:xfrm>
           <a:prstGeom prst="rect">
@@ -6763,7 +6846,67 @@
               <a:t> </a:t>
             </a:r>
             <a:r>
-              <a:rPr lang="en" sz="2400" b="0" i="0" u="none" strike="noStrike" dirty="0">
+              <a:rPr lang="ru-RU" sz="2400" dirty="0">
+                <a:solidFill>
+                  <a:srgbClr val="0F1115"/>
+                </a:solidFill>
+                <a:latin typeface="Times New Roman" panose="02020603050405020304" pitchFamily="18" charset="0"/>
+                <a:cs typeface="Times New Roman" panose="02020603050405020304" pitchFamily="18" charset="0"/>
+              </a:rPr>
+              <a:t>Рональд </a:t>
+            </a:r>
+            <a:r>
+              <a:rPr lang="ru-RU" sz="2400" dirty="0" err="1">
+                <a:solidFill>
+                  <a:srgbClr val="0F1115"/>
+                </a:solidFill>
+                <a:latin typeface="Times New Roman" panose="02020603050405020304" pitchFamily="18" charset="0"/>
+                <a:cs typeface="Times New Roman" panose="02020603050405020304" pitchFamily="18" charset="0"/>
+              </a:rPr>
+              <a:t>Ривест</a:t>
+            </a:r>
+            <a:r>
+              <a:rPr lang="ru-RU" sz="2400" dirty="0">
+                <a:solidFill>
+                  <a:srgbClr val="0F1115"/>
+                </a:solidFill>
+                <a:latin typeface="Times New Roman" panose="02020603050405020304" pitchFamily="18" charset="0"/>
+                <a:cs typeface="Times New Roman" panose="02020603050405020304" pitchFamily="18" charset="0"/>
+              </a:rPr>
+              <a:t> (</a:t>
+            </a:r>
+            <a:r>
+              <a:rPr lang="en-US" sz="2400" dirty="0">
+                <a:solidFill>
+                  <a:srgbClr val="0F1115"/>
+                </a:solidFill>
+                <a:latin typeface="Times New Roman" panose="02020603050405020304" pitchFamily="18" charset="0"/>
+                <a:cs typeface="Times New Roman" panose="02020603050405020304" pitchFamily="18" charset="0"/>
+              </a:rPr>
+              <a:t>RSA Data Security, Inc</a:t>
+            </a:r>
+            <a:r>
+              <a:rPr lang="en-US" sz="2400" dirty="0" smtClean="0">
+                <a:solidFill>
+                  <a:srgbClr val="0F1115"/>
+                </a:solidFill>
+                <a:latin typeface="Times New Roman" panose="02020603050405020304" pitchFamily="18" charset="0"/>
+                <a:cs typeface="Times New Roman" panose="02020603050405020304" pitchFamily="18" charset="0"/>
+              </a:rPr>
+              <a:t>.).</a:t>
+            </a:r>
+            <a:endParaRPr lang="ru-RU" sz="2400" dirty="0" smtClean="0">
+              <a:solidFill>
+                <a:srgbClr val="0F1115"/>
+              </a:solidFill>
+              <a:latin typeface="Times New Roman" panose="02020603050405020304" pitchFamily="18" charset="0"/>
+              <a:cs typeface="Times New Roman" panose="02020603050405020304" pitchFamily="18" charset="0"/>
+            </a:endParaRPr>
+          </a:p>
+          <a:p>
+            <a:pPr algn="just"/>
+            <a:r>
+              <a:rPr lang="ru-RU" sz="2400" b="1" i="0" u="none" strike="noStrike" dirty="0" smtClean="0">
                 <a:solidFill>
                   <a:srgbClr val="0F1115"/>
                 </a:solidFill>
@@ -6771,10 +6914,53 @@
                 <a:latin typeface="Times New Roman" panose="02020603050405020304" pitchFamily="18" charset="0"/>
                 <a:cs typeface="Times New Roman" panose="02020603050405020304" pitchFamily="18" charset="0"/>
               </a:rPr>
-              <a:t>NSA (</a:t>
-            </a:r>
-            <a:r>
-              <a:rPr lang="ru-RU" sz="2400" b="0" i="0" u="none" strike="noStrike" dirty="0">
+              <a:t>Архитектура:</a:t>
+            </a:r>
+            <a:r>
+              <a:rPr lang="ru-RU" sz="2400" dirty="0">
+                <a:solidFill>
+                  <a:srgbClr val="0F1115"/>
+                </a:solidFill>
+                <a:latin typeface="Times New Roman" panose="02020603050405020304" pitchFamily="18" charset="0"/>
+                <a:cs typeface="Times New Roman" panose="02020603050405020304" pitchFamily="18" charset="0"/>
+              </a:rPr>
+              <a:t> Использует конструкцию Меркла-</a:t>
+            </a:r>
+            <a:r>
+              <a:rPr lang="ru-RU" sz="2400" dirty="0" err="1">
+                <a:solidFill>
+                  <a:srgbClr val="0F1115"/>
+                </a:solidFill>
+                <a:latin typeface="Times New Roman" panose="02020603050405020304" pitchFamily="18" charset="0"/>
+                <a:cs typeface="Times New Roman" panose="02020603050405020304" pitchFamily="18" charset="0"/>
+              </a:rPr>
+              <a:t>Дамгора</a:t>
+            </a:r>
+            <a:r>
+              <a:rPr lang="ru-RU" sz="2400" dirty="0">
+                <a:solidFill>
+                  <a:srgbClr val="0F1115"/>
+                </a:solidFill>
+                <a:latin typeface="Times New Roman" panose="02020603050405020304" pitchFamily="18" charset="0"/>
+                <a:cs typeface="Times New Roman" panose="02020603050405020304" pitchFamily="18" charset="0"/>
+              </a:rPr>
+              <a:t>. Данные обрабатываются блоками по 512 бит, которые проходят три раунда (48 шагов) с различными нелинейными </a:t>
+            </a:r>
+            <a:r>
+              <a:rPr lang="ru-RU" sz="2400" dirty="0" smtClean="0">
+                <a:solidFill>
+                  <a:srgbClr val="0F1115"/>
+                </a:solidFill>
+                <a:latin typeface="Times New Roman" panose="02020603050405020304" pitchFamily="18" charset="0"/>
+                <a:cs typeface="Times New Roman" panose="02020603050405020304" pitchFamily="18" charset="0"/>
+              </a:rPr>
+              <a:t>функциями.</a:t>
+            </a:r>
+          </a:p>
+          <a:p>
+            <a:pPr algn="just"/>
+            <a:r>
+              <a:rPr lang="ru-RU" sz="2400" b="1" i="0" u="none" strike="noStrike" dirty="0" smtClean="0">
                 <a:solidFill>
                   <a:srgbClr val="0F1115"/>
                 </a:solidFill>
@@ -6782,103 +6968,9 @@
                 <a:latin typeface="Times New Roman" panose="02020603050405020304" pitchFamily="18" charset="0"/>
                 <a:cs typeface="Times New Roman" panose="02020603050405020304" pitchFamily="18" charset="0"/>
               </a:rPr>
-              <a:t>Агентство национальной безопасности США), стандартизирован </a:t>
-            </a:r>
-            <a:r>
-              <a:rPr lang="en" sz="2400" b="0" i="0" u="none" strike="noStrike" dirty="0">
-                <a:solidFill>
-                  <a:srgbClr val="0F1115"/>
-                </a:solidFill>
-                <a:effectLst/>
-                <a:latin typeface="Times New Roman" panose="02020603050405020304" pitchFamily="18" charset="0"/>
-                <a:cs typeface="Times New Roman" panose="02020603050405020304" pitchFamily="18" charset="0"/>
-              </a:rPr>
-              <a:t>NIST.</a:t>
-            </a:r>
-          </a:p>
-          <a:p>
-            <a:pPr algn="just"/>
-            <a:r>
-              <a:rPr lang="ru-RU" sz="2400" b="1" i="0" u="none" strike="noStrike" dirty="0">
-                <a:solidFill>
-                  <a:srgbClr val="0F1115"/>
-                </a:solidFill>
-                <a:effectLst/>
-                <a:latin typeface="Times New Roman" panose="02020603050405020304" pitchFamily="18" charset="0"/>
-                <a:cs typeface="Times New Roman" panose="02020603050405020304" pitchFamily="18" charset="0"/>
-              </a:rPr>
-              <a:t>Архитектура:</a:t>
-            </a:r>
-            <a:r>
-              <a:rPr lang="ru-RU" sz="2400" b="0" i="0" u="none" strike="noStrike" dirty="0">
-                <a:solidFill>
-                  <a:srgbClr val="0F1115"/>
-                </a:solidFill>
-                <a:effectLst/>
-                <a:latin typeface="Times New Roman" panose="02020603050405020304" pitchFamily="18" charset="0"/>
-                <a:cs typeface="Times New Roman" panose="02020603050405020304" pitchFamily="18" charset="0"/>
-              </a:rPr>
-              <a:t> использует </a:t>
-            </a:r>
-            <a:r>
-              <a:rPr lang="ru-RU" sz="2400" b="1" i="0" u="none" strike="noStrike" dirty="0">
-                <a:solidFill>
-                  <a:srgbClr val="0F1115"/>
-                </a:solidFill>
-                <a:effectLst/>
-                <a:latin typeface="Times New Roman" panose="02020603050405020304" pitchFamily="18" charset="0"/>
-                <a:cs typeface="Times New Roman" panose="02020603050405020304" pitchFamily="18" charset="0"/>
-              </a:rPr>
-              <a:t>конструкцию Меркла-</a:t>
-            </a:r>
-            <a:r>
-              <a:rPr lang="ru-RU" sz="2400" b="1" i="0" u="none" strike="noStrike" dirty="0" err="1">
-                <a:solidFill>
-                  <a:srgbClr val="0F1115"/>
-                </a:solidFill>
-                <a:effectLst/>
-                <a:latin typeface="Times New Roman" panose="02020603050405020304" pitchFamily="18" charset="0"/>
-                <a:cs typeface="Times New Roman" panose="02020603050405020304" pitchFamily="18" charset="0"/>
-              </a:rPr>
-              <a:t>Дамгора</a:t>
-            </a:r>
-            <a:r>
-              <a:rPr lang="en" sz="2400" b="0" i="0" u="none" strike="noStrike" dirty="0">
-                <a:solidFill>
-                  <a:srgbClr val="0F1115"/>
-                </a:solidFill>
-                <a:effectLst/>
-                <a:latin typeface="Times New Roman" panose="02020603050405020304" pitchFamily="18" charset="0"/>
-                <a:cs typeface="Times New Roman" panose="02020603050405020304" pitchFamily="18" charset="0"/>
-              </a:rPr>
-              <a:t>. </a:t>
-            </a:r>
-            <a:r>
-              <a:rPr lang="ru-RU" sz="2400" b="0" i="0" u="none" strike="noStrike" dirty="0">
-                <a:solidFill>
-                  <a:srgbClr val="0F1115"/>
-                </a:solidFill>
-                <a:effectLst/>
-                <a:latin typeface="Times New Roman" panose="02020603050405020304" pitchFamily="18" charset="0"/>
-                <a:cs typeface="Times New Roman" panose="02020603050405020304" pitchFamily="18" charset="0"/>
-              </a:rPr>
-              <a:t>Данные разбиваются на блоки, которые обрабатываются последовательно.</a:t>
-            </a:r>
-          </a:p>
-          <a:p>
-            <a:pPr algn="just"/>
-            <a:r>
-              <a:rPr lang="ru-RU" sz="2400" b="1" i="0" u="none" strike="noStrike" dirty="0">
-                <a:solidFill>
-                  <a:srgbClr val="0F1115"/>
-                </a:solidFill>
-                <a:effectLst/>
-                <a:latin typeface="Times New Roman" panose="02020603050405020304" pitchFamily="18" charset="0"/>
-                <a:cs typeface="Times New Roman" panose="02020603050405020304" pitchFamily="18" charset="0"/>
-              </a:rPr>
               <a:t>Ключевые особенности:</a:t>
             </a:r>
-            <a:endParaRPr lang="ru-RU" sz="2400" b="0" i="0" u="none" strike="noStrike" dirty="0">
+            <a:endParaRPr lang="ru-RU" sz="2400" b="0" i="0" u="none" strike="noStrike" dirty="0" smtClean="0">
               <a:solidFill>
                 <a:srgbClr val="0F1115"/>
               </a:solidFill>
@@ -6888,106 +6980,188 @@
             </a:endParaRPr>
           </a:p>
           <a:p>
-            <a:pPr marL="742950" lvl="1" indent="-285750" algn="just">
+            <a:pPr indent="355600">
               <a:buFont typeface="Arial" panose="020B0604020202020204" pitchFamily="34" charset="0"/>
               <a:buChar char="•"/>
             </a:pPr>
             <a:r>
-              <a:rPr lang="ru-RU" sz="2400" b="0" i="0" u="none" strike="noStrike" dirty="0">
-                <a:solidFill>
-                  <a:srgbClr val="0F1115"/>
-                </a:solidFill>
-                <a:effectLst/>
-                <a:latin typeface="Times New Roman" panose="02020603050405020304" pitchFamily="18" charset="0"/>
-                <a:cs typeface="Times New Roman" panose="02020603050405020304" pitchFamily="18" charset="0"/>
-              </a:rPr>
-              <a:t>Вырабатывает хэш длиной </a:t>
-            </a:r>
-            <a:r>
-              <a:rPr lang="ru-RU" sz="2400" b="1" i="0" u="none" strike="noStrike" dirty="0">
-                <a:solidFill>
-                  <a:srgbClr val="0F1115"/>
-                </a:solidFill>
-                <a:effectLst/>
-                <a:latin typeface="Times New Roman" panose="02020603050405020304" pitchFamily="18" charset="0"/>
-                <a:cs typeface="Times New Roman" panose="02020603050405020304" pitchFamily="18" charset="0"/>
-              </a:rPr>
-              <a:t>256 бит</a:t>
-            </a:r>
-            <a:r>
-              <a:rPr lang="ru-RU" sz="2400" b="0" i="0" u="none" strike="noStrike" dirty="0">
-                <a:solidFill>
-                  <a:srgbClr val="0F1115"/>
-                </a:solidFill>
-                <a:effectLst/>
-                <a:latin typeface="Times New Roman" panose="02020603050405020304" pitchFamily="18" charset="0"/>
-                <a:cs typeface="Times New Roman" panose="02020603050405020304" pitchFamily="18" charset="0"/>
-              </a:rPr>
-              <a:t> (32 байта).</a:t>
-            </a:r>
-          </a:p>
-          <a:p>
-            <a:pPr marL="742950" lvl="1" indent="-285750" algn="just">
+              <a:rPr lang="ru-RU" sz="2400" dirty="0">
+                <a:solidFill>
+                  <a:srgbClr val="0F1115"/>
+                </a:solidFill>
+                <a:latin typeface="Times New Roman" panose="02020603050405020304" pitchFamily="18" charset="0"/>
+                <a:cs typeface="Times New Roman" panose="02020603050405020304" pitchFamily="18" charset="0"/>
+              </a:rPr>
+              <a:t>Вырабатывает </a:t>
+            </a:r>
+            <a:r>
+              <a:rPr lang="ru-RU" sz="2400" dirty="0" err="1">
+                <a:solidFill>
+                  <a:srgbClr val="0F1115"/>
+                </a:solidFill>
+                <a:latin typeface="Times New Roman" panose="02020603050405020304" pitchFamily="18" charset="0"/>
+                <a:cs typeface="Times New Roman" panose="02020603050405020304" pitchFamily="18" charset="0"/>
+              </a:rPr>
+              <a:t>хэш</a:t>
+            </a:r>
+            <a:r>
+              <a:rPr lang="ru-RU" sz="2400" dirty="0">
+                <a:solidFill>
+                  <a:srgbClr val="0F1115"/>
+                </a:solidFill>
+                <a:latin typeface="Times New Roman" panose="02020603050405020304" pitchFamily="18" charset="0"/>
+                <a:cs typeface="Times New Roman" panose="02020603050405020304" pitchFamily="18" charset="0"/>
+              </a:rPr>
+              <a:t> длиной </a:t>
+            </a:r>
+            <a:r>
+              <a:rPr lang="ru-RU" sz="2400" b="1" dirty="0">
+                <a:solidFill>
+                  <a:srgbClr val="0F1115"/>
+                </a:solidFill>
+                <a:latin typeface="Times New Roman" panose="02020603050405020304" pitchFamily="18" charset="0"/>
+                <a:cs typeface="Times New Roman" panose="02020603050405020304" pitchFamily="18" charset="0"/>
+              </a:rPr>
+              <a:t>128 бит</a:t>
+            </a:r>
+            <a:r>
+              <a:rPr lang="ru-RU" sz="2400" dirty="0">
+                <a:solidFill>
+                  <a:srgbClr val="0F1115"/>
+                </a:solidFill>
+                <a:latin typeface="Times New Roman" panose="02020603050405020304" pitchFamily="18" charset="0"/>
+                <a:cs typeface="Times New Roman" panose="02020603050405020304" pitchFamily="18" charset="0"/>
+              </a:rPr>
+              <a:t> (16 байт).</a:t>
+            </a:r>
+          </a:p>
+          <a:p>
+            <a:pPr indent="355600" algn="just">
               <a:buFont typeface="Arial" panose="020B0604020202020204" pitchFamily="34" charset="0"/>
               <a:buChar char="•"/>
             </a:pPr>
             <a:r>
-              <a:rPr lang="ru-RU" sz="2400" b="0" i="0" u="none" strike="noStrike" dirty="0">
-                <a:solidFill>
-                  <a:srgbClr val="0F1115"/>
-                </a:solidFill>
-                <a:effectLst/>
-                <a:latin typeface="Times New Roman" panose="02020603050405020304" pitchFamily="18" charset="0"/>
-                <a:cs typeface="Times New Roman" panose="02020603050405020304" pitchFamily="18" charset="0"/>
-              </a:rPr>
-              <a:t>Широко распространен по всему миру. Является основой для:</a:t>
-            </a:r>
-          </a:p>
-          <a:p>
-            <a:pPr marL="1143000" lvl="2" indent="-228600" algn="just">
+              <a:rPr lang="ru-RU" sz="2400" dirty="0" smtClean="0">
+                <a:solidFill>
+                  <a:srgbClr val="0F1115"/>
+                </a:solidFill>
+                <a:latin typeface="Times New Roman" panose="02020603050405020304" pitchFamily="18" charset="0"/>
+                <a:cs typeface="Times New Roman" panose="02020603050405020304" pitchFamily="18" charset="0"/>
+              </a:rPr>
+              <a:t>Была разработана </a:t>
+            </a:r>
+            <a:r>
+              <a:rPr lang="ru-RU" sz="2400" dirty="0">
+                <a:solidFill>
+                  <a:srgbClr val="0F1115"/>
+                </a:solidFill>
+                <a:latin typeface="Times New Roman" panose="02020603050405020304" pitchFamily="18" charset="0"/>
+                <a:cs typeface="Times New Roman" panose="02020603050405020304" pitchFamily="18" charset="0"/>
+              </a:rPr>
+              <a:t>как быстрая и простая </a:t>
+            </a:r>
+            <a:r>
+              <a:rPr lang="ru-RU" sz="2400" dirty="0" smtClean="0">
+                <a:solidFill>
+                  <a:srgbClr val="0F1115"/>
+                </a:solidFill>
+                <a:latin typeface="Times New Roman" panose="02020603050405020304" pitchFamily="18" charset="0"/>
+                <a:cs typeface="Times New Roman" panose="02020603050405020304" pitchFamily="18" charset="0"/>
+              </a:rPr>
+              <a:t>реализация хэш-функции (</a:t>
+            </a:r>
+            <a:r>
+              <a:rPr lang="ru-RU" sz="2400" i="1" dirty="0" smtClean="0">
+                <a:solidFill>
+                  <a:srgbClr val="0F1115"/>
+                </a:solidFill>
+                <a:latin typeface="Times New Roman" panose="02020603050405020304" pitchFamily="18" charset="0"/>
+                <a:cs typeface="Times New Roman" panose="02020603050405020304" pitchFamily="18" charset="0"/>
+              </a:rPr>
+              <a:t>одна </a:t>
+            </a:r>
+            <a:r>
+              <a:rPr lang="ru-RU" sz="2400" i="1" dirty="0">
+                <a:solidFill>
+                  <a:srgbClr val="0F1115"/>
+                </a:solidFill>
+                <a:latin typeface="Times New Roman" panose="02020603050405020304" pitchFamily="18" charset="0"/>
+                <a:cs typeface="Times New Roman" panose="02020603050405020304" pitchFamily="18" charset="0"/>
+              </a:rPr>
+              <a:t>из первых широко используемых </a:t>
+            </a:r>
+            <a:r>
+              <a:rPr lang="ru-RU" sz="2400" i="1" dirty="0" smtClean="0">
+                <a:solidFill>
+                  <a:srgbClr val="0F1115"/>
+                </a:solidFill>
+                <a:latin typeface="Times New Roman" panose="02020603050405020304" pitchFamily="18" charset="0"/>
+                <a:cs typeface="Times New Roman" panose="02020603050405020304" pitchFamily="18" charset="0"/>
+              </a:rPr>
+              <a:t>хэш-функций).</a:t>
+            </a:r>
+            <a:endParaRPr lang="ru-RU" sz="2400" dirty="0">
+              <a:solidFill>
+                <a:srgbClr val="0F1115"/>
+              </a:solidFill>
+              <a:latin typeface="Times New Roman" panose="02020603050405020304" pitchFamily="18" charset="0"/>
+              <a:cs typeface="Times New Roman" panose="02020603050405020304" pitchFamily="18" charset="0"/>
+            </a:endParaRPr>
+          </a:p>
+          <a:p>
+            <a:pPr indent="355600" algn="just">
               <a:buFont typeface="Arial" panose="020B0604020202020204" pitchFamily="34" charset="0"/>
               <a:buChar char="•"/>
             </a:pPr>
             <a:r>
-              <a:rPr lang="ru-RU" sz="2400" b="0" i="0" u="none" strike="noStrike" dirty="0">
-                <a:solidFill>
-                  <a:srgbClr val="0F1115"/>
-                </a:solidFill>
-                <a:effectLst/>
-                <a:latin typeface="Times New Roman" panose="02020603050405020304" pitchFamily="18" charset="0"/>
-                <a:cs typeface="Times New Roman" panose="02020603050405020304" pitchFamily="18" charset="0"/>
-              </a:rPr>
-              <a:t>Протоколов </a:t>
-            </a:r>
-            <a:r>
-              <a:rPr lang="en" sz="2400" b="1" i="0" u="none" strike="noStrike" dirty="0">
-                <a:solidFill>
-                  <a:srgbClr val="0F1115"/>
-                </a:solidFill>
-                <a:effectLst/>
-                <a:latin typeface="Times New Roman" panose="02020603050405020304" pitchFamily="18" charset="0"/>
-                <a:cs typeface="Times New Roman" panose="02020603050405020304" pitchFamily="18" charset="0"/>
-              </a:rPr>
-              <a:t>SSL/TLS</a:t>
-            </a:r>
-            <a:r>
-              <a:rPr lang="en" sz="2400" b="0" i="0" u="none" strike="noStrike" dirty="0">
-                <a:solidFill>
-                  <a:srgbClr val="0F1115"/>
-                </a:solidFill>
-                <a:effectLst/>
-                <a:latin typeface="Times New Roman" panose="02020603050405020304" pitchFamily="18" charset="0"/>
-                <a:cs typeface="Times New Roman" panose="02020603050405020304" pitchFamily="18" charset="0"/>
-              </a:rPr>
-              <a:t>.</a:t>
-            </a:r>
-          </a:p>
-          <a:p>
-            <a:pPr marL="1143000" lvl="2" indent="-228600" algn="just">
+              <a:rPr lang="ru-RU" sz="2400" dirty="0">
+                <a:solidFill>
+                  <a:srgbClr val="0F1115"/>
+                </a:solidFill>
+                <a:latin typeface="Times New Roman" panose="02020603050405020304" pitchFamily="18" charset="0"/>
+                <a:cs typeface="Times New Roman" panose="02020603050405020304" pitchFamily="18" charset="0"/>
+              </a:rPr>
+              <a:t>Является прямым предшественником MD5 и более поздних хэш-функций (SHA-1, RIPEMD</a:t>
+            </a:r>
+            <a:r>
+              <a:rPr lang="ru-RU" sz="2400" dirty="0" smtClean="0">
+                <a:solidFill>
+                  <a:srgbClr val="0F1115"/>
+                </a:solidFill>
+                <a:latin typeface="Times New Roman" panose="02020603050405020304" pitchFamily="18" charset="0"/>
+                <a:cs typeface="Times New Roman" panose="02020603050405020304" pitchFamily="18" charset="0"/>
+              </a:rPr>
+              <a:t>).</a:t>
+            </a:r>
+          </a:p>
+          <a:p>
+            <a:pPr indent="355600" algn="just">
               <a:buFont typeface="Arial" panose="020B0604020202020204" pitchFamily="34" charset="0"/>
               <a:buChar char="•"/>
             </a:pPr>
             <a:r>
+              <a:rPr lang="ru-RU" sz="2400" b="1" i="0" u="none" strike="noStrike" dirty="0" smtClean="0">
+                <a:solidFill>
+                  <a:srgbClr val="0F1115"/>
+                </a:solidFill>
+                <a:effectLst/>
+                <a:latin typeface="Times New Roman" panose="02020603050405020304" pitchFamily="18" charset="0"/>
+                <a:cs typeface="Times New Roman" panose="02020603050405020304" pitchFamily="18" charset="0"/>
+              </a:rPr>
+              <a:t>Безопасность</a:t>
+            </a:r>
+            <a:r>
+              <a:rPr lang="ru-RU" sz="2400" b="1" i="0" u="none" strike="noStrike" dirty="0">
+                <a:solidFill>
+                  <a:srgbClr val="0F1115"/>
+                </a:solidFill>
+                <a:effectLst/>
+                <a:latin typeface="Times New Roman" panose="02020603050405020304" pitchFamily="18" charset="0"/>
+                <a:cs typeface="Times New Roman" panose="02020603050405020304" pitchFamily="18" charset="0"/>
+              </a:rPr>
+              <a:t>:</a:t>
+            </a:r>
+            <a:r>
               <a:rPr lang="ru-RU" sz="2400" b="0" i="0" u="none" strike="noStrike" dirty="0">
                 <a:solidFill>
                   <a:srgbClr val="0F1115"/>
@@ -6996,83 +7170,98 @@
                 <a:latin typeface="Times New Roman" panose="02020603050405020304" pitchFamily="18" charset="0"/>
                 <a:cs typeface="Times New Roman" panose="02020603050405020304" pitchFamily="18" charset="0"/>
               </a:rPr>
-              <a:t>Криптовалюты </a:t>
-            </a:r>
-            <a:r>
-              <a:rPr lang="en" sz="2400" b="1" i="0" u="none" strike="noStrike" dirty="0">
-                <a:solidFill>
-                  <a:srgbClr val="0F1115"/>
-                </a:solidFill>
-                <a:effectLst/>
-                <a:latin typeface="Times New Roman" panose="02020603050405020304" pitchFamily="18" charset="0"/>
-                <a:cs typeface="Times New Roman" panose="02020603050405020304" pitchFamily="18" charset="0"/>
-              </a:rPr>
-              <a:t>Bitcoin</a:t>
-            </a:r>
-            <a:r>
-              <a:rPr lang="en" sz="2400" b="0" i="0" u="none" strike="noStrike" dirty="0">
-                <a:solidFill>
-                  <a:srgbClr val="0F1115"/>
-                </a:solidFill>
-                <a:effectLst/>
-                <a:latin typeface="Times New Roman" panose="02020603050405020304" pitchFamily="18" charset="0"/>
-                <a:cs typeface="Times New Roman" panose="02020603050405020304" pitchFamily="18" charset="0"/>
-              </a:rPr>
-              <a:t>.</a:t>
-            </a:r>
-          </a:p>
-          <a:p>
-            <a:pPr marL="1143000" lvl="2" indent="-228600" algn="just">
-              <a:buFont typeface="Arial" panose="020B0604020202020204" pitchFamily="34" charset="0"/>
-              <a:buChar char="•"/>
-            </a:pPr>
-            <a:r>
-              <a:rPr lang="ru-RU" sz="2400" b="0" i="0" u="none" strike="noStrike" dirty="0">
-                <a:solidFill>
-                  <a:srgbClr val="0F1115"/>
-                </a:solidFill>
-                <a:effectLst/>
-                <a:latin typeface="Times New Roman" panose="02020603050405020304" pitchFamily="18" charset="0"/>
-                <a:cs typeface="Times New Roman" panose="02020603050405020304" pitchFamily="18" charset="0"/>
-              </a:rPr>
-              <a:t>Многих систем контроля целостности ПО.</a:t>
-            </a:r>
-          </a:p>
-          <a:p>
-            <a:pPr algn="just"/>
-            <a:r>
-              <a:rPr lang="ru-RU" sz="2400" b="1" i="0" u="none" strike="noStrike" dirty="0">
-                <a:solidFill>
-                  <a:srgbClr val="0F1115"/>
-                </a:solidFill>
-                <a:effectLst/>
-                <a:latin typeface="Times New Roman" panose="02020603050405020304" pitchFamily="18" charset="0"/>
-                <a:cs typeface="Times New Roman" panose="02020603050405020304" pitchFamily="18" charset="0"/>
-              </a:rPr>
-              <a:t>Безопасность:</a:t>
-            </a:r>
-            <a:r>
-              <a:rPr lang="ru-RU" sz="2400" b="0" i="0" u="none" strike="noStrike" dirty="0">
-                <a:solidFill>
-                  <a:srgbClr val="0F1115"/>
-                </a:solidFill>
-                <a:effectLst/>
-                <a:latin typeface="Times New Roman" panose="02020603050405020304" pitchFamily="18" charset="0"/>
-                <a:cs typeface="Times New Roman" panose="02020603050405020304" pitchFamily="18" charset="0"/>
-              </a:rPr>
-              <a:t> на текущий момент считается криптостойким и практичен для использования. Теоретически уязвим к атакам "длинного сообщения", но они не являются практичными для взлома.</a:t>
-            </a:r>
-          </a:p>
-          <a:p>
-            <a:pPr algn="just"/>
-            <a:endParaRPr lang="ru-RU" sz="2400" b="0" i="0" u="none" strike="noStrike" dirty="0">
-              <a:solidFill>
-                <a:srgbClr val="0F1115"/>
-              </a:solidFill>
-              <a:effectLst/>
-              <a:latin typeface="Times New Roman" panose="02020603050405020304" pitchFamily="18" charset="0"/>
-              <a:cs typeface="Times New Roman" panose="02020603050405020304" pitchFamily="18" charset="0"/>
-            </a:endParaRPr>
+              <a:t> </a:t>
+            </a:r>
+            <a:r>
+              <a:rPr lang="ru-RU" sz="2400" b="1" dirty="0">
+                <a:solidFill>
+                  <a:srgbClr val="FF0000"/>
+                </a:solidFill>
+                <a:latin typeface="Times New Roman" panose="02020603050405020304" pitchFamily="18" charset="0"/>
+                <a:cs typeface="Times New Roman" panose="02020603050405020304" pitchFamily="18" charset="0"/>
+              </a:rPr>
+              <a:t>Взломан и абсолютно небезопасен. </a:t>
+            </a:r>
+            <a:r>
+              <a:rPr lang="ru-RU" sz="2400" dirty="0">
+                <a:solidFill>
+                  <a:srgbClr val="0F1115"/>
+                </a:solidFill>
+                <a:latin typeface="Times New Roman" panose="02020603050405020304" pitchFamily="18" charset="0"/>
+                <a:cs typeface="Times New Roman" panose="02020603050405020304" pitchFamily="18" charset="0"/>
+              </a:rPr>
+              <a:t>Полностью уязвим к коллизиям (нахождению двух разных сообщений с одинаковым </a:t>
+            </a:r>
+            <a:r>
+              <a:rPr lang="ru-RU" sz="2400" dirty="0" err="1">
+                <a:solidFill>
+                  <a:srgbClr val="0F1115"/>
+                </a:solidFill>
+                <a:latin typeface="Times New Roman" panose="02020603050405020304" pitchFamily="18" charset="0"/>
+                <a:cs typeface="Times New Roman" panose="02020603050405020304" pitchFamily="18" charset="0"/>
+              </a:rPr>
+              <a:t>хэшем</a:t>
+            </a:r>
+            <a:r>
+              <a:rPr lang="ru-RU" sz="2400" dirty="0">
+                <a:solidFill>
+                  <a:srgbClr val="0F1115"/>
+                </a:solidFill>
+                <a:latin typeface="Times New Roman" panose="02020603050405020304" pitchFamily="18" charset="0"/>
+                <a:cs typeface="Times New Roman" panose="02020603050405020304" pitchFamily="18" charset="0"/>
+              </a:rPr>
+              <a:t>). </a:t>
+            </a:r>
+            <a:r>
+              <a:rPr lang="ru-RU" sz="2400" dirty="0" smtClean="0">
+                <a:solidFill>
+                  <a:srgbClr val="0F1115"/>
+                </a:solidFill>
+                <a:latin typeface="Times New Roman" panose="02020603050405020304" pitchFamily="18" charset="0"/>
+                <a:cs typeface="Times New Roman" panose="02020603050405020304" pitchFamily="18" charset="0"/>
+              </a:rPr>
+              <a:t>В 2004 </a:t>
+            </a:r>
+            <a:r>
+              <a:rPr lang="ru-RU" sz="2400" dirty="0">
+                <a:solidFill>
+                  <a:srgbClr val="0F1115"/>
+                </a:solidFill>
+                <a:latin typeface="Times New Roman" panose="02020603050405020304" pitchFamily="18" charset="0"/>
+                <a:cs typeface="Times New Roman" panose="02020603050405020304" pitchFamily="18" charset="0"/>
+              </a:rPr>
+              <a:t>году была продемонстрирована практическая атака, позволяющая найти коллизию за долю </a:t>
+            </a:r>
+            <a:r>
+              <a:rPr lang="ru-RU" sz="2400" dirty="0" smtClean="0">
+                <a:solidFill>
+                  <a:srgbClr val="0F1115"/>
+                </a:solidFill>
+                <a:latin typeface="Times New Roman" panose="02020603050405020304" pitchFamily="18" charset="0"/>
+                <a:cs typeface="Times New Roman" panose="02020603050405020304" pitchFamily="18" charset="0"/>
+              </a:rPr>
+              <a:t>секунды.</a:t>
+            </a:r>
+            <a:r>
+              <a:rPr lang="ru-RU" sz="2400" dirty="0">
+                <a:solidFill>
+                  <a:srgbClr val="0F1115"/>
+                </a:solidFill>
+                <a:latin typeface="Times New Roman" panose="02020603050405020304" pitchFamily="18" charset="0"/>
+                <a:cs typeface="Times New Roman" panose="02020603050405020304" pitchFamily="18" charset="0"/>
+              </a:rPr>
+              <a:t> </a:t>
+            </a:r>
+            <a:r>
+              <a:rPr lang="ru-RU" sz="2400" b="1" dirty="0">
+                <a:solidFill>
+                  <a:srgbClr val="0F1115"/>
+                </a:solidFill>
+                <a:latin typeface="Times New Roman" panose="02020603050405020304" pitchFamily="18" charset="0"/>
+                <a:cs typeface="Times New Roman" panose="02020603050405020304" pitchFamily="18" charset="0"/>
+              </a:rPr>
+              <a:t>Использование MD4 запрещено в любых приложениях, требующих безопасности.</a:t>
+            </a:r>
           </a:p>
         </p:txBody>
       </p:sp>
@@ -7081,7 +7270,7 @@
           <p:cNvPr id="10" name="TextBox 9">
             <a:extLst>
               <a:ext uri="{FF2B5EF4-FFF2-40B4-BE49-F238E27FC236}">
-                <a16:creationId xmlns:a16="http://schemas.microsoft.com/office/drawing/2014/main" id="{D994AB9E-EE56-E9EE-7D11-41064B9E873C}"/>
+                <a16:creationId xmlns="" xmlns:a16="http://schemas.microsoft.com/office/drawing/2014/main" id="{D994AB9E-EE56-E9EE-7D11-41064B9E873C}"/>
               </a:ext>
             </a:extLst>
           </p:cNvPr>
@@ -7106,18 +7295,39 @@
           <a:p>
             <a:pPr algn="ctr"/>
             <a:r>
-              <a:rPr lang="ru-RU" sz="2500" b="1" dirty="0">
-                <a:latin typeface="Times New Roman" panose="02020603050405020304" pitchFamily="18" charset="0"/>
-                <a:cs typeface="Times New Roman" pitchFamily="18" charset="0"/>
-              </a:rPr>
-              <a:t>3.Алгоритм </a:t>
-            </a:r>
-            <a:r>
-              <a:rPr lang="en" sz="2500" b="1" dirty="0">
-                <a:latin typeface="Times New Roman" panose="02020603050405020304" pitchFamily="18" charset="0"/>
-                <a:cs typeface="Times New Roman" pitchFamily="18" charset="0"/>
-              </a:rPr>
-              <a:t>SHA-256</a:t>
+              <a:rPr lang="ru-RU" sz="2500" b="1" dirty="0" smtClean="0">
+                <a:latin typeface="Times New Roman" panose="02020603050405020304" pitchFamily="18" charset="0"/>
+                <a:cs typeface="Times New Roman" pitchFamily="18" charset="0"/>
+              </a:rPr>
+              <a:t>3.</a:t>
+            </a:r>
+            <a:r>
+              <a:rPr lang="en-US" sz="2500" b="1" dirty="0" smtClean="0">
+                <a:latin typeface="Times New Roman" panose="02020603050405020304" pitchFamily="18" charset="0"/>
+                <a:cs typeface="Times New Roman" pitchFamily="18" charset="0"/>
+              </a:rPr>
+              <a:t> </a:t>
+            </a:r>
+            <a:r>
+              <a:rPr lang="ru-RU" sz="2500" b="1" dirty="0" smtClean="0">
+                <a:latin typeface="Times New Roman" panose="02020603050405020304" pitchFamily="18" charset="0"/>
+                <a:cs typeface="Times New Roman" pitchFamily="18" charset="0"/>
+              </a:rPr>
+              <a:t>Хэш-функция </a:t>
+            </a:r>
+            <a:r>
+              <a:rPr lang="en-US" sz="2500" b="1" dirty="0" smtClean="0">
+                <a:latin typeface="Times New Roman" panose="02020603050405020304" pitchFamily="18" charset="0"/>
+                <a:cs typeface="Times New Roman" pitchFamily="18" charset="0"/>
+              </a:rPr>
+              <a:t>MD</a:t>
+            </a:r>
+            <a:r>
+              <a:rPr lang="ru-RU" sz="2500" b="1" dirty="0" smtClean="0">
+                <a:latin typeface="Times New Roman" panose="02020603050405020304" pitchFamily="18" charset="0"/>
+                <a:cs typeface="Times New Roman" pitchFamily="18" charset="0"/>
+              </a:rPr>
+              <a:t>4</a:t>
             </a:r>
             <a:endParaRPr lang="ru-RU" sz="2500" dirty="0">
               <a:latin typeface="Times New Roman" panose="02020603050405020304" pitchFamily="18" charset="0"/>
@@ -7317,351 +7527,258 @@
       </p:grpSpPr>
       <p:sp>
         <p:nvSpPr>
-          <p:cNvPr id="7" name="TextBox 6">
-            <a:extLst>
-              <a:ext uri="{FF2B5EF4-FFF2-40B4-BE49-F238E27FC236}">
-                <a16:creationId xmlns:a16="http://schemas.microsoft.com/office/drawing/2014/main" id="{1024B1EC-46F7-28B3-57B2-DE00AD2ACCC4}"/>
-              </a:ext>
-            </a:extLst>
-          </p:cNvPr>
-          <p:cNvSpPr txBox="1"/>
-          <p:nvPr/>
+          <p:cNvPr id="2" name="Заголовок 1"/>
+          <p:cNvSpPr>
+            <a:spLocks noGrp="1"/>
+          </p:cNvSpPr>
+          <p:nvPr>
+            <p:ph type="title"/>
+          </p:nvPr>
         </p:nvSpPr>
         <p:spPr>
           <a:xfrm>
-            <a:off x="286368" y="692696"/>
-            <a:ext cx="8571264" cy="5262979"/>
+            <a:off x="457200" y="260648"/>
+            <a:ext cx="8229600" cy="720080"/>
           </a:xfrm>
-          <a:prstGeom prst="rect">
-            <a:avLst/>
-          </a:prstGeom>
-          <a:noFill/>
         </p:spPr>
         <p:txBody>
-          <a:bodyPr wrap="square">
-            <a:spAutoFit/>
+          <a:bodyPr>
+            <a:normAutofit/>
           </a:bodyPr>
           <a:lstStyle/>
           <a:p>
-            <a:pPr algn="just"/>
-            <a:r>
-              <a:rPr lang="ru-RU" sz="2400" b="1" dirty="0">
-                <a:latin typeface="Times New Roman" panose="02020603050405020304" pitchFamily="18" charset="0"/>
-                <a:cs typeface="Times New Roman" panose="02020603050405020304" pitchFamily="18" charset="0"/>
-              </a:rPr>
-              <a:t>Принят </a:t>
-            </a:r>
-            <a:r>
-              <a:rPr lang="en" sz="2400" b="1" dirty="0">
-                <a:latin typeface="Times New Roman" panose="02020603050405020304" pitchFamily="18" charset="0"/>
-                <a:cs typeface="Times New Roman" panose="02020603050405020304" pitchFamily="18" charset="0"/>
-              </a:rPr>
-              <a:t>NIST </a:t>
-            </a:r>
-            <a:r>
-              <a:rPr lang="ru-RU" sz="2400" b="1" dirty="0">
-                <a:latin typeface="Times New Roman" panose="02020603050405020304" pitchFamily="18" charset="0"/>
-                <a:cs typeface="Times New Roman" panose="02020603050405020304" pitchFamily="18" charset="0"/>
-              </a:rPr>
-              <a:t>в 2015 году</a:t>
-            </a:r>
-            <a:r>
-              <a:rPr lang="ru-RU" sz="2400" dirty="0">
-                <a:latin typeface="Times New Roman" panose="02020603050405020304" pitchFamily="18" charset="0"/>
-                <a:cs typeface="Times New Roman" panose="02020603050405020304" pitchFamily="18" charset="0"/>
-              </a:rPr>
-              <a:t> как дополнение к </a:t>
-            </a:r>
-            <a:r>
-              <a:rPr lang="en" sz="2400" dirty="0">
-                <a:latin typeface="Times New Roman" panose="02020603050405020304" pitchFamily="18" charset="0"/>
-                <a:cs typeface="Times New Roman" panose="02020603050405020304" pitchFamily="18" charset="0"/>
-              </a:rPr>
-              <a:t>SHA-2 </a:t>
-            </a:r>
-            <a:r>
-              <a:rPr lang="ru-RU" sz="2400" dirty="0">
-                <a:latin typeface="Times New Roman" panose="02020603050405020304" pitchFamily="18" charset="0"/>
-                <a:cs typeface="Times New Roman" panose="02020603050405020304" pitchFamily="18" charset="0"/>
-              </a:rPr>
-              <a:t>(не замена).</a:t>
-            </a:r>
-          </a:p>
-          <a:p>
-            <a:pPr algn="just"/>
-            <a:r>
-              <a:rPr lang="ru-RU" sz="2400" b="1" dirty="0">
-                <a:latin typeface="Times New Roman" panose="02020603050405020304" pitchFamily="18" charset="0"/>
-                <a:cs typeface="Times New Roman" panose="02020603050405020304" pitchFamily="18" charset="0"/>
-              </a:rPr>
-              <a:t>Основан на алгоритме </a:t>
-            </a:r>
-            <a:r>
-              <a:rPr lang="en" sz="2400" b="1" dirty="0">
-                <a:latin typeface="Times New Roman" panose="02020603050405020304" pitchFamily="18" charset="0"/>
-                <a:cs typeface="Times New Roman" panose="02020603050405020304" pitchFamily="18" charset="0"/>
-              </a:rPr>
-              <a:t>Keccak</a:t>
-            </a:r>
-            <a:r>
-              <a:rPr lang="en" sz="2400" dirty="0">
-                <a:latin typeface="Times New Roman" panose="02020603050405020304" pitchFamily="18" charset="0"/>
-                <a:cs typeface="Times New Roman" panose="02020603050405020304" pitchFamily="18" charset="0"/>
-              </a:rPr>
-              <a:t> (</a:t>
-            </a:r>
-            <a:r>
-              <a:rPr lang="ru-RU" sz="2400" dirty="0">
-                <a:latin typeface="Times New Roman" panose="02020603050405020304" pitchFamily="18" charset="0"/>
-                <a:cs typeface="Times New Roman" panose="02020603050405020304" pitchFamily="18" charset="0"/>
-              </a:rPr>
-              <a:t>победитель конкурса </a:t>
-            </a:r>
-            <a:r>
-              <a:rPr lang="en" sz="2400" dirty="0">
-                <a:latin typeface="Times New Roman" panose="02020603050405020304" pitchFamily="18" charset="0"/>
-                <a:cs typeface="Times New Roman" panose="02020603050405020304" pitchFamily="18" charset="0"/>
-              </a:rPr>
-              <a:t>NIST 2007–2012).</a:t>
-            </a:r>
-          </a:p>
-          <a:p>
-            <a:pPr algn="just"/>
-            <a:r>
-              <a:rPr lang="ru-RU" sz="2400" dirty="0">
-                <a:latin typeface="Times New Roman" panose="02020603050405020304" pitchFamily="18" charset="0"/>
-                <a:cs typeface="Times New Roman" panose="02020603050405020304" pitchFamily="18" charset="0"/>
-              </a:rPr>
-              <a:t>Использует </a:t>
-            </a:r>
-            <a:r>
-              <a:rPr lang="ru-RU" sz="2400" b="1" dirty="0">
-                <a:latin typeface="Times New Roman" panose="02020603050405020304" pitchFamily="18" charset="0"/>
-                <a:cs typeface="Times New Roman" panose="02020603050405020304" pitchFamily="18" charset="0"/>
-              </a:rPr>
-              <a:t>«губчатую конструкцию» (</a:t>
-            </a:r>
-            <a:r>
-              <a:rPr lang="en" sz="2400" b="1" dirty="0">
-                <a:latin typeface="Times New Roman" panose="02020603050405020304" pitchFamily="18" charset="0"/>
-                <a:cs typeface="Times New Roman" panose="02020603050405020304" pitchFamily="18" charset="0"/>
-              </a:rPr>
-              <a:t>sponge construction)</a:t>
-            </a:r>
-            <a:r>
-              <a:rPr lang="en" sz="2400" dirty="0">
-                <a:latin typeface="Times New Roman" panose="02020603050405020304" pitchFamily="18" charset="0"/>
-                <a:cs typeface="Times New Roman" panose="02020603050405020304" pitchFamily="18" charset="0"/>
-              </a:rPr>
-              <a:t> </a:t>
-            </a:r>
-            <a:r>
-              <a:rPr lang="ru-RU" sz="2400" dirty="0">
-                <a:latin typeface="Times New Roman" panose="02020603050405020304" pitchFamily="18" charset="0"/>
-                <a:cs typeface="Times New Roman" panose="02020603050405020304" pitchFamily="18" charset="0"/>
-              </a:rPr>
-              <a:t>вместо классической схемы Меркла–</a:t>
-            </a:r>
-            <a:r>
-              <a:rPr lang="ru-RU" sz="2400" dirty="0" err="1">
-                <a:latin typeface="Times New Roman" panose="02020603050405020304" pitchFamily="18" charset="0"/>
-                <a:cs typeface="Times New Roman" panose="02020603050405020304" pitchFamily="18" charset="0"/>
-              </a:rPr>
-              <a:t>Дэмгарда</a:t>
-            </a:r>
-            <a:r>
-              <a:rPr lang="ru-RU" sz="2400" dirty="0">
-                <a:latin typeface="Times New Roman" panose="02020603050405020304" pitchFamily="18" charset="0"/>
-                <a:cs typeface="Times New Roman" panose="02020603050405020304" pitchFamily="18" charset="0"/>
-              </a:rPr>
-              <a:t>.</a:t>
-            </a:r>
-          </a:p>
-          <a:p>
-            <a:pPr algn="just"/>
-            <a:r>
-              <a:rPr lang="ru-RU" sz="2400" dirty="0">
-                <a:latin typeface="Times New Roman" panose="02020603050405020304" pitchFamily="18" charset="0"/>
-                <a:cs typeface="Times New Roman" panose="02020603050405020304" pitchFamily="18" charset="0"/>
-              </a:rPr>
-              <a:t>Поддерживает разные длины хэша: </a:t>
-            </a:r>
-            <a:r>
-              <a:rPr lang="ru-RU" sz="2400" b="1" dirty="0">
-                <a:latin typeface="Times New Roman" panose="02020603050405020304" pitchFamily="18" charset="0"/>
-                <a:cs typeface="Times New Roman" panose="02020603050405020304" pitchFamily="18" charset="0"/>
-              </a:rPr>
-              <a:t>224, 256, 384, 512 бит</a:t>
-            </a:r>
-            <a:r>
-              <a:rPr lang="ru-RU" sz="2400" dirty="0">
-                <a:latin typeface="Times New Roman" panose="02020603050405020304" pitchFamily="18" charset="0"/>
-                <a:cs typeface="Times New Roman" panose="02020603050405020304" pitchFamily="18" charset="0"/>
-              </a:rPr>
-              <a:t>.</a:t>
-            </a:r>
-          </a:p>
-          <a:p>
-            <a:pPr algn="just"/>
-            <a:endParaRPr lang="ru-RU" sz="2400" dirty="0">
+            <a:r>
+              <a:rPr lang="ru-RU" sz="2500" b="1" dirty="0">
+                <a:latin typeface="Times New Roman" panose="02020603050405020304" pitchFamily="18" charset="0"/>
+                <a:ea typeface="+mn-ea"/>
+                <a:cs typeface="Times New Roman" pitchFamily="18" charset="0"/>
+              </a:rPr>
+              <a:t>Хронология появления </a:t>
+            </a:r>
+            <a:r>
+              <a:rPr lang="en-US" sz="2500" b="1" dirty="0">
+                <a:latin typeface="Times New Roman" panose="02020603050405020304" pitchFamily="18" charset="0"/>
+                <a:ea typeface="+mn-ea"/>
+                <a:cs typeface="Times New Roman" pitchFamily="18" charset="0"/>
+              </a:rPr>
+              <a:t>MD4 </a:t>
+            </a:r>
+            <a:r>
+              <a:rPr lang="ru-RU" sz="2500" b="1" dirty="0">
+                <a:latin typeface="Times New Roman" panose="02020603050405020304" pitchFamily="18" charset="0"/>
+                <a:ea typeface="+mn-ea"/>
+                <a:cs typeface="Times New Roman" pitchFamily="18" charset="0"/>
+              </a:rPr>
+              <a:t>или </a:t>
+            </a:r>
+            <a:r>
+              <a:rPr lang="en-US" sz="2500" b="1" dirty="0">
+                <a:latin typeface="Times New Roman" panose="02020603050405020304" pitchFamily="18" charset="0"/>
+                <a:ea typeface="+mn-ea"/>
+                <a:cs typeface="Times New Roman" pitchFamily="18" charset="0"/>
+              </a:rPr>
+              <a:t>MD5</a:t>
+            </a:r>
+            <a:endParaRPr lang="ru-RU" sz="2500" b="1" dirty="0">
               <a:latin typeface="Times New Roman" panose="02020603050405020304" pitchFamily="18" charset="0"/>
-              <a:cs typeface="Times New Roman" panose="02020603050405020304" pitchFamily="18" charset="0"/>
+              <a:ea typeface="+mn-ea"/>
+              <a:cs typeface="Times New Roman" pitchFamily="18" charset="0"/>
             </a:endParaRPr>
           </a:p>
-          <a:p>
-            <a:pPr algn="just"/>
-            <a:r>
-              <a:rPr lang="ru-RU" sz="2400" dirty="0">
-                <a:latin typeface="Times New Roman" panose="02020603050405020304" pitchFamily="18" charset="0"/>
-                <a:cs typeface="Times New Roman" panose="02020603050405020304" pitchFamily="18" charset="0"/>
-              </a:rPr>
-              <a:t>Алгоритм можно использовать как хэш-функцию, потоковый шифр, для генерации случайных чисел.</a:t>
-            </a:r>
-          </a:p>
-          <a:p>
-            <a:pPr algn="just"/>
-            <a:endParaRPr lang="ru-RU" sz="2400" dirty="0">
-              <a:latin typeface="Times New Roman" panose="02020603050405020304" pitchFamily="18" charset="0"/>
-              <a:cs typeface="Times New Roman" panose="02020603050405020304" pitchFamily="18" charset="0"/>
-            </a:endParaRPr>
-          </a:p>
-          <a:p>
-            <a:pPr algn="just"/>
-            <a:r>
-              <a:rPr lang="ru-RU" sz="2400" dirty="0">
-                <a:latin typeface="Times New Roman" panose="02020603050405020304" pitchFamily="18" charset="0"/>
-                <a:cs typeface="Times New Roman" panose="02020603050405020304" pitchFamily="18" charset="0"/>
-              </a:rPr>
-              <a:t>Обеспечивает </a:t>
-            </a:r>
-            <a:r>
-              <a:rPr lang="ru-RU" sz="2400" b="1" dirty="0">
-                <a:latin typeface="Times New Roman" panose="02020603050405020304" pitchFamily="18" charset="0"/>
-                <a:cs typeface="Times New Roman" panose="02020603050405020304" pitchFamily="18" charset="0"/>
-              </a:rPr>
-              <a:t>устойчивость к коллизиям и </a:t>
-            </a:r>
-            <a:r>
-              <a:rPr lang="ru-RU" sz="2400" b="1" dirty="0" err="1">
-                <a:latin typeface="Times New Roman" panose="02020603050405020304" pitchFamily="18" charset="0"/>
-                <a:cs typeface="Times New Roman" panose="02020603050405020304" pitchFamily="18" charset="0"/>
-              </a:rPr>
-              <a:t>предобразам</a:t>
-            </a:r>
-            <a:r>
-              <a:rPr lang="ru-RU" sz="2400" dirty="0">
-                <a:latin typeface="Times New Roman" panose="02020603050405020304" pitchFamily="18" charset="0"/>
-                <a:cs typeface="Times New Roman" panose="02020603050405020304" pitchFamily="18" charset="0"/>
-              </a:rPr>
-              <a:t>, в том числе против атак, эффективных на </a:t>
-            </a:r>
-            <a:r>
-              <a:rPr lang="en" sz="2400" dirty="0">
-                <a:latin typeface="Times New Roman" panose="02020603050405020304" pitchFamily="18" charset="0"/>
-                <a:cs typeface="Times New Roman" panose="02020603050405020304" pitchFamily="18" charset="0"/>
-              </a:rPr>
-              <a:t>SHA-1/SHA-2.</a:t>
-            </a:r>
-            <a:endParaRPr lang="ru-RU" sz="2400" dirty="0">
-              <a:latin typeface="Times New Roman" panose="02020603050405020304" pitchFamily="18" charset="0"/>
-              <a:cs typeface="Times New Roman" panose="02020603050405020304" pitchFamily="18" charset="0"/>
-            </a:endParaRPr>
-          </a:p>
-          <a:p>
-            <a:pPr algn="just"/>
-            <a:r>
-              <a:rPr lang="ru-RU" sz="2400" b="1" i="0" u="none" strike="noStrike" dirty="0">
-                <a:solidFill>
-                  <a:srgbClr val="0F1115"/>
-                </a:solidFill>
-                <a:effectLst/>
-                <a:latin typeface="Times New Roman" panose="02020603050405020304" pitchFamily="18" charset="0"/>
-                <a:cs typeface="Times New Roman" panose="02020603050405020304" pitchFamily="18" charset="0"/>
-              </a:rPr>
-              <a:t>Безопасность: </a:t>
-            </a:r>
-            <a:r>
-              <a:rPr lang="ru-RU" sz="2400" i="0" u="none" strike="noStrike" dirty="0">
-                <a:solidFill>
-                  <a:srgbClr val="0F1115"/>
-                </a:solidFill>
-                <a:effectLst/>
-                <a:latin typeface="Times New Roman" panose="02020603050405020304" pitchFamily="18" charset="0"/>
-                <a:cs typeface="Times New Roman" panose="02020603050405020304" pitchFamily="18" charset="0"/>
-              </a:rPr>
-              <a:t>с</a:t>
-            </a:r>
-            <a:r>
-              <a:rPr lang="ru-RU" sz="2400" dirty="0">
-                <a:latin typeface="Times New Roman" panose="02020603050405020304" pitchFamily="18" charset="0"/>
-                <a:cs typeface="Times New Roman" panose="02020603050405020304" pitchFamily="18" charset="0"/>
-              </a:rPr>
-              <a:t>читается перспективным для долгосрочной криптографической защиты.</a:t>
-            </a:r>
-          </a:p>
-        </p:txBody>
-      </p:sp>
-      <p:sp>
-        <p:nvSpPr>
-          <p:cNvPr id="8" name="TextBox 7">
-            <a:extLst>
-              <a:ext uri="{FF2B5EF4-FFF2-40B4-BE49-F238E27FC236}">
-                <a16:creationId xmlns:a16="http://schemas.microsoft.com/office/drawing/2014/main" id="{338A557A-97C1-6E64-ADA2-F769C4580ED3}"/>
-              </a:ext>
-            </a:extLst>
-          </p:cNvPr>
-          <p:cNvSpPr txBox="1"/>
-          <p:nvPr/>
+        </p:txBody>
+      </p:sp>
+      <p:sp>
+        <p:nvSpPr>
+          <p:cNvPr id="3" name="Объект 2"/>
+          <p:cNvSpPr>
+            <a:spLocks noGrp="1"/>
+          </p:cNvSpPr>
+          <p:nvPr>
+            <p:ph idx="1"/>
+          </p:nvPr>
         </p:nvSpPr>
         <p:spPr>
           <a:xfrm>
-            <a:off x="466388" y="116632"/>
-            <a:ext cx="8064896" cy="477054"/>
+            <a:off x="457200" y="1196752"/>
+            <a:ext cx="8229600" cy="4929411"/>
           </a:xfrm>
-          <a:prstGeom prst="rect">
-            <a:avLst/>
-          </a:prstGeom>
-          <a:noFill/>
         </p:spPr>
         <p:txBody>
-          <a:bodyPr wrap="square">
-            <a:spAutoFit/>
+          <a:bodyPr>
+            <a:normAutofit fontScale="85000" lnSpcReduction="10000"/>
           </a:bodyPr>
           <a:lstStyle/>
           <a:p>
-            <a:pPr algn="ctr"/>
-            <a:r>
-              <a:rPr lang="ru-RU" sz="2500" b="1" dirty="0">
-                <a:latin typeface="Times New Roman" panose="02020603050405020304" pitchFamily="18" charset="0"/>
-                <a:cs typeface="Times New Roman" pitchFamily="18" charset="0"/>
-              </a:rPr>
-              <a:t>3.Алгоритм </a:t>
-            </a:r>
-            <a:r>
-              <a:rPr lang="en" sz="2500" b="1" dirty="0">
-                <a:latin typeface="Times New Roman" panose="02020603050405020304" pitchFamily="18" charset="0"/>
-                <a:cs typeface="Times New Roman" pitchFamily="18" charset="0"/>
-              </a:rPr>
-              <a:t>SHA-</a:t>
-            </a:r>
-            <a:r>
-              <a:rPr lang="ru-RU" sz="2500" b="1" dirty="0">
-                <a:latin typeface="Times New Roman" panose="02020603050405020304" pitchFamily="18" charset="0"/>
-                <a:cs typeface="Times New Roman" pitchFamily="18" charset="0"/>
-              </a:rPr>
-              <a:t>3</a:t>
-            </a:r>
-            <a:endParaRPr lang="ru-RU" sz="2500" dirty="0">
-              <a:latin typeface="Times New Roman" panose="02020603050405020304" pitchFamily="18" charset="0"/>
-              <a:cs typeface="Times New Roman" panose="02020603050405020304" pitchFamily="18" charset="0"/>
-            </a:endParaRPr>
+            <a:pPr algn="just"/>
+            <a:r>
+              <a:rPr lang="ru-RU" b="1" dirty="0">
+                <a:latin typeface="Times New Roman" panose="02020603050405020304" pitchFamily="18" charset="0"/>
+                <a:cs typeface="Times New Roman" panose="02020603050405020304" pitchFamily="18" charset="0"/>
+              </a:rPr>
+              <a:t>MD4</a:t>
+            </a:r>
+            <a:r>
+              <a:rPr lang="ru-RU" dirty="0">
+                <a:latin typeface="Times New Roman" panose="02020603050405020304" pitchFamily="18" charset="0"/>
+                <a:cs typeface="Times New Roman" panose="02020603050405020304" pitchFamily="18" charset="0"/>
+              </a:rPr>
+              <a:t> был разработан Рональдом </a:t>
+            </a:r>
+            <a:r>
+              <a:rPr lang="ru-RU" dirty="0" err="1">
+                <a:latin typeface="Times New Roman" panose="02020603050405020304" pitchFamily="18" charset="0"/>
+                <a:cs typeface="Times New Roman" panose="02020603050405020304" pitchFamily="18" charset="0"/>
+              </a:rPr>
+              <a:t>Ривестом</a:t>
+            </a:r>
+            <a:r>
+              <a:rPr lang="ru-RU" dirty="0">
+                <a:latin typeface="Times New Roman" panose="02020603050405020304" pitchFamily="18" charset="0"/>
+                <a:cs typeface="Times New Roman" panose="02020603050405020304" pitchFamily="18" charset="0"/>
+              </a:rPr>
+              <a:t> в </a:t>
+            </a:r>
+            <a:r>
+              <a:rPr lang="ru-RU" b="1" dirty="0">
+                <a:latin typeface="Times New Roman" panose="02020603050405020304" pitchFamily="18" charset="0"/>
+                <a:cs typeface="Times New Roman" panose="02020603050405020304" pitchFamily="18" charset="0"/>
+              </a:rPr>
+              <a:t>1990 году</a:t>
+            </a:r>
+            <a:r>
+              <a:rPr lang="ru-RU" dirty="0">
+                <a:latin typeface="Times New Roman" panose="02020603050405020304" pitchFamily="18" charset="0"/>
+                <a:cs typeface="Times New Roman" panose="02020603050405020304" pitchFamily="18" charset="0"/>
+              </a:rPr>
+              <a:t>.</a:t>
+            </a:r>
+          </a:p>
+          <a:p>
+            <a:pPr algn="just"/>
+            <a:r>
+              <a:rPr lang="ru-RU" b="1" dirty="0">
+                <a:latin typeface="Times New Roman" panose="02020603050405020304" pitchFamily="18" charset="0"/>
+                <a:cs typeface="Times New Roman" panose="02020603050405020304" pitchFamily="18" charset="0"/>
+              </a:rPr>
+              <a:t>MD5</a:t>
+            </a:r>
+            <a:r>
+              <a:rPr lang="ru-RU" dirty="0">
+                <a:latin typeface="Times New Roman" panose="02020603050405020304" pitchFamily="18" charset="0"/>
+                <a:cs typeface="Times New Roman" panose="02020603050405020304" pitchFamily="18" charset="0"/>
+              </a:rPr>
+              <a:t> был разработан </a:t>
+            </a:r>
+            <a:r>
+              <a:rPr lang="ru-RU" dirty="0">
+                <a:latin typeface="Times New Roman" panose="02020603050405020304" pitchFamily="18" charset="0"/>
+                <a:cs typeface="Times New Roman" panose="02020603050405020304" pitchFamily="18" charset="0"/>
+              </a:rPr>
+              <a:t>Рональдом </a:t>
+            </a:r>
+            <a:r>
+              <a:rPr lang="ru-RU" dirty="0" err="1">
+                <a:latin typeface="Times New Roman" panose="02020603050405020304" pitchFamily="18" charset="0"/>
+                <a:cs typeface="Times New Roman" panose="02020603050405020304" pitchFamily="18" charset="0"/>
+              </a:rPr>
+              <a:t>Ривестом</a:t>
+            </a:r>
+            <a:r>
+              <a:rPr lang="ru-RU" dirty="0">
+                <a:latin typeface="Times New Roman" panose="02020603050405020304" pitchFamily="18" charset="0"/>
+                <a:cs typeface="Times New Roman" panose="02020603050405020304" pitchFamily="18" charset="0"/>
+              </a:rPr>
+              <a:t> </a:t>
+            </a:r>
+            <a:r>
+              <a:rPr lang="ru-RU" dirty="0" smtClean="0">
+                <a:latin typeface="Times New Roman" panose="02020603050405020304" pitchFamily="18" charset="0"/>
+                <a:cs typeface="Times New Roman" panose="02020603050405020304" pitchFamily="18" charset="0"/>
+              </a:rPr>
+              <a:t>в</a:t>
+            </a:r>
+            <a:r>
+              <a:rPr lang="ru-RU" dirty="0">
+                <a:latin typeface="Times New Roman" panose="02020603050405020304" pitchFamily="18" charset="0"/>
+                <a:cs typeface="Times New Roman" panose="02020603050405020304" pitchFamily="18" charset="0"/>
+              </a:rPr>
+              <a:t> </a:t>
+            </a:r>
+            <a:r>
+              <a:rPr lang="ru-RU" b="1" dirty="0">
+                <a:latin typeface="Times New Roman" panose="02020603050405020304" pitchFamily="18" charset="0"/>
+                <a:cs typeface="Times New Roman" panose="02020603050405020304" pitchFamily="18" charset="0"/>
+              </a:rPr>
+              <a:t>1991 году</a:t>
+            </a:r>
+            <a:r>
+              <a:rPr lang="ru-RU" dirty="0">
+                <a:latin typeface="Times New Roman" panose="02020603050405020304" pitchFamily="18" charset="0"/>
+                <a:cs typeface="Times New Roman" panose="02020603050405020304" pitchFamily="18" charset="0"/>
+              </a:rPr>
+              <a:t> как прямая замена и усиленная версия MD4.</a:t>
+            </a:r>
+          </a:p>
+          <a:p>
+            <a:pPr algn="just"/>
+            <a:r>
+              <a:rPr lang="ru-RU" dirty="0">
+                <a:latin typeface="Times New Roman" panose="02020603050405020304" pitchFamily="18" charset="0"/>
+                <a:cs typeface="Times New Roman" panose="02020603050405020304" pitchFamily="18" charset="0"/>
+              </a:rPr>
+              <a:t>Причиной для создания MD5 стало то, что в первом алгоритме очень быстро были обнаружены слабости. </a:t>
+            </a:r>
+            <a:r>
+              <a:rPr lang="ru-RU" dirty="0" err="1">
+                <a:latin typeface="Times New Roman" panose="02020603050405020304" pitchFamily="18" charset="0"/>
+                <a:cs typeface="Times New Roman" panose="02020603050405020304" pitchFamily="18" charset="0"/>
+              </a:rPr>
+              <a:t>Ривест</a:t>
+            </a:r>
+            <a:r>
+              <a:rPr lang="ru-RU" dirty="0">
+                <a:latin typeface="Times New Roman" panose="02020603050405020304" pitchFamily="18" charset="0"/>
+                <a:cs typeface="Times New Roman" panose="02020603050405020304" pitchFamily="18" charset="0"/>
+              </a:rPr>
+              <a:t> усложнил конструкцию MD4 (добавил четвертый раунд, дополнительные константы и т.д.), чтобы получить более стойкий алгоритм, который и был назван MD5.</a:t>
+            </a:r>
+          </a:p>
+          <a:p>
+            <a:pPr algn="just"/>
+            <a:r>
+              <a:rPr lang="ru-RU" dirty="0">
+                <a:latin typeface="Times New Roman" panose="02020603050405020304" pitchFamily="18" charset="0"/>
+                <a:cs typeface="Times New Roman" panose="02020603050405020304" pitchFamily="18" charset="0"/>
+              </a:rPr>
+              <a:t>Таким образом, </a:t>
+            </a:r>
+            <a:r>
+              <a:rPr lang="ru-RU" b="1" dirty="0">
+                <a:latin typeface="Times New Roman" panose="02020603050405020304" pitchFamily="18" charset="0"/>
+                <a:cs typeface="Times New Roman" panose="02020603050405020304" pitchFamily="18" charset="0"/>
+              </a:rPr>
+              <a:t>MD5 является преемником и прямой эволюцией MD4</a:t>
+            </a:r>
+            <a:r>
+              <a:rPr lang="ru-RU" dirty="0">
+                <a:latin typeface="Times New Roman" panose="02020603050405020304" pitchFamily="18" charset="0"/>
+                <a:cs typeface="Times New Roman" panose="02020603050405020304" pitchFamily="18" charset="0"/>
+              </a:rPr>
+              <a:t>.</a:t>
+            </a:r>
+          </a:p>
+          <a:p>
+            <a:pPr marL="0" indent="0">
+              <a:buNone/>
+            </a:pPr>
+            <a:endParaRPr lang="ru-RU" dirty="0"/>
           </a:p>
         </p:txBody>
       </p:sp>
     </p:spTree>
     <p:extLst>
       <p:ext uri="{BB962C8B-B14F-4D97-AF65-F5344CB8AC3E}">
-        <p14:creationId xmlns:p14="http://schemas.microsoft.com/office/powerpoint/2010/main" val="1422345361"/>
+        <p14:creationId xmlns:p14="http://schemas.microsoft.com/office/powerpoint/2010/main" val="2358522090"/>
       </p:ext>
     </p:extLst>
   </p:cSld>
@@ -7690,10 +7807,10 @@
       </p:grpSpPr>
       <p:sp>
         <p:nvSpPr>
-          <p:cNvPr id="7" name="TextBox 6">
+          <p:cNvPr id="5" name="TextBox 4">
             <a:extLst>
               <a:ext uri="{FF2B5EF4-FFF2-40B4-BE49-F238E27FC236}">
-                <a16:creationId xmlns:a16="http://schemas.microsoft.com/office/drawing/2014/main" id="{0D11D34A-1FF1-EB02-7DDB-AA1E41C3C9F2}"/>
+                <a16:creationId xmlns="" xmlns:a16="http://schemas.microsoft.com/office/drawing/2014/main" id="{69999608-3F0D-B337-9EAB-7C62158681D5}"/>
               </a:ext>
             </a:extLst>
           </p:cNvPr>
@@ -7702,8 +7819,8 @@
         </p:nvSpPr>
         <p:spPr>
           <a:xfrm>
-            <a:off x="395536" y="836712"/>
-            <a:ext cx="8352928" cy="6001643"/>
+            <a:off x="34340" y="893033"/>
+            <a:ext cx="8496944" cy="5632311"/>
           </a:xfrm>
           <a:prstGeom prst="rect">
             <a:avLst/>
@@ -7737,13 +7854,70 @@
                 <a:latin typeface="Times New Roman" panose="02020603050405020304" pitchFamily="18" charset="0"/>
                 <a:cs typeface="Times New Roman" panose="02020603050405020304" pitchFamily="18" charset="0"/>
               </a:rPr>
-              <a:t> Российские криптографы (ВНИИСТ, ФСБ России). Принят как национальный стандарт РФ.</a:t>
-            </a:r>
+              <a:t> </a:t>
+            </a:r>
+            <a:r>
+              <a:rPr lang="ru-RU" sz="2400" dirty="0">
+                <a:solidFill>
+                  <a:srgbClr val="0F1115"/>
+                </a:solidFill>
+                <a:latin typeface="Times New Roman" panose="02020603050405020304" pitchFamily="18" charset="0"/>
+                <a:cs typeface="Times New Roman" panose="02020603050405020304" pitchFamily="18" charset="0"/>
+              </a:rPr>
+              <a:t>Рональд </a:t>
+            </a:r>
+            <a:r>
+              <a:rPr lang="ru-RU" sz="2400" dirty="0" err="1">
+                <a:solidFill>
+                  <a:srgbClr val="0F1115"/>
+                </a:solidFill>
+                <a:latin typeface="Times New Roman" panose="02020603050405020304" pitchFamily="18" charset="0"/>
+                <a:cs typeface="Times New Roman" panose="02020603050405020304" pitchFamily="18" charset="0"/>
+              </a:rPr>
+              <a:t>Ривест</a:t>
+            </a:r>
+            <a:r>
+              <a:rPr lang="ru-RU" sz="2400" dirty="0">
+                <a:solidFill>
+                  <a:srgbClr val="0F1115"/>
+                </a:solidFill>
+                <a:latin typeface="Times New Roman" panose="02020603050405020304" pitchFamily="18" charset="0"/>
+                <a:cs typeface="Times New Roman" panose="02020603050405020304" pitchFamily="18" charset="0"/>
+              </a:rPr>
+              <a:t> (</a:t>
+            </a:r>
+            <a:r>
+              <a:rPr lang="en-US" sz="2400" dirty="0">
+                <a:solidFill>
+                  <a:srgbClr val="0F1115"/>
+                </a:solidFill>
+                <a:latin typeface="Times New Roman" panose="02020603050405020304" pitchFamily="18" charset="0"/>
+                <a:cs typeface="Times New Roman" panose="02020603050405020304" pitchFamily="18" charset="0"/>
+              </a:rPr>
+              <a:t>RSA Data Security, Inc</a:t>
+            </a:r>
+            <a:r>
+              <a:rPr lang="en-US" sz="2400" dirty="0" smtClean="0">
+                <a:solidFill>
+                  <a:srgbClr val="0F1115"/>
+                </a:solidFill>
+                <a:latin typeface="Times New Roman" panose="02020603050405020304" pitchFamily="18" charset="0"/>
+                <a:cs typeface="Times New Roman" panose="02020603050405020304" pitchFamily="18" charset="0"/>
+              </a:rPr>
+              <a:t>.).</a:t>
+            </a:r>
+            <a:endParaRPr lang="ru-RU" sz="2400" dirty="0" smtClean="0">
+              <a:solidFill>
+                <a:srgbClr val="0F1115"/>
+              </a:solidFill>
+              <a:latin typeface="Times New Roman" panose="02020603050405020304" pitchFamily="18" charset="0"/>
+              <a:cs typeface="Times New Roman" panose="02020603050405020304" pitchFamily="18" charset="0"/>
+            </a:endParaRPr>
           </a:p>
           <a:p>
             <a:pPr algn="just"/>
             <a:r>
-              <a:rPr lang="ru-RU" sz="2400" b="1" i="0" u="none" strike="noStrike" dirty="0">
+              <a:rPr lang="ru-RU" sz="2400" b="1" i="0" u="none" strike="noStrike" dirty="0" smtClean="0">
                 <a:solidFill>
                   <a:srgbClr val="0F1115"/>
                 </a:solidFill>
@@ -7754,7 +7928,90 @@
               <a:t>Архитектура:</a:t>
             </a:r>
             <a:r>
-              <a:rPr lang="ru-RU" sz="2400" b="0" i="0" u="none" strike="noStrike" dirty="0">
+              <a:rPr lang="ru-RU" sz="2400" dirty="0">
+                <a:solidFill>
+                  <a:srgbClr val="0F1115"/>
+                </a:solidFill>
+                <a:latin typeface="Times New Roman" panose="02020603050405020304" pitchFamily="18" charset="0"/>
+                <a:cs typeface="Times New Roman" panose="02020603050405020304" pitchFamily="18" charset="0"/>
+              </a:rPr>
+              <a:t> И</a:t>
+            </a:r>
+            <a:r>
+              <a:rPr lang="ru-RU" sz="2400" dirty="0" smtClean="0">
+                <a:solidFill>
+                  <a:srgbClr val="0F1115"/>
+                </a:solidFill>
+                <a:latin typeface="Times New Roman" panose="02020603050405020304" pitchFamily="18" charset="0"/>
+                <a:cs typeface="Times New Roman" panose="02020603050405020304" pitchFamily="18" charset="0"/>
+              </a:rPr>
+              <a:t>спользует </a:t>
+            </a:r>
+            <a:r>
+              <a:rPr lang="ru-RU" sz="2400" dirty="0">
+                <a:solidFill>
+                  <a:srgbClr val="0F1115"/>
+                </a:solidFill>
+                <a:latin typeface="Times New Roman" panose="02020603050405020304" pitchFamily="18" charset="0"/>
+                <a:cs typeface="Times New Roman" panose="02020603050405020304" pitchFamily="18" charset="0"/>
+              </a:rPr>
+              <a:t>конструкцию Меркла-</a:t>
+            </a:r>
+            <a:r>
+              <a:rPr lang="ru-RU" sz="2400" dirty="0" err="1">
+                <a:solidFill>
+                  <a:srgbClr val="0F1115"/>
+                </a:solidFill>
+                <a:latin typeface="Times New Roman" panose="02020603050405020304" pitchFamily="18" charset="0"/>
+                <a:cs typeface="Times New Roman" panose="02020603050405020304" pitchFamily="18" charset="0"/>
+              </a:rPr>
+              <a:t>Дамгора</a:t>
+            </a:r>
+            <a:r>
+              <a:rPr lang="ru-RU" sz="2400" dirty="0">
+                <a:solidFill>
+                  <a:srgbClr val="0F1115"/>
+                </a:solidFill>
+                <a:latin typeface="Times New Roman" panose="02020603050405020304" pitchFamily="18" charset="0"/>
+                <a:cs typeface="Times New Roman" panose="02020603050405020304" pitchFamily="18" charset="0"/>
+              </a:rPr>
+              <a:t>. Усложнена по сравнению с MD4: данные обрабатываются блоками по 512 бит, которые проходят четыре раунда (64 шага). Каждый раунд использует свою нелинейную </a:t>
+            </a:r>
+            <a:r>
+              <a:rPr lang="ru-RU" sz="2400" dirty="0" smtClean="0">
+                <a:solidFill>
+                  <a:srgbClr val="0F1115"/>
+                </a:solidFill>
+                <a:latin typeface="Times New Roman" panose="02020603050405020304" pitchFamily="18" charset="0"/>
+                <a:cs typeface="Times New Roman" panose="02020603050405020304" pitchFamily="18" charset="0"/>
+              </a:rPr>
+              <a:t>функцию и добавляется </a:t>
+            </a:r>
+            <a:r>
+              <a:rPr lang="ru-RU" sz="2400" dirty="0">
+                <a:solidFill>
+                  <a:srgbClr val="0F1115"/>
+                </a:solidFill>
+                <a:latin typeface="Times New Roman" panose="02020603050405020304" pitchFamily="18" charset="0"/>
+                <a:cs typeface="Times New Roman" panose="02020603050405020304" pitchFamily="18" charset="0"/>
+              </a:rPr>
+              <a:t>уникальная аддитивная константа на каждом шаге</a:t>
+            </a:r>
+            <a:r>
+              <a:rPr lang="ru-RU" sz="2400" dirty="0" smtClean="0">
+                <a:solidFill>
+                  <a:srgbClr val="0F1115"/>
+                </a:solidFill>
+                <a:latin typeface="Times New Roman" panose="02020603050405020304" pitchFamily="18" charset="0"/>
+                <a:cs typeface="Times New Roman" panose="02020603050405020304" pitchFamily="18" charset="0"/>
+              </a:rPr>
+              <a:t>.</a:t>
+            </a:r>
+          </a:p>
+          <a:p>
+            <a:pPr algn="just"/>
+            <a:r>
+              <a:rPr lang="ru-RU" sz="2400" b="1" i="0" u="none" strike="noStrike" dirty="0" smtClean="0">
                 <a:solidFill>
                   <a:srgbClr val="0F1115"/>
                 </a:solidFill>
@@ -7762,66 +8019,179 @@
                 <a:latin typeface="Times New Roman" panose="02020603050405020304" pitchFamily="18" charset="0"/>
                 <a:cs typeface="Times New Roman" panose="02020603050405020304" pitchFamily="18" charset="0"/>
               </a:rPr>
-              <a:t> в основе лежит </a:t>
-            </a:r>
-            <a:r>
-              <a:rPr lang="ru-RU" sz="2400" b="1" i="0" u="none" strike="noStrike" dirty="0">
-                <a:solidFill>
-                  <a:srgbClr val="0F1115"/>
-                </a:solidFill>
-                <a:effectLst/>
-                <a:latin typeface="Times New Roman" panose="02020603050405020304" pitchFamily="18" charset="0"/>
-                <a:cs typeface="Times New Roman" panose="02020603050405020304" pitchFamily="18" charset="0"/>
-              </a:rPr>
-              <a:t>отечественный блочный шифр "Кузнечик" (ГОСТ Р 34.12-2015)</a:t>
-            </a:r>
-            <a:r>
-              <a:rPr lang="ru-RU" sz="2400" b="0" i="0" u="none" strike="noStrike" dirty="0">
-                <a:solidFill>
-                  <a:srgbClr val="0F1115"/>
-                </a:solidFill>
-                <a:effectLst/>
-                <a:latin typeface="Times New Roman" panose="02020603050405020304" pitchFamily="18" charset="0"/>
-                <a:cs typeface="Times New Roman" panose="02020603050405020304" pitchFamily="18" charset="0"/>
-              </a:rPr>
-              <a:t>. Алгоритм использует сеть </a:t>
-            </a:r>
-            <a:r>
-              <a:rPr lang="ru-RU" sz="2400" b="0" i="0" u="none" strike="noStrike" dirty="0" err="1">
-                <a:solidFill>
-                  <a:srgbClr val="0F1115"/>
-                </a:solidFill>
-                <a:effectLst/>
-                <a:latin typeface="Times New Roman" panose="02020603050405020304" pitchFamily="18" charset="0"/>
-                <a:cs typeface="Times New Roman" panose="02020603050405020304" pitchFamily="18" charset="0"/>
-              </a:rPr>
-              <a:t>Фейстеля</a:t>
-            </a:r>
-            <a:r>
-              <a:rPr lang="ru-RU" sz="2400" b="0" i="0" u="none" strike="noStrike" dirty="0">
-                <a:solidFill>
-                  <a:srgbClr val="0F1115"/>
-                </a:solidFill>
-                <a:effectLst/>
-                <a:latin typeface="Times New Roman" panose="02020603050405020304" pitchFamily="18" charset="0"/>
-                <a:cs typeface="Times New Roman" panose="02020603050405020304" pitchFamily="18" charset="0"/>
-              </a:rPr>
-              <a:t>.</a:t>
+              <a:t>Ключевые особенности:</a:t>
+            </a:r>
+            <a:endParaRPr lang="ru-RU" sz="2400" b="0" i="0" u="none" strike="noStrike" dirty="0" smtClean="0">
+              <a:solidFill>
+                <a:srgbClr val="0F1115"/>
+              </a:solidFill>
+              <a:effectLst/>
+              <a:latin typeface="Times New Roman" panose="02020603050405020304" pitchFamily="18" charset="0"/>
+              <a:cs typeface="Times New Roman" panose="02020603050405020304" pitchFamily="18" charset="0"/>
+            </a:endParaRPr>
+          </a:p>
+          <a:p>
+            <a:pPr indent="185738" algn="just">
+              <a:buFont typeface="Arial" panose="020B0604020202020204" pitchFamily="34" charset="0"/>
+              <a:buChar char="•"/>
+            </a:pPr>
+            <a:r>
+              <a:rPr lang="ru-RU" sz="2400" dirty="0" smtClean="0">
+                <a:solidFill>
+                  <a:srgbClr val="0F1115"/>
+                </a:solidFill>
+                <a:latin typeface="Times New Roman" panose="02020603050405020304" pitchFamily="18" charset="0"/>
+                <a:cs typeface="Times New Roman" panose="02020603050405020304" pitchFamily="18" charset="0"/>
+              </a:rPr>
+              <a:t>Вырабатывает </a:t>
+            </a:r>
+            <a:r>
+              <a:rPr lang="ru-RU" sz="2400" dirty="0" err="1">
+                <a:solidFill>
+                  <a:srgbClr val="0F1115"/>
+                </a:solidFill>
+                <a:latin typeface="Times New Roman" panose="02020603050405020304" pitchFamily="18" charset="0"/>
+                <a:cs typeface="Times New Roman" panose="02020603050405020304" pitchFamily="18" charset="0"/>
+              </a:rPr>
+              <a:t>хэш</a:t>
+            </a:r>
+            <a:r>
+              <a:rPr lang="ru-RU" sz="2400" dirty="0">
+                <a:solidFill>
+                  <a:srgbClr val="0F1115"/>
+                </a:solidFill>
+                <a:latin typeface="Times New Roman" panose="02020603050405020304" pitchFamily="18" charset="0"/>
+                <a:cs typeface="Times New Roman" panose="02020603050405020304" pitchFamily="18" charset="0"/>
+              </a:rPr>
+              <a:t> длиной </a:t>
+            </a:r>
+            <a:r>
+              <a:rPr lang="ru-RU" sz="2400" b="1" dirty="0">
+                <a:solidFill>
+                  <a:srgbClr val="0F1115"/>
+                </a:solidFill>
+                <a:latin typeface="Times New Roman" panose="02020603050405020304" pitchFamily="18" charset="0"/>
+                <a:cs typeface="Times New Roman" panose="02020603050405020304" pitchFamily="18" charset="0"/>
+              </a:rPr>
+              <a:t>128 бит</a:t>
+            </a:r>
+            <a:r>
+              <a:rPr lang="ru-RU" sz="2400" dirty="0">
+                <a:solidFill>
+                  <a:srgbClr val="0F1115"/>
+                </a:solidFill>
+                <a:latin typeface="Times New Roman" panose="02020603050405020304" pitchFamily="18" charset="0"/>
+                <a:cs typeface="Times New Roman" panose="02020603050405020304" pitchFamily="18" charset="0"/>
+              </a:rPr>
+              <a:t> (16 байт).</a:t>
+            </a:r>
+          </a:p>
+          <a:p>
+            <a:pPr algn="just">
+              <a:buFont typeface="Arial" panose="020B0604020202020204" pitchFamily="34" charset="0"/>
+              <a:buChar char="•"/>
+            </a:pPr>
+            <a:r>
+              <a:rPr lang="ru-RU" sz="2400" dirty="0" smtClean="0">
+                <a:solidFill>
+                  <a:srgbClr val="0F1115"/>
+                </a:solidFill>
+                <a:latin typeface="Times New Roman" panose="02020603050405020304" pitchFamily="18" charset="0"/>
+                <a:cs typeface="Times New Roman" panose="02020603050405020304" pitchFamily="18" charset="0"/>
+              </a:rPr>
+              <a:t> Широко </a:t>
+            </a:r>
+            <a:r>
+              <a:rPr lang="ru-RU" sz="2400" dirty="0">
+                <a:solidFill>
+                  <a:srgbClr val="0F1115"/>
+                </a:solidFill>
+                <a:latin typeface="Times New Roman" panose="02020603050405020304" pitchFamily="18" charset="0"/>
+                <a:cs typeface="Times New Roman" panose="02020603050405020304" pitchFamily="18" charset="0"/>
+              </a:rPr>
+              <a:t>использовался для:</a:t>
+            </a:r>
+          </a:p>
+          <a:p>
+            <a:pPr marL="742950" lvl="1" indent="-285750" algn="just">
+              <a:buFont typeface="Arial" panose="020B0604020202020204" pitchFamily="34" charset="0"/>
+              <a:buChar char="•"/>
+            </a:pPr>
+            <a:r>
+              <a:rPr lang="ru-RU" sz="2400" dirty="0">
+                <a:solidFill>
+                  <a:srgbClr val="0F1115"/>
+                </a:solidFill>
+                <a:latin typeface="Times New Roman" panose="02020603050405020304" pitchFamily="18" charset="0"/>
+                <a:cs typeface="Times New Roman" panose="02020603050405020304" pitchFamily="18" charset="0"/>
+              </a:rPr>
+              <a:t>Проверки целостности данных </a:t>
+            </a:r>
+            <a:r>
+              <a:rPr lang="ru-RU" sz="2400" dirty="0" smtClean="0">
+                <a:solidFill>
+                  <a:srgbClr val="0F1115"/>
+                </a:solidFill>
+                <a:latin typeface="Times New Roman" panose="02020603050405020304" pitchFamily="18" charset="0"/>
+                <a:cs typeface="Times New Roman" panose="02020603050405020304" pitchFamily="18" charset="0"/>
+              </a:rPr>
+              <a:t>(контрольные </a:t>
+            </a:r>
+            <a:r>
+              <a:rPr lang="ru-RU" sz="2400" dirty="0">
+                <a:solidFill>
+                  <a:srgbClr val="0F1115"/>
+                </a:solidFill>
+                <a:latin typeface="Times New Roman" panose="02020603050405020304" pitchFamily="18" charset="0"/>
+                <a:cs typeface="Times New Roman" panose="02020603050405020304" pitchFamily="18" charset="0"/>
+              </a:rPr>
+              <a:t>суммы файлов).</a:t>
+            </a:r>
+          </a:p>
+          <a:p>
+            <a:pPr marL="742950" lvl="1" indent="-285750" algn="just">
+              <a:buFont typeface="Arial" panose="020B0604020202020204" pitchFamily="34" charset="0"/>
+              <a:buChar char="•"/>
+            </a:pPr>
+            <a:r>
+              <a:rPr lang="ru-RU" sz="2400" dirty="0" err="1">
+                <a:solidFill>
+                  <a:srgbClr val="0F1115"/>
+                </a:solidFill>
+                <a:latin typeface="Times New Roman" panose="02020603050405020304" pitchFamily="18" charset="0"/>
+                <a:cs typeface="Times New Roman" panose="02020603050405020304" pitchFamily="18" charset="0"/>
+              </a:rPr>
+              <a:t>Хэширования</a:t>
+            </a:r>
+            <a:r>
+              <a:rPr lang="ru-RU" sz="2400" dirty="0">
+                <a:solidFill>
+                  <a:srgbClr val="0F1115"/>
+                </a:solidFill>
+                <a:latin typeface="Times New Roman" panose="02020603050405020304" pitchFamily="18" charset="0"/>
+                <a:cs typeface="Times New Roman" panose="02020603050405020304" pitchFamily="18" charset="0"/>
+              </a:rPr>
+              <a:t> паролей в базах данных (с использованием "соли").</a:t>
+            </a:r>
+          </a:p>
+          <a:p>
+            <a:pPr marL="742950" lvl="1" indent="-285750" algn="just">
+              <a:buFont typeface="Arial" panose="020B0604020202020204" pitchFamily="34" charset="0"/>
+              <a:buChar char="•"/>
+            </a:pPr>
+            <a:r>
+              <a:rPr lang="ru-RU" sz="2400" dirty="0">
+                <a:solidFill>
+                  <a:srgbClr val="0F1115"/>
+                </a:solidFill>
+                <a:latin typeface="Times New Roman" panose="02020603050405020304" pitchFamily="18" charset="0"/>
+                <a:cs typeface="Times New Roman" panose="02020603050405020304" pitchFamily="18" charset="0"/>
+              </a:rPr>
+              <a:t>Цифровых подписей и сертификатов.</a:t>
             </a:r>
           </a:p>
           <a:p>
             <a:pPr algn="just"/>
-            <a:r>
-              <a:rPr lang="ru-RU" sz="2400" b="1" i="0" u="none" strike="noStrike" dirty="0">
-                <a:solidFill>
-                  <a:srgbClr val="0F1115"/>
-                </a:solidFill>
-                <a:effectLst/>
-                <a:latin typeface="Times New Roman" panose="02020603050405020304" pitchFamily="18" charset="0"/>
-                <a:cs typeface="Times New Roman" panose="02020603050405020304" pitchFamily="18" charset="0"/>
-              </a:rPr>
-              <a:t>Ключевые особенности:</a:t>
-            </a:r>
             <a:endParaRPr lang="ru-RU" sz="2400" b="0" i="0" u="none" strike="noStrike" dirty="0">
               <a:solidFill>
                 <a:srgbClr val="0F1115"/>
@@ -7831,117 +8201,14 @@
               <a:cs typeface="Times New Roman" panose="02020603050405020304" pitchFamily="18" charset="0"/>
             </a:endParaRPr>
           </a:p>
-          <a:p>
-            <a:pPr marL="742950" lvl="1" indent="-285750" algn="just">
-              <a:buFont typeface="Arial" panose="020B0604020202020204" pitchFamily="34" charset="0"/>
-              <a:buChar char="•"/>
-            </a:pPr>
-            <a:r>
-              <a:rPr lang="ru-RU" sz="2400" b="1" i="0" u="none" strike="noStrike" dirty="0">
-                <a:solidFill>
-                  <a:srgbClr val="0F1115"/>
-                </a:solidFill>
-                <a:effectLst/>
-                <a:latin typeface="Times New Roman" panose="02020603050405020304" pitchFamily="18" charset="0"/>
-                <a:cs typeface="Times New Roman" panose="02020603050405020304" pitchFamily="18" charset="0"/>
-              </a:rPr>
-              <a:t>Две модификации:</a:t>
-            </a:r>
-            <a:r>
-              <a:rPr lang="ru-RU" sz="2400" b="0" i="0" u="none" strike="noStrike" dirty="0">
-                <a:solidFill>
-                  <a:srgbClr val="0F1115"/>
-                </a:solidFill>
-                <a:effectLst/>
-                <a:latin typeface="Times New Roman" panose="02020603050405020304" pitchFamily="18" charset="0"/>
-                <a:cs typeface="Times New Roman" panose="02020603050405020304" pitchFamily="18" charset="0"/>
-              </a:rPr>
-              <a:t> "Стрибог-256" (256 бит) и "Стрибог-512" (512 бит).</a:t>
-            </a:r>
-          </a:p>
-          <a:p>
-            <a:pPr marL="742950" lvl="1" indent="-285750" algn="just">
-              <a:buFont typeface="Arial" panose="020B0604020202020204" pitchFamily="34" charset="0"/>
-              <a:buChar char="•"/>
-            </a:pPr>
-            <a:r>
-              <a:rPr lang="ru-RU" sz="2400" b="1" i="0" u="none" strike="noStrike" dirty="0">
-                <a:solidFill>
-                  <a:srgbClr val="0F1115"/>
-                </a:solidFill>
-                <a:effectLst/>
-                <a:latin typeface="Times New Roman" panose="02020603050405020304" pitchFamily="18" charset="0"/>
-                <a:cs typeface="Times New Roman" panose="02020603050405020304" pitchFamily="18" charset="0"/>
-              </a:rPr>
-              <a:t>Нормативное требование:</a:t>
-            </a:r>
-            <a:r>
-              <a:rPr lang="ru-RU" sz="2400" b="0" i="0" u="none" strike="noStrike" dirty="0">
-                <a:solidFill>
-                  <a:srgbClr val="0F1115"/>
-                </a:solidFill>
-                <a:effectLst/>
-                <a:latin typeface="Times New Roman" panose="02020603050405020304" pitchFamily="18" charset="0"/>
-                <a:cs typeface="Times New Roman" panose="02020603050405020304" pitchFamily="18" charset="0"/>
-              </a:rPr>
-              <a:t> является </a:t>
-            </a:r>
-            <a:r>
-              <a:rPr lang="ru-RU" sz="2400" b="1" i="0" u="none" strike="noStrike" dirty="0">
-                <a:solidFill>
-                  <a:srgbClr val="0F1115"/>
-                </a:solidFill>
-                <a:effectLst/>
-                <a:latin typeface="Times New Roman" panose="02020603050405020304" pitchFamily="18" charset="0"/>
-                <a:cs typeface="Times New Roman" panose="02020603050405020304" pitchFamily="18" charset="0"/>
-              </a:rPr>
-              <a:t>обязательным</a:t>
-            </a:r>
-            <a:r>
-              <a:rPr lang="ru-RU" sz="2400" b="0" i="0" u="none" strike="noStrike" dirty="0">
-                <a:solidFill>
-                  <a:srgbClr val="0F1115"/>
-                </a:solidFill>
-                <a:effectLst/>
-                <a:latin typeface="Times New Roman" panose="02020603050405020304" pitchFamily="18" charset="0"/>
-                <a:cs typeface="Times New Roman" panose="02020603050405020304" pitchFamily="18" charset="0"/>
-              </a:rPr>
-              <a:t> для использования в Российской Федерации в средствах криптографической защиты информации (СКЗИ) и для работы с квалифицированной электронной подписью (КЭП) согласно Федеральному закону № 63-ФЗ.</a:t>
-            </a:r>
-          </a:p>
-          <a:p>
-            <a:pPr algn="just"/>
-            <a:r>
-              <a:rPr lang="ru-RU" sz="2400" b="1" i="0" u="none" strike="noStrike" dirty="0">
-                <a:solidFill>
-                  <a:srgbClr val="0F1115"/>
-                </a:solidFill>
-                <a:effectLst/>
-                <a:latin typeface="Times New Roman" panose="02020603050405020304" pitchFamily="18" charset="0"/>
-                <a:cs typeface="Times New Roman" panose="02020603050405020304" pitchFamily="18" charset="0"/>
-              </a:rPr>
-              <a:t>Назначение:</a:t>
-            </a:r>
-            <a:r>
-              <a:rPr lang="ru-RU" sz="2400" b="0" i="0" u="none" strike="noStrike" dirty="0">
-                <a:solidFill>
-                  <a:srgbClr val="0F1115"/>
-                </a:solidFill>
-                <a:effectLst/>
-                <a:latin typeface="Times New Roman" panose="02020603050405020304" pitchFamily="18" charset="0"/>
-                <a:cs typeface="Times New Roman" panose="02020603050405020304" pitchFamily="18" charset="0"/>
-              </a:rPr>
-              <a:t> Защита информации в государственных информационных системах, обеспечение юридической значимости электронных документов в РФ.</a:t>
-            </a:r>
-          </a:p>
-        </p:txBody>
-      </p:sp>
-      <p:sp>
-        <p:nvSpPr>
-          <p:cNvPr id="8" name="TextBox 7">
+        </p:txBody>
+      </p:sp>
+      <p:sp>
+        <p:nvSpPr>
+          <p:cNvPr id="10" name="TextBox 9">
             <a:extLst>
               <a:ext uri="{FF2B5EF4-FFF2-40B4-BE49-F238E27FC236}">
-                <a16:creationId xmlns:a16="http://schemas.microsoft.com/office/drawing/2014/main" id="{7AD4DAFC-06D3-8ACE-E5F7-22DDA2583B9A}"/>
+                <a16:creationId xmlns="" xmlns:a16="http://schemas.microsoft.com/office/drawing/2014/main" id="{D994AB9E-EE56-E9EE-7D11-41064B9E873C}"/>
               </a:ext>
             </a:extLst>
           </p:cNvPr>
@@ -7966,19 +8233,51 @@
           <a:p>
             <a:pPr algn="ctr"/>
             <a:r>
+              <a:rPr lang="ru-RU" sz="2500" b="1" dirty="0" smtClean="0">
+                <a:latin typeface="Times New Roman" panose="02020603050405020304" pitchFamily="18" charset="0"/>
+                <a:cs typeface="Times New Roman" pitchFamily="18" charset="0"/>
+              </a:rPr>
+              <a:t>3.</a:t>
+            </a:r>
+            <a:r>
+              <a:rPr lang="en-US" sz="2500" b="1" dirty="0" smtClean="0">
+                <a:latin typeface="Times New Roman" panose="02020603050405020304" pitchFamily="18" charset="0"/>
+                <a:cs typeface="Times New Roman" pitchFamily="18" charset="0"/>
+              </a:rPr>
+              <a:t> </a:t>
+            </a:r>
+            <a:r>
+              <a:rPr lang="ru-RU" sz="2500" b="1" dirty="0" smtClean="0">
+                <a:latin typeface="Times New Roman" panose="02020603050405020304" pitchFamily="18" charset="0"/>
+                <a:cs typeface="Times New Roman" pitchFamily="18" charset="0"/>
+              </a:rPr>
+              <a:t>Хэш-функция </a:t>
+            </a:r>
+            <a:r>
+              <a:rPr lang="en-US" sz="2500" b="1" dirty="0" smtClean="0">
+                <a:latin typeface="Times New Roman" panose="02020603050405020304" pitchFamily="18" charset="0"/>
+                <a:cs typeface="Times New Roman" pitchFamily="18" charset="0"/>
+              </a:rPr>
+              <a:t>MD</a:t>
+            </a:r>
+            <a:r>
               <a:rPr lang="ru-RU" sz="2500" b="1" dirty="0">
                 <a:latin typeface="Times New Roman" panose="02020603050405020304" pitchFamily="18" charset="0"/>
                 <a:cs typeface="Times New Roman" pitchFamily="18" charset="0"/>
               </a:rPr>
-              <a:t>3.Алгоритм ГОСТ Р 34.11-2012 ("Стрибог")</a:t>
-            </a:r>
+              <a:t>5</a:t>
+            </a:r>
+            <a:endParaRPr lang="ru-RU" sz="2500" dirty="0">
+              <a:latin typeface="Times New Roman" panose="02020603050405020304" pitchFamily="18" charset="0"/>
+              <a:cs typeface="Times New Roman" panose="02020603050405020304" pitchFamily="18" charset="0"/>
+            </a:endParaRPr>
           </a:p>
         </p:txBody>
       </p:sp>
     </p:spTree>
     <p:extLst>
       <p:ext uri="{BB962C8B-B14F-4D97-AF65-F5344CB8AC3E}">
-        <p14:creationId xmlns:p14="http://schemas.microsoft.com/office/powerpoint/2010/main" val="1633476440"/>
+        <p14:creationId xmlns:p14="http://schemas.microsoft.com/office/powerpoint/2010/main" val="2256373850"/>
       </p:ext>
     </p:extLst>
   </p:cSld>
@@ -8005,12 +8304,1579 @@
           <a:chExt cx="0" cy="0"/>
         </a:xfrm>
       </p:grpSpPr>
+      <p:sp>
+        <p:nvSpPr>
+          <p:cNvPr id="5" name="TextBox 4">
+            <a:extLst>
+              <a:ext uri="{FF2B5EF4-FFF2-40B4-BE49-F238E27FC236}">
+                <a16:creationId xmlns="" xmlns:a16="http://schemas.microsoft.com/office/drawing/2014/main" id="{69999608-3F0D-B337-9EAB-7C62158681D5}"/>
+              </a:ext>
+            </a:extLst>
+          </p:cNvPr>
+          <p:cNvSpPr txBox="1"/>
+          <p:nvPr/>
+        </p:nvSpPr>
+        <p:spPr>
+          <a:xfrm>
+            <a:off x="34340" y="585550"/>
+            <a:ext cx="8496944" cy="5262979"/>
+          </a:xfrm>
+          <a:prstGeom prst="rect">
+            <a:avLst/>
+          </a:prstGeom>
+          <a:noFill/>
+        </p:spPr>
+        <p:txBody>
+          <a:bodyPr wrap="square">
+            <a:spAutoFit/>
+          </a:bodyPr>
+          <a:lstStyle/>
+          <a:p>
+            <a:r>
+              <a:rPr lang="ru-RU" sz="2400" b="1" i="0" u="none" strike="noStrike" dirty="0" smtClean="0">
+                <a:solidFill>
+                  <a:srgbClr val="0F1115"/>
+                </a:solidFill>
+                <a:effectLst/>
+                <a:latin typeface="Times New Roman" panose="02020603050405020304" pitchFamily="18" charset="0"/>
+                <a:cs typeface="Times New Roman" panose="02020603050405020304" pitchFamily="18" charset="0"/>
+              </a:rPr>
+              <a:t>Безопасность</a:t>
+            </a:r>
+            <a:r>
+              <a:rPr lang="ru-RU" sz="2400" b="1" i="0" u="none" strike="noStrike" dirty="0">
+                <a:solidFill>
+                  <a:srgbClr val="0F1115"/>
+                </a:solidFill>
+                <a:effectLst/>
+                <a:latin typeface="Times New Roman" panose="02020603050405020304" pitchFamily="18" charset="0"/>
+                <a:cs typeface="Times New Roman" panose="02020603050405020304" pitchFamily="18" charset="0"/>
+              </a:rPr>
+              <a:t>:</a:t>
+            </a:r>
+            <a:r>
+              <a:rPr lang="ru-RU" sz="2400" b="0" i="0" u="none" strike="noStrike" dirty="0">
+                <a:solidFill>
+                  <a:srgbClr val="0F1115"/>
+                </a:solidFill>
+                <a:effectLst/>
+                <a:latin typeface="Times New Roman" panose="02020603050405020304" pitchFamily="18" charset="0"/>
+                <a:cs typeface="Times New Roman" panose="02020603050405020304" pitchFamily="18" charset="0"/>
+              </a:rPr>
+              <a:t> </a:t>
+            </a:r>
+            <a:r>
+              <a:rPr lang="ru-RU" sz="2400" b="1" dirty="0"/>
+              <a:t> </a:t>
+            </a:r>
+            <a:r>
+              <a:rPr lang="ru-RU" sz="2400" b="1" dirty="0">
+                <a:solidFill>
+                  <a:srgbClr val="FF0000"/>
+                </a:solidFill>
+                <a:latin typeface="Times New Roman" panose="02020603050405020304" pitchFamily="18" charset="0"/>
+                <a:cs typeface="Times New Roman" panose="02020603050405020304" pitchFamily="18" charset="0"/>
+              </a:rPr>
+              <a:t>Взломан и не считается </a:t>
+            </a:r>
+            <a:r>
+              <a:rPr lang="ru-RU" sz="2400" b="1" dirty="0" err="1" smtClean="0">
+                <a:solidFill>
+                  <a:srgbClr val="FF0000"/>
+                </a:solidFill>
+                <a:latin typeface="Times New Roman" panose="02020603050405020304" pitchFamily="18" charset="0"/>
+                <a:cs typeface="Times New Roman" panose="02020603050405020304" pitchFamily="18" charset="0"/>
+              </a:rPr>
+              <a:t>криптостойким</a:t>
+            </a:r>
+            <a:r>
+              <a:rPr lang="ru-RU" sz="2400" b="1" dirty="0">
+                <a:solidFill>
+                  <a:srgbClr val="FF0000"/>
+                </a:solidFill>
+                <a:latin typeface="Times New Roman" panose="02020603050405020304" pitchFamily="18" charset="0"/>
+                <a:cs typeface="Times New Roman" panose="02020603050405020304" pitchFamily="18" charset="0"/>
+              </a:rPr>
+              <a:t>!</a:t>
+            </a:r>
+            <a:endParaRPr lang="ru-RU" sz="2400" b="1" dirty="0">
+              <a:solidFill>
+                <a:srgbClr val="FF0000"/>
+              </a:solidFill>
+              <a:latin typeface="Times New Roman" panose="02020603050405020304" pitchFamily="18" charset="0"/>
+              <a:cs typeface="Times New Roman" panose="02020603050405020304" pitchFamily="18" charset="0"/>
+            </a:endParaRPr>
+          </a:p>
+          <a:p>
+            <a:pPr algn="just"/>
+            <a:r>
+              <a:rPr lang="ru-RU" sz="2400" dirty="0">
+                <a:solidFill>
+                  <a:srgbClr val="0F1115"/>
+                </a:solidFill>
+                <a:latin typeface="Times New Roman" panose="02020603050405020304" pitchFamily="18" charset="0"/>
+                <a:cs typeface="Times New Roman" panose="02020603050405020304" pitchFamily="18" charset="0"/>
+              </a:rPr>
+              <a:t>Уязвим к </a:t>
+            </a:r>
+            <a:r>
+              <a:rPr lang="ru-RU" sz="2400" dirty="0" smtClean="0">
+                <a:solidFill>
+                  <a:srgbClr val="0F1115"/>
+                </a:solidFill>
+                <a:latin typeface="Times New Roman" panose="02020603050405020304" pitchFamily="18" charset="0"/>
+                <a:cs typeface="Times New Roman" panose="02020603050405020304" pitchFamily="18" charset="0"/>
+              </a:rPr>
+              <a:t>коллизиям. В </a:t>
+            </a:r>
+            <a:r>
+              <a:rPr lang="ru-RU" sz="2400" dirty="0">
+                <a:solidFill>
+                  <a:srgbClr val="0F1115"/>
+                </a:solidFill>
+                <a:latin typeface="Times New Roman" panose="02020603050405020304" pitchFamily="18" charset="0"/>
+                <a:cs typeface="Times New Roman" panose="02020603050405020304" pitchFamily="18" charset="0"/>
+              </a:rPr>
+              <a:t>2004 году была продемонстрирована практическая </a:t>
+            </a:r>
+            <a:r>
+              <a:rPr lang="ru-RU" sz="2400" dirty="0" smtClean="0">
+                <a:solidFill>
+                  <a:srgbClr val="0F1115"/>
+                </a:solidFill>
+                <a:latin typeface="Times New Roman" panose="02020603050405020304" pitchFamily="18" charset="0"/>
+                <a:cs typeface="Times New Roman" panose="02020603050405020304" pitchFamily="18" charset="0"/>
+              </a:rPr>
+              <a:t>атака.</a:t>
+            </a:r>
+            <a:endParaRPr lang="ru-RU" sz="2400" dirty="0">
+              <a:solidFill>
+                <a:srgbClr val="0F1115"/>
+              </a:solidFill>
+              <a:latin typeface="Times New Roman" panose="02020603050405020304" pitchFamily="18" charset="0"/>
+              <a:cs typeface="Times New Roman" panose="02020603050405020304" pitchFamily="18" charset="0"/>
+            </a:endParaRPr>
+          </a:p>
+          <a:p>
+            <a:pPr algn="just"/>
+            <a:r>
+              <a:rPr lang="ru-RU" sz="2400" dirty="0">
+                <a:solidFill>
+                  <a:srgbClr val="0F1115"/>
+                </a:solidFill>
+                <a:latin typeface="Times New Roman" panose="02020603050405020304" pitchFamily="18" charset="0"/>
+                <a:cs typeface="Times New Roman" panose="02020603050405020304" pitchFamily="18" charset="0"/>
+              </a:rPr>
+              <a:t>Существуют атаки, позволяющие создавать поддельные SSL-сертификаты и другие цифровые документы с валидной подписью.</a:t>
+            </a:r>
+          </a:p>
+          <a:p>
+            <a:pPr algn="just"/>
+            <a:r>
+              <a:rPr lang="ru-RU" sz="2400" dirty="0">
+                <a:solidFill>
+                  <a:srgbClr val="0F1115"/>
+                </a:solidFill>
+                <a:latin typeface="Times New Roman" panose="02020603050405020304" pitchFamily="18" charset="0"/>
+                <a:cs typeface="Times New Roman" panose="02020603050405020304" pitchFamily="18" charset="0"/>
+              </a:rPr>
+              <a:t>Хотя поиск коллизий </a:t>
+            </a:r>
+            <a:r>
+              <a:rPr lang="ru-RU" sz="2400" dirty="0"/>
+              <a:t>–</a:t>
+            </a:r>
+            <a:r>
+              <a:rPr lang="ru-RU" sz="2400" dirty="0" smtClean="0">
+                <a:solidFill>
+                  <a:srgbClr val="0F1115"/>
+                </a:solidFill>
+                <a:latin typeface="Times New Roman" panose="02020603050405020304" pitchFamily="18" charset="0"/>
+                <a:cs typeface="Times New Roman" panose="02020603050405020304" pitchFamily="18" charset="0"/>
+              </a:rPr>
+              <a:t> </a:t>
+            </a:r>
+            <a:r>
+              <a:rPr lang="ru-RU" sz="2400" dirty="0">
+                <a:solidFill>
+                  <a:srgbClr val="0F1115"/>
+                </a:solidFill>
+                <a:latin typeface="Times New Roman" panose="02020603050405020304" pitchFamily="18" charset="0"/>
+                <a:cs typeface="Times New Roman" panose="02020603050405020304" pitchFamily="18" charset="0"/>
+              </a:rPr>
+              <a:t>быстрая задача, поиск прообраза (восстановление исходных данных по </a:t>
+            </a:r>
+            <a:r>
+              <a:rPr lang="ru-RU" sz="2400" dirty="0" err="1">
+                <a:solidFill>
+                  <a:srgbClr val="0F1115"/>
+                </a:solidFill>
+                <a:latin typeface="Times New Roman" panose="02020603050405020304" pitchFamily="18" charset="0"/>
+                <a:cs typeface="Times New Roman" panose="02020603050405020304" pitchFamily="18" charset="0"/>
+              </a:rPr>
+              <a:t>хэшу</a:t>
+            </a:r>
+            <a:r>
+              <a:rPr lang="ru-RU" sz="2400" dirty="0">
+                <a:solidFill>
+                  <a:srgbClr val="0F1115"/>
+                </a:solidFill>
+                <a:latin typeface="Times New Roman" panose="02020603050405020304" pitchFamily="18" charset="0"/>
+                <a:cs typeface="Times New Roman" panose="02020603050405020304" pitchFamily="18" charset="0"/>
+              </a:rPr>
+              <a:t>) все еще сложен, но не считается надежным.</a:t>
+            </a:r>
+          </a:p>
+          <a:p>
+            <a:pPr algn="just"/>
+            <a:r>
+              <a:rPr lang="ru-RU" sz="2400" dirty="0">
+                <a:solidFill>
+                  <a:srgbClr val="0F1115"/>
+                </a:solidFill>
+                <a:latin typeface="Times New Roman" panose="02020603050405020304" pitchFamily="18" charset="0"/>
+                <a:cs typeface="Times New Roman" panose="02020603050405020304" pitchFamily="18" charset="0"/>
+              </a:rPr>
+              <a:t>Рекомендация: </a:t>
+            </a:r>
+            <a:r>
+              <a:rPr lang="ru-RU" sz="2400" b="1" dirty="0">
+                <a:solidFill>
+                  <a:srgbClr val="FF0000"/>
+                </a:solidFill>
+                <a:latin typeface="Times New Roman" panose="02020603050405020304" pitchFamily="18" charset="0"/>
+                <a:cs typeface="Times New Roman" panose="02020603050405020304" pitchFamily="18" charset="0"/>
+              </a:rPr>
+              <a:t>Запрещен к использованию в любых новых криптографических </a:t>
+            </a:r>
+            <a:r>
+              <a:rPr lang="ru-RU" sz="2400" b="1" dirty="0" smtClean="0">
+                <a:solidFill>
+                  <a:srgbClr val="FF0000"/>
+                </a:solidFill>
+                <a:latin typeface="Times New Roman" panose="02020603050405020304" pitchFamily="18" charset="0"/>
+                <a:cs typeface="Times New Roman" panose="02020603050405020304" pitchFamily="18" charset="0"/>
+              </a:rPr>
+              <a:t>системах!</a:t>
+            </a:r>
+          </a:p>
+          <a:p>
+            <a:pPr algn="just"/>
+            <a:r>
+              <a:rPr lang="ru-RU" sz="2400" b="1" dirty="0" smtClean="0">
+                <a:solidFill>
+                  <a:srgbClr val="FF0000"/>
+                </a:solidFill>
+                <a:latin typeface="Times New Roman" panose="02020603050405020304" pitchFamily="18" charset="0"/>
+                <a:cs typeface="Times New Roman" panose="02020603050405020304" pitchFamily="18" charset="0"/>
+              </a:rPr>
+              <a:t> </a:t>
+            </a:r>
+            <a:r>
+              <a:rPr lang="ru-RU" sz="2400" dirty="0">
+                <a:solidFill>
+                  <a:srgbClr val="0F1115"/>
+                </a:solidFill>
+                <a:latin typeface="Times New Roman" panose="02020603050405020304" pitchFamily="18" charset="0"/>
+                <a:cs typeface="Times New Roman" panose="02020603050405020304" pitchFamily="18" charset="0"/>
+              </a:rPr>
+              <a:t>Существующие системы должны быть переведены на более безопасные алгоритмы, такие как SHA-256 или SHA-3.</a:t>
+            </a:r>
+          </a:p>
+          <a:p>
+            <a:pPr algn="just"/>
+            <a:endParaRPr lang="ru-RU" sz="2400" b="0" i="0" u="none" strike="noStrike" dirty="0">
+              <a:solidFill>
+                <a:srgbClr val="0F1115"/>
+              </a:solidFill>
+              <a:effectLst/>
+              <a:latin typeface="Times New Roman" panose="02020603050405020304" pitchFamily="18" charset="0"/>
+              <a:cs typeface="Times New Roman" panose="02020603050405020304" pitchFamily="18" charset="0"/>
+            </a:endParaRPr>
+          </a:p>
+        </p:txBody>
+      </p:sp>
+      <p:sp>
+        <p:nvSpPr>
+          <p:cNvPr id="10" name="TextBox 9">
+            <a:extLst>
+              <a:ext uri="{FF2B5EF4-FFF2-40B4-BE49-F238E27FC236}">
+                <a16:creationId xmlns="" xmlns:a16="http://schemas.microsoft.com/office/drawing/2014/main" id="{D994AB9E-EE56-E9EE-7D11-41064B9E873C}"/>
+              </a:ext>
+            </a:extLst>
+          </p:cNvPr>
+          <p:cNvSpPr txBox="1"/>
+          <p:nvPr/>
+        </p:nvSpPr>
+        <p:spPr>
+          <a:xfrm>
+            <a:off x="466388" y="116632"/>
+            <a:ext cx="8064896" cy="523220"/>
+          </a:xfrm>
+          <a:prstGeom prst="rect">
+            <a:avLst/>
+          </a:prstGeom>
+          <a:noFill/>
+        </p:spPr>
+        <p:txBody>
+          <a:bodyPr wrap="square">
+            <a:spAutoFit/>
+          </a:bodyPr>
+          <a:lstStyle/>
+          <a:p>
+            <a:pPr algn="ctr"/>
+            <a:r>
+              <a:rPr lang="ru-RU" sz="2500" b="1" dirty="0" smtClean="0">
+                <a:latin typeface="Times New Roman" panose="02020603050405020304" pitchFamily="18" charset="0"/>
+                <a:cs typeface="Times New Roman" pitchFamily="18" charset="0"/>
+              </a:rPr>
+              <a:t>3.</a:t>
+            </a:r>
+            <a:r>
+              <a:rPr lang="en-US" sz="2500" b="1" dirty="0" smtClean="0">
+                <a:latin typeface="Times New Roman" panose="02020603050405020304" pitchFamily="18" charset="0"/>
+                <a:cs typeface="Times New Roman" pitchFamily="18" charset="0"/>
+              </a:rPr>
+              <a:t> </a:t>
+            </a:r>
+            <a:r>
+              <a:rPr lang="ru-RU" sz="2800" b="1" dirty="0">
+                <a:solidFill>
+                  <a:srgbClr val="0F1115"/>
+                </a:solidFill>
+                <a:latin typeface="Times New Roman" panose="02020603050405020304" pitchFamily="18" charset="0"/>
+                <a:cs typeface="Times New Roman" panose="02020603050405020304" pitchFamily="18" charset="0"/>
+              </a:rPr>
+              <a:t>Безопасность </a:t>
+            </a:r>
+            <a:r>
+              <a:rPr lang="ru-RU" sz="2500" b="1" dirty="0">
+                <a:latin typeface="Times New Roman" panose="02020603050405020304" pitchFamily="18" charset="0"/>
+                <a:cs typeface="Times New Roman" pitchFamily="18" charset="0"/>
+              </a:rPr>
+              <a:t>х</a:t>
+            </a:r>
+            <a:r>
+              <a:rPr lang="ru-RU" sz="2500" b="1" dirty="0" smtClean="0">
+                <a:latin typeface="Times New Roman" panose="02020603050405020304" pitchFamily="18" charset="0"/>
+                <a:cs typeface="Times New Roman" pitchFamily="18" charset="0"/>
+              </a:rPr>
+              <a:t>эш-функция </a:t>
+            </a:r>
+            <a:r>
+              <a:rPr lang="en-US" sz="2500" b="1" dirty="0" smtClean="0">
+                <a:latin typeface="Times New Roman" panose="02020603050405020304" pitchFamily="18" charset="0"/>
+                <a:cs typeface="Times New Roman" pitchFamily="18" charset="0"/>
+              </a:rPr>
+              <a:t>MD</a:t>
+            </a:r>
+            <a:r>
+              <a:rPr lang="ru-RU" sz="2500" b="1" dirty="0">
+                <a:latin typeface="Times New Roman" panose="02020603050405020304" pitchFamily="18" charset="0"/>
+                <a:cs typeface="Times New Roman" pitchFamily="18" charset="0"/>
+              </a:rPr>
+              <a:t>5</a:t>
+            </a:r>
+            <a:endParaRPr lang="ru-RU" sz="2500" dirty="0">
+              <a:latin typeface="Times New Roman" panose="02020603050405020304" pitchFamily="18" charset="0"/>
+              <a:cs typeface="Times New Roman" panose="02020603050405020304" pitchFamily="18" charset="0"/>
+            </a:endParaRPr>
+          </a:p>
+        </p:txBody>
+      </p:sp>
+    </p:spTree>
+    <p:extLst>
+      <p:ext uri="{BB962C8B-B14F-4D97-AF65-F5344CB8AC3E}">
+        <p14:creationId xmlns:p14="http://schemas.microsoft.com/office/powerpoint/2010/main" val="1135113698"/>
+      </p:ext>
+    </p:extLst>
+  </p:cSld>
+  <p:clrMapOvr>
+    <a:masterClrMapping/>
+  </p:clrMapOvr>
+</p:sld>
+</file>
+
+<file path=ppt/slides/slide23.xml><?xml version="1.0" encoding="utf-8"?>
+<p:sld xmlns:a="http://schemas.openxmlformats.org/drawingml/2006/main" xmlns:r="http://schemas.openxmlformats.org/officeDocument/2006/relationships" xmlns:p="http://schemas.openxmlformats.org/presentationml/2006/main">
+  <p:cSld>
+    <p:spTree>
+      <p:nvGrpSpPr>
+        <p:cNvPr id="1" name=""/>
+        <p:cNvGrpSpPr/>
+        <p:nvPr/>
+      </p:nvGrpSpPr>
+      <p:grpSpPr>
+        <a:xfrm>
+          <a:off x="0" y="0"/>
+          <a:ext cx="0" cy="0"/>
+          <a:chOff x="0" y="0"/>
+          <a:chExt cx="0" cy="0"/>
+        </a:xfrm>
+      </p:grpSpPr>
+      <p:sp>
+        <p:nvSpPr>
+          <p:cNvPr id="5" name="TextBox 4">
+            <a:extLst>
+              <a:ext uri="{FF2B5EF4-FFF2-40B4-BE49-F238E27FC236}">
+                <a16:creationId xmlns="" xmlns:a16="http://schemas.microsoft.com/office/drawing/2014/main" id="{69999608-3F0D-B337-9EAB-7C62158681D5}"/>
+              </a:ext>
+            </a:extLst>
+          </p:cNvPr>
+          <p:cNvSpPr txBox="1"/>
+          <p:nvPr/>
+        </p:nvSpPr>
+        <p:spPr>
+          <a:xfrm>
+            <a:off x="323528" y="764704"/>
+            <a:ext cx="8496944" cy="6370975"/>
+          </a:xfrm>
+          <a:prstGeom prst="rect">
+            <a:avLst/>
+          </a:prstGeom>
+          <a:noFill/>
+        </p:spPr>
+        <p:txBody>
+          <a:bodyPr wrap="square">
+            <a:spAutoFit/>
+          </a:bodyPr>
+          <a:lstStyle/>
+          <a:p>
+            <a:pPr algn="just"/>
+            <a:r>
+              <a:rPr lang="ru-RU" sz="2400" b="1" i="0" u="none" strike="noStrike" dirty="0">
+                <a:solidFill>
+                  <a:srgbClr val="0F1115"/>
+                </a:solidFill>
+                <a:effectLst/>
+                <a:latin typeface="Times New Roman" panose="02020603050405020304" pitchFamily="18" charset="0"/>
+                <a:cs typeface="Times New Roman" panose="02020603050405020304" pitchFamily="18" charset="0"/>
+              </a:rPr>
+              <a:t>Разработчик:</a:t>
+            </a:r>
+            <a:r>
+              <a:rPr lang="ru-RU" sz="2400" b="0" i="0" u="none" strike="noStrike" dirty="0">
+                <a:solidFill>
+                  <a:srgbClr val="0F1115"/>
+                </a:solidFill>
+                <a:effectLst/>
+                <a:latin typeface="Times New Roman" panose="02020603050405020304" pitchFamily="18" charset="0"/>
+                <a:cs typeface="Times New Roman" panose="02020603050405020304" pitchFamily="18" charset="0"/>
+              </a:rPr>
+              <a:t> </a:t>
+            </a:r>
+            <a:r>
+              <a:rPr lang="en" sz="2400" b="0" i="0" u="none" strike="noStrike" dirty="0">
+                <a:solidFill>
+                  <a:srgbClr val="0F1115"/>
+                </a:solidFill>
+                <a:effectLst/>
+                <a:latin typeface="Times New Roman" panose="02020603050405020304" pitchFamily="18" charset="0"/>
+                <a:cs typeface="Times New Roman" panose="02020603050405020304" pitchFamily="18" charset="0"/>
+              </a:rPr>
+              <a:t>NSA (</a:t>
+            </a:r>
+            <a:r>
+              <a:rPr lang="ru-RU" sz="2400" b="0" i="0" u="none" strike="noStrike" dirty="0">
+                <a:solidFill>
+                  <a:srgbClr val="0F1115"/>
+                </a:solidFill>
+                <a:effectLst/>
+                <a:latin typeface="Times New Roman" panose="02020603050405020304" pitchFamily="18" charset="0"/>
+                <a:cs typeface="Times New Roman" panose="02020603050405020304" pitchFamily="18" charset="0"/>
+              </a:rPr>
+              <a:t>Агентство национальной безопасности США), стандартизирован </a:t>
+            </a:r>
+            <a:r>
+              <a:rPr lang="en" sz="2400" b="0" i="0" u="none" strike="noStrike" dirty="0">
+                <a:solidFill>
+                  <a:srgbClr val="0F1115"/>
+                </a:solidFill>
+                <a:effectLst/>
+                <a:latin typeface="Times New Roman" panose="02020603050405020304" pitchFamily="18" charset="0"/>
+                <a:cs typeface="Times New Roman" panose="02020603050405020304" pitchFamily="18" charset="0"/>
+              </a:rPr>
+              <a:t>NIST.</a:t>
+            </a:r>
+          </a:p>
+          <a:p>
+            <a:pPr algn="just"/>
+            <a:r>
+              <a:rPr lang="ru-RU" sz="2400" b="1" i="0" u="none" strike="noStrike" dirty="0">
+                <a:solidFill>
+                  <a:srgbClr val="0F1115"/>
+                </a:solidFill>
+                <a:effectLst/>
+                <a:latin typeface="Times New Roman" panose="02020603050405020304" pitchFamily="18" charset="0"/>
+                <a:cs typeface="Times New Roman" panose="02020603050405020304" pitchFamily="18" charset="0"/>
+              </a:rPr>
+              <a:t>Архитектура:</a:t>
+            </a:r>
+            <a:r>
+              <a:rPr lang="ru-RU" sz="2400" b="0" i="0" u="none" strike="noStrike" dirty="0">
+                <a:solidFill>
+                  <a:srgbClr val="0F1115"/>
+                </a:solidFill>
+                <a:effectLst/>
+                <a:latin typeface="Times New Roman" panose="02020603050405020304" pitchFamily="18" charset="0"/>
+                <a:cs typeface="Times New Roman" panose="02020603050405020304" pitchFamily="18" charset="0"/>
+              </a:rPr>
+              <a:t> использует </a:t>
+            </a:r>
+            <a:r>
+              <a:rPr lang="ru-RU" sz="2400" b="1" i="0" u="none" strike="noStrike" dirty="0">
+                <a:solidFill>
+                  <a:srgbClr val="0F1115"/>
+                </a:solidFill>
+                <a:effectLst/>
+                <a:latin typeface="Times New Roman" panose="02020603050405020304" pitchFamily="18" charset="0"/>
+                <a:cs typeface="Times New Roman" panose="02020603050405020304" pitchFamily="18" charset="0"/>
+              </a:rPr>
+              <a:t>конструкцию Меркла-</a:t>
+            </a:r>
+            <a:r>
+              <a:rPr lang="ru-RU" sz="2400" b="1" i="0" u="none" strike="noStrike" dirty="0" err="1">
+                <a:solidFill>
+                  <a:srgbClr val="0F1115"/>
+                </a:solidFill>
+                <a:effectLst/>
+                <a:latin typeface="Times New Roman" panose="02020603050405020304" pitchFamily="18" charset="0"/>
+                <a:cs typeface="Times New Roman" panose="02020603050405020304" pitchFamily="18" charset="0"/>
+              </a:rPr>
+              <a:t>Дамгора</a:t>
+            </a:r>
+            <a:r>
+              <a:rPr lang="en" sz="2400" b="0" i="0" u="none" strike="noStrike" dirty="0">
+                <a:solidFill>
+                  <a:srgbClr val="0F1115"/>
+                </a:solidFill>
+                <a:effectLst/>
+                <a:latin typeface="Times New Roman" panose="02020603050405020304" pitchFamily="18" charset="0"/>
+                <a:cs typeface="Times New Roman" panose="02020603050405020304" pitchFamily="18" charset="0"/>
+              </a:rPr>
+              <a:t>. </a:t>
+            </a:r>
+            <a:r>
+              <a:rPr lang="ru-RU" sz="2400" b="0" i="0" u="none" strike="noStrike" dirty="0">
+                <a:solidFill>
+                  <a:srgbClr val="0F1115"/>
+                </a:solidFill>
+                <a:effectLst/>
+                <a:latin typeface="Times New Roman" panose="02020603050405020304" pitchFamily="18" charset="0"/>
+                <a:cs typeface="Times New Roman" panose="02020603050405020304" pitchFamily="18" charset="0"/>
+              </a:rPr>
+              <a:t>Данные разбиваются на блоки, которые обрабатываются последовательно.</a:t>
+            </a:r>
+          </a:p>
+          <a:p>
+            <a:pPr algn="just"/>
+            <a:r>
+              <a:rPr lang="ru-RU" sz="2400" b="1" i="0" u="none" strike="noStrike" dirty="0">
+                <a:solidFill>
+                  <a:srgbClr val="0F1115"/>
+                </a:solidFill>
+                <a:effectLst/>
+                <a:latin typeface="Times New Roman" panose="02020603050405020304" pitchFamily="18" charset="0"/>
+                <a:cs typeface="Times New Roman" panose="02020603050405020304" pitchFamily="18" charset="0"/>
+              </a:rPr>
+              <a:t>Ключевые особенности:</a:t>
+            </a:r>
+            <a:endParaRPr lang="ru-RU" sz="2400" b="0" i="0" u="none" strike="noStrike" dirty="0">
+              <a:solidFill>
+                <a:srgbClr val="0F1115"/>
+              </a:solidFill>
+              <a:effectLst/>
+              <a:latin typeface="Times New Roman" panose="02020603050405020304" pitchFamily="18" charset="0"/>
+              <a:cs typeface="Times New Roman" panose="02020603050405020304" pitchFamily="18" charset="0"/>
+            </a:endParaRPr>
+          </a:p>
+          <a:p>
+            <a:pPr marL="742950" lvl="1" indent="-285750" algn="just">
+              <a:buFont typeface="Arial" panose="020B0604020202020204" pitchFamily="34" charset="0"/>
+              <a:buChar char="•"/>
+            </a:pPr>
+            <a:r>
+              <a:rPr lang="ru-RU" sz="2400" b="0" i="0" u="none" strike="noStrike" dirty="0">
+                <a:solidFill>
+                  <a:srgbClr val="0F1115"/>
+                </a:solidFill>
+                <a:effectLst/>
+                <a:latin typeface="Times New Roman" panose="02020603050405020304" pitchFamily="18" charset="0"/>
+                <a:cs typeface="Times New Roman" panose="02020603050405020304" pitchFamily="18" charset="0"/>
+              </a:rPr>
+              <a:t>Вырабатывает хэш длиной </a:t>
+            </a:r>
+            <a:r>
+              <a:rPr lang="ru-RU" sz="2400" b="1" i="0" u="none" strike="noStrike" dirty="0">
+                <a:solidFill>
+                  <a:srgbClr val="0F1115"/>
+                </a:solidFill>
+                <a:effectLst/>
+                <a:latin typeface="Times New Roman" panose="02020603050405020304" pitchFamily="18" charset="0"/>
+                <a:cs typeface="Times New Roman" panose="02020603050405020304" pitchFamily="18" charset="0"/>
+              </a:rPr>
+              <a:t>256 бит</a:t>
+            </a:r>
+            <a:r>
+              <a:rPr lang="ru-RU" sz="2400" b="0" i="0" u="none" strike="noStrike" dirty="0">
+                <a:solidFill>
+                  <a:srgbClr val="0F1115"/>
+                </a:solidFill>
+                <a:effectLst/>
+                <a:latin typeface="Times New Roman" panose="02020603050405020304" pitchFamily="18" charset="0"/>
+                <a:cs typeface="Times New Roman" panose="02020603050405020304" pitchFamily="18" charset="0"/>
+              </a:rPr>
+              <a:t> (32 байта).</a:t>
+            </a:r>
+          </a:p>
+          <a:p>
+            <a:pPr marL="742950" lvl="1" indent="-285750" algn="just">
+              <a:buFont typeface="Arial" panose="020B0604020202020204" pitchFamily="34" charset="0"/>
+              <a:buChar char="•"/>
+            </a:pPr>
+            <a:r>
+              <a:rPr lang="ru-RU" sz="2400" b="0" i="0" u="none" strike="noStrike" dirty="0">
+                <a:solidFill>
+                  <a:srgbClr val="0F1115"/>
+                </a:solidFill>
+                <a:effectLst/>
+                <a:latin typeface="Times New Roman" panose="02020603050405020304" pitchFamily="18" charset="0"/>
+                <a:cs typeface="Times New Roman" panose="02020603050405020304" pitchFamily="18" charset="0"/>
+              </a:rPr>
+              <a:t>Широко распространен по всему миру. Является основой для:</a:t>
+            </a:r>
+          </a:p>
+          <a:p>
+            <a:pPr marL="1143000" lvl="2" indent="-228600" algn="just">
+              <a:buFont typeface="Arial" panose="020B0604020202020204" pitchFamily="34" charset="0"/>
+              <a:buChar char="•"/>
+            </a:pPr>
+            <a:r>
+              <a:rPr lang="ru-RU" sz="2400" b="0" i="0" u="none" strike="noStrike" dirty="0">
+                <a:solidFill>
+                  <a:srgbClr val="0F1115"/>
+                </a:solidFill>
+                <a:effectLst/>
+                <a:latin typeface="Times New Roman" panose="02020603050405020304" pitchFamily="18" charset="0"/>
+                <a:cs typeface="Times New Roman" panose="02020603050405020304" pitchFamily="18" charset="0"/>
+              </a:rPr>
+              <a:t>Протоколов </a:t>
+            </a:r>
+            <a:r>
+              <a:rPr lang="en" sz="2400" b="1" i="0" u="none" strike="noStrike" dirty="0">
+                <a:solidFill>
+                  <a:srgbClr val="0F1115"/>
+                </a:solidFill>
+                <a:effectLst/>
+                <a:latin typeface="Times New Roman" panose="02020603050405020304" pitchFamily="18" charset="0"/>
+                <a:cs typeface="Times New Roman" panose="02020603050405020304" pitchFamily="18" charset="0"/>
+              </a:rPr>
+              <a:t>SSL/TLS</a:t>
+            </a:r>
+            <a:r>
+              <a:rPr lang="en" sz="2400" b="0" i="0" u="none" strike="noStrike" dirty="0">
+                <a:solidFill>
+                  <a:srgbClr val="0F1115"/>
+                </a:solidFill>
+                <a:effectLst/>
+                <a:latin typeface="Times New Roman" panose="02020603050405020304" pitchFamily="18" charset="0"/>
+                <a:cs typeface="Times New Roman" panose="02020603050405020304" pitchFamily="18" charset="0"/>
+              </a:rPr>
+              <a:t>.</a:t>
+            </a:r>
+          </a:p>
+          <a:p>
+            <a:pPr marL="1143000" lvl="2" indent="-228600" algn="just">
+              <a:buFont typeface="Arial" panose="020B0604020202020204" pitchFamily="34" charset="0"/>
+              <a:buChar char="•"/>
+            </a:pPr>
+            <a:r>
+              <a:rPr lang="ru-RU" sz="2400" b="0" i="0" u="none" strike="noStrike" dirty="0">
+                <a:solidFill>
+                  <a:srgbClr val="0F1115"/>
+                </a:solidFill>
+                <a:effectLst/>
+                <a:latin typeface="Times New Roman" panose="02020603050405020304" pitchFamily="18" charset="0"/>
+                <a:cs typeface="Times New Roman" panose="02020603050405020304" pitchFamily="18" charset="0"/>
+              </a:rPr>
+              <a:t>Криптовалюты </a:t>
+            </a:r>
+            <a:r>
+              <a:rPr lang="en" sz="2400" b="1" i="0" u="none" strike="noStrike" dirty="0">
+                <a:solidFill>
+                  <a:srgbClr val="0F1115"/>
+                </a:solidFill>
+                <a:effectLst/>
+                <a:latin typeface="Times New Roman" panose="02020603050405020304" pitchFamily="18" charset="0"/>
+                <a:cs typeface="Times New Roman" panose="02020603050405020304" pitchFamily="18" charset="0"/>
+              </a:rPr>
+              <a:t>Bitcoin</a:t>
+            </a:r>
+            <a:r>
+              <a:rPr lang="en" sz="2400" b="0" i="0" u="none" strike="noStrike" dirty="0">
+                <a:solidFill>
+                  <a:srgbClr val="0F1115"/>
+                </a:solidFill>
+                <a:effectLst/>
+                <a:latin typeface="Times New Roman" panose="02020603050405020304" pitchFamily="18" charset="0"/>
+                <a:cs typeface="Times New Roman" panose="02020603050405020304" pitchFamily="18" charset="0"/>
+              </a:rPr>
+              <a:t>.</a:t>
+            </a:r>
+          </a:p>
+          <a:p>
+            <a:pPr marL="1143000" lvl="2" indent="-228600" algn="just">
+              <a:buFont typeface="Arial" panose="020B0604020202020204" pitchFamily="34" charset="0"/>
+              <a:buChar char="•"/>
+            </a:pPr>
+            <a:r>
+              <a:rPr lang="ru-RU" sz="2400" b="0" i="0" u="none" strike="noStrike" dirty="0">
+                <a:solidFill>
+                  <a:srgbClr val="0F1115"/>
+                </a:solidFill>
+                <a:effectLst/>
+                <a:latin typeface="Times New Roman" panose="02020603050405020304" pitchFamily="18" charset="0"/>
+                <a:cs typeface="Times New Roman" panose="02020603050405020304" pitchFamily="18" charset="0"/>
+              </a:rPr>
+              <a:t>Многих систем контроля целостности ПО.</a:t>
+            </a:r>
+          </a:p>
+          <a:p>
+            <a:pPr algn="just"/>
+            <a:r>
+              <a:rPr lang="ru-RU" sz="2400" b="1" i="0" u="none" strike="noStrike" dirty="0">
+                <a:solidFill>
+                  <a:srgbClr val="0F1115"/>
+                </a:solidFill>
+                <a:effectLst/>
+                <a:latin typeface="Times New Roman" panose="02020603050405020304" pitchFamily="18" charset="0"/>
+                <a:cs typeface="Times New Roman" panose="02020603050405020304" pitchFamily="18" charset="0"/>
+              </a:rPr>
+              <a:t>Безопасность:</a:t>
+            </a:r>
+            <a:r>
+              <a:rPr lang="ru-RU" sz="2400" b="0" i="0" u="none" strike="noStrike" dirty="0">
+                <a:solidFill>
+                  <a:srgbClr val="0F1115"/>
+                </a:solidFill>
+                <a:effectLst/>
+                <a:latin typeface="Times New Roman" panose="02020603050405020304" pitchFamily="18" charset="0"/>
+                <a:cs typeface="Times New Roman" panose="02020603050405020304" pitchFamily="18" charset="0"/>
+              </a:rPr>
+              <a:t> на текущий момент считается криптостойким и практичен для использования. Теоретически уязвим к атакам "длинного сообщения", но они не являются практичными для взлома.</a:t>
+            </a:r>
+          </a:p>
+          <a:p>
+            <a:pPr algn="just"/>
+            <a:endParaRPr lang="ru-RU" sz="2400" b="0" i="0" u="none" strike="noStrike" dirty="0">
+              <a:solidFill>
+                <a:srgbClr val="0F1115"/>
+              </a:solidFill>
+              <a:effectLst/>
+              <a:latin typeface="Times New Roman" panose="02020603050405020304" pitchFamily="18" charset="0"/>
+              <a:cs typeface="Times New Roman" panose="02020603050405020304" pitchFamily="18" charset="0"/>
+            </a:endParaRPr>
+          </a:p>
+        </p:txBody>
+      </p:sp>
+      <p:sp>
+        <p:nvSpPr>
+          <p:cNvPr id="10" name="TextBox 9">
+            <a:extLst>
+              <a:ext uri="{FF2B5EF4-FFF2-40B4-BE49-F238E27FC236}">
+                <a16:creationId xmlns="" xmlns:a16="http://schemas.microsoft.com/office/drawing/2014/main" id="{D994AB9E-EE56-E9EE-7D11-41064B9E873C}"/>
+              </a:ext>
+            </a:extLst>
+          </p:cNvPr>
+          <p:cNvSpPr txBox="1"/>
+          <p:nvPr/>
+        </p:nvSpPr>
+        <p:spPr>
+          <a:xfrm>
+            <a:off x="466388" y="116632"/>
+            <a:ext cx="8064896" cy="477054"/>
+          </a:xfrm>
+          <a:prstGeom prst="rect">
+            <a:avLst/>
+          </a:prstGeom>
+          <a:noFill/>
+        </p:spPr>
+        <p:txBody>
+          <a:bodyPr wrap="square">
+            <a:spAutoFit/>
+          </a:bodyPr>
+          <a:lstStyle/>
+          <a:p>
+            <a:pPr algn="ctr"/>
+            <a:r>
+              <a:rPr lang="ru-RU" sz="2500" b="1" dirty="0">
+                <a:latin typeface="Times New Roman" panose="02020603050405020304" pitchFamily="18" charset="0"/>
+                <a:cs typeface="Times New Roman" pitchFamily="18" charset="0"/>
+              </a:rPr>
+              <a:t>3.Алгоритм </a:t>
+            </a:r>
+            <a:r>
+              <a:rPr lang="en" sz="2500" b="1" dirty="0">
+                <a:latin typeface="Times New Roman" panose="02020603050405020304" pitchFamily="18" charset="0"/>
+                <a:cs typeface="Times New Roman" pitchFamily="18" charset="0"/>
+              </a:rPr>
+              <a:t>SHA-256</a:t>
+            </a:r>
+            <a:endParaRPr lang="ru-RU" sz="2500" dirty="0">
+              <a:latin typeface="Times New Roman" panose="02020603050405020304" pitchFamily="18" charset="0"/>
+              <a:cs typeface="Times New Roman" panose="02020603050405020304" pitchFamily="18" charset="0"/>
+            </a:endParaRPr>
+          </a:p>
+        </p:txBody>
+      </p:sp>
+    </p:spTree>
+    <p:extLst>
+      <p:ext uri="{BB962C8B-B14F-4D97-AF65-F5344CB8AC3E}">
+        <p14:creationId xmlns:p14="http://schemas.microsoft.com/office/powerpoint/2010/main" val="3403790353"/>
+      </p:ext>
+    </p:extLst>
+  </p:cSld>
+  <p:clrMapOvr>
+    <a:masterClrMapping/>
+  </p:clrMapOvr>
+</p:sld>
+</file>
+
+<file path=ppt/slides/slide24.xml><?xml version="1.0" encoding="utf-8"?>
+<p:sld xmlns:a="http://schemas.openxmlformats.org/drawingml/2006/main" xmlns:r="http://schemas.openxmlformats.org/officeDocument/2006/relationships" xmlns:p="http://schemas.openxmlformats.org/presentationml/2006/main">
+  <p:cSld>
+    <p:spTree>
+      <p:nvGrpSpPr>
+        <p:cNvPr id="1" name=""/>
+        <p:cNvGrpSpPr/>
+        <p:nvPr/>
+      </p:nvGrpSpPr>
+      <p:grpSpPr>
+        <a:xfrm>
+          <a:off x="0" y="0"/>
+          <a:ext cx="0" cy="0"/>
+          <a:chOff x="0" y="0"/>
+          <a:chExt cx="0" cy="0"/>
+        </a:xfrm>
+      </p:grpSpPr>
+      <p:sp>
+        <p:nvSpPr>
+          <p:cNvPr id="7" name="TextBox 6">
+            <a:extLst>
+              <a:ext uri="{FF2B5EF4-FFF2-40B4-BE49-F238E27FC236}">
+                <a16:creationId xmlns="" xmlns:a16="http://schemas.microsoft.com/office/drawing/2014/main" id="{1024B1EC-46F7-28B3-57B2-DE00AD2ACCC4}"/>
+              </a:ext>
+            </a:extLst>
+          </p:cNvPr>
+          <p:cNvSpPr txBox="1"/>
+          <p:nvPr/>
+        </p:nvSpPr>
+        <p:spPr>
+          <a:xfrm>
+            <a:off x="286368" y="692696"/>
+            <a:ext cx="8571264" cy="5262979"/>
+          </a:xfrm>
+          <a:prstGeom prst="rect">
+            <a:avLst/>
+          </a:prstGeom>
+          <a:noFill/>
+        </p:spPr>
+        <p:txBody>
+          <a:bodyPr wrap="square">
+            <a:spAutoFit/>
+          </a:bodyPr>
+          <a:lstStyle/>
+          <a:p>
+            <a:pPr algn="just"/>
+            <a:r>
+              <a:rPr lang="ru-RU" sz="2400" b="1" dirty="0">
+                <a:latin typeface="Times New Roman" panose="02020603050405020304" pitchFamily="18" charset="0"/>
+                <a:cs typeface="Times New Roman" panose="02020603050405020304" pitchFamily="18" charset="0"/>
+              </a:rPr>
+              <a:t>Принят </a:t>
+            </a:r>
+            <a:r>
+              <a:rPr lang="en" sz="2400" b="1" dirty="0">
+                <a:latin typeface="Times New Roman" panose="02020603050405020304" pitchFamily="18" charset="0"/>
+                <a:cs typeface="Times New Roman" panose="02020603050405020304" pitchFamily="18" charset="0"/>
+              </a:rPr>
+              <a:t>NIST </a:t>
+            </a:r>
+            <a:r>
+              <a:rPr lang="ru-RU" sz="2400" b="1" dirty="0">
+                <a:latin typeface="Times New Roman" panose="02020603050405020304" pitchFamily="18" charset="0"/>
+                <a:cs typeface="Times New Roman" panose="02020603050405020304" pitchFamily="18" charset="0"/>
+              </a:rPr>
+              <a:t>в 2015 году</a:t>
+            </a:r>
+            <a:r>
+              <a:rPr lang="ru-RU" sz="2400" dirty="0">
+                <a:latin typeface="Times New Roman" panose="02020603050405020304" pitchFamily="18" charset="0"/>
+                <a:cs typeface="Times New Roman" panose="02020603050405020304" pitchFamily="18" charset="0"/>
+              </a:rPr>
+              <a:t> как дополнение к </a:t>
+            </a:r>
+            <a:r>
+              <a:rPr lang="en" sz="2400" dirty="0">
+                <a:latin typeface="Times New Roman" panose="02020603050405020304" pitchFamily="18" charset="0"/>
+                <a:cs typeface="Times New Roman" panose="02020603050405020304" pitchFamily="18" charset="0"/>
+              </a:rPr>
+              <a:t>SHA-2 </a:t>
+            </a:r>
+            <a:r>
+              <a:rPr lang="ru-RU" sz="2400" dirty="0">
+                <a:latin typeface="Times New Roman" panose="02020603050405020304" pitchFamily="18" charset="0"/>
+                <a:cs typeface="Times New Roman" panose="02020603050405020304" pitchFamily="18" charset="0"/>
+              </a:rPr>
+              <a:t>(не замена).</a:t>
+            </a:r>
+          </a:p>
+          <a:p>
+            <a:pPr algn="just"/>
+            <a:r>
+              <a:rPr lang="ru-RU" sz="2400" b="1" dirty="0">
+                <a:latin typeface="Times New Roman" panose="02020603050405020304" pitchFamily="18" charset="0"/>
+                <a:cs typeface="Times New Roman" panose="02020603050405020304" pitchFamily="18" charset="0"/>
+              </a:rPr>
+              <a:t>Основан на алгоритме </a:t>
+            </a:r>
+            <a:r>
+              <a:rPr lang="en" sz="2400" b="1" dirty="0">
+                <a:latin typeface="Times New Roman" panose="02020603050405020304" pitchFamily="18" charset="0"/>
+                <a:cs typeface="Times New Roman" panose="02020603050405020304" pitchFamily="18" charset="0"/>
+              </a:rPr>
+              <a:t>Keccak</a:t>
+            </a:r>
+            <a:r>
+              <a:rPr lang="en" sz="2400" dirty="0">
+                <a:latin typeface="Times New Roman" panose="02020603050405020304" pitchFamily="18" charset="0"/>
+                <a:cs typeface="Times New Roman" panose="02020603050405020304" pitchFamily="18" charset="0"/>
+              </a:rPr>
+              <a:t> (</a:t>
+            </a:r>
+            <a:r>
+              <a:rPr lang="ru-RU" sz="2400" dirty="0">
+                <a:latin typeface="Times New Roman" panose="02020603050405020304" pitchFamily="18" charset="0"/>
+                <a:cs typeface="Times New Roman" panose="02020603050405020304" pitchFamily="18" charset="0"/>
+              </a:rPr>
+              <a:t>победитель конкурса </a:t>
+            </a:r>
+            <a:r>
+              <a:rPr lang="en" sz="2400" dirty="0">
+                <a:latin typeface="Times New Roman" panose="02020603050405020304" pitchFamily="18" charset="0"/>
+                <a:cs typeface="Times New Roman" panose="02020603050405020304" pitchFamily="18" charset="0"/>
+              </a:rPr>
+              <a:t>NIST 2007–2012).</a:t>
+            </a:r>
+          </a:p>
+          <a:p>
+            <a:pPr algn="just"/>
+            <a:r>
+              <a:rPr lang="ru-RU" sz="2400" dirty="0">
+                <a:latin typeface="Times New Roman" panose="02020603050405020304" pitchFamily="18" charset="0"/>
+                <a:cs typeface="Times New Roman" panose="02020603050405020304" pitchFamily="18" charset="0"/>
+              </a:rPr>
+              <a:t>Использует </a:t>
+            </a:r>
+            <a:r>
+              <a:rPr lang="ru-RU" sz="2400" b="1" dirty="0">
+                <a:latin typeface="Times New Roman" panose="02020603050405020304" pitchFamily="18" charset="0"/>
+                <a:cs typeface="Times New Roman" panose="02020603050405020304" pitchFamily="18" charset="0"/>
+              </a:rPr>
+              <a:t>«губчатую конструкцию» (</a:t>
+            </a:r>
+            <a:r>
+              <a:rPr lang="en" sz="2400" b="1" dirty="0">
+                <a:latin typeface="Times New Roman" panose="02020603050405020304" pitchFamily="18" charset="0"/>
+                <a:cs typeface="Times New Roman" panose="02020603050405020304" pitchFamily="18" charset="0"/>
+              </a:rPr>
+              <a:t>sponge construction)</a:t>
+            </a:r>
+            <a:r>
+              <a:rPr lang="en" sz="2400" dirty="0">
+                <a:latin typeface="Times New Roman" panose="02020603050405020304" pitchFamily="18" charset="0"/>
+                <a:cs typeface="Times New Roman" panose="02020603050405020304" pitchFamily="18" charset="0"/>
+              </a:rPr>
+              <a:t> </a:t>
+            </a:r>
+            <a:r>
+              <a:rPr lang="ru-RU" sz="2400" dirty="0">
+                <a:latin typeface="Times New Roman" panose="02020603050405020304" pitchFamily="18" charset="0"/>
+                <a:cs typeface="Times New Roman" panose="02020603050405020304" pitchFamily="18" charset="0"/>
+              </a:rPr>
+              <a:t>вместо классической схемы Меркла–</a:t>
+            </a:r>
+            <a:r>
+              <a:rPr lang="ru-RU" sz="2400" dirty="0" err="1">
+                <a:latin typeface="Times New Roman" panose="02020603050405020304" pitchFamily="18" charset="0"/>
+                <a:cs typeface="Times New Roman" panose="02020603050405020304" pitchFamily="18" charset="0"/>
+              </a:rPr>
+              <a:t>Дэмгарда</a:t>
+            </a:r>
+            <a:r>
+              <a:rPr lang="ru-RU" sz="2400" dirty="0">
+                <a:latin typeface="Times New Roman" panose="02020603050405020304" pitchFamily="18" charset="0"/>
+                <a:cs typeface="Times New Roman" panose="02020603050405020304" pitchFamily="18" charset="0"/>
+              </a:rPr>
+              <a:t>.</a:t>
+            </a:r>
+          </a:p>
+          <a:p>
+            <a:pPr algn="just"/>
+            <a:r>
+              <a:rPr lang="ru-RU" sz="2400" dirty="0">
+                <a:latin typeface="Times New Roman" panose="02020603050405020304" pitchFamily="18" charset="0"/>
+                <a:cs typeface="Times New Roman" panose="02020603050405020304" pitchFamily="18" charset="0"/>
+              </a:rPr>
+              <a:t>Поддерживает разные длины хэша: </a:t>
+            </a:r>
+            <a:r>
+              <a:rPr lang="ru-RU" sz="2400" b="1" dirty="0">
+                <a:latin typeface="Times New Roman" panose="02020603050405020304" pitchFamily="18" charset="0"/>
+                <a:cs typeface="Times New Roman" panose="02020603050405020304" pitchFamily="18" charset="0"/>
+              </a:rPr>
+              <a:t>224, 256, 384, 512 бит</a:t>
+            </a:r>
+            <a:r>
+              <a:rPr lang="ru-RU" sz="2400" dirty="0">
+                <a:latin typeface="Times New Roman" panose="02020603050405020304" pitchFamily="18" charset="0"/>
+                <a:cs typeface="Times New Roman" panose="02020603050405020304" pitchFamily="18" charset="0"/>
+              </a:rPr>
+              <a:t>.</a:t>
+            </a:r>
+          </a:p>
+          <a:p>
+            <a:pPr algn="just"/>
+            <a:endParaRPr lang="ru-RU" sz="2400" dirty="0">
+              <a:latin typeface="Times New Roman" panose="02020603050405020304" pitchFamily="18" charset="0"/>
+              <a:cs typeface="Times New Roman" panose="02020603050405020304" pitchFamily="18" charset="0"/>
+            </a:endParaRPr>
+          </a:p>
+          <a:p>
+            <a:pPr algn="just"/>
+            <a:r>
+              <a:rPr lang="ru-RU" sz="2400" dirty="0">
+                <a:latin typeface="Times New Roman" panose="02020603050405020304" pitchFamily="18" charset="0"/>
+                <a:cs typeface="Times New Roman" panose="02020603050405020304" pitchFamily="18" charset="0"/>
+              </a:rPr>
+              <a:t>Алгоритм можно использовать как хэш-функцию, потоковый шифр, для генерации случайных чисел.</a:t>
+            </a:r>
+          </a:p>
+          <a:p>
+            <a:pPr algn="just"/>
+            <a:endParaRPr lang="ru-RU" sz="2400" dirty="0">
+              <a:latin typeface="Times New Roman" panose="02020603050405020304" pitchFamily="18" charset="0"/>
+              <a:cs typeface="Times New Roman" panose="02020603050405020304" pitchFamily="18" charset="0"/>
+            </a:endParaRPr>
+          </a:p>
+          <a:p>
+            <a:pPr algn="just"/>
+            <a:r>
+              <a:rPr lang="ru-RU" sz="2400" dirty="0">
+                <a:latin typeface="Times New Roman" panose="02020603050405020304" pitchFamily="18" charset="0"/>
+                <a:cs typeface="Times New Roman" panose="02020603050405020304" pitchFamily="18" charset="0"/>
+              </a:rPr>
+              <a:t>Обеспечивает </a:t>
+            </a:r>
+            <a:r>
+              <a:rPr lang="ru-RU" sz="2400" b="1" dirty="0">
+                <a:latin typeface="Times New Roman" panose="02020603050405020304" pitchFamily="18" charset="0"/>
+                <a:cs typeface="Times New Roman" panose="02020603050405020304" pitchFamily="18" charset="0"/>
+              </a:rPr>
+              <a:t>устойчивость к коллизиям и </a:t>
+            </a:r>
+            <a:r>
+              <a:rPr lang="ru-RU" sz="2400" b="1" dirty="0" err="1">
+                <a:latin typeface="Times New Roman" panose="02020603050405020304" pitchFamily="18" charset="0"/>
+                <a:cs typeface="Times New Roman" panose="02020603050405020304" pitchFamily="18" charset="0"/>
+              </a:rPr>
+              <a:t>предобразам</a:t>
+            </a:r>
+            <a:r>
+              <a:rPr lang="ru-RU" sz="2400" dirty="0">
+                <a:latin typeface="Times New Roman" panose="02020603050405020304" pitchFamily="18" charset="0"/>
+                <a:cs typeface="Times New Roman" panose="02020603050405020304" pitchFamily="18" charset="0"/>
+              </a:rPr>
+              <a:t>, в том числе против атак, эффективных на </a:t>
+            </a:r>
+            <a:r>
+              <a:rPr lang="en" sz="2400" dirty="0">
+                <a:latin typeface="Times New Roman" panose="02020603050405020304" pitchFamily="18" charset="0"/>
+                <a:cs typeface="Times New Roman" panose="02020603050405020304" pitchFamily="18" charset="0"/>
+              </a:rPr>
+              <a:t>SHA-1/SHA-2.</a:t>
+            </a:r>
+            <a:endParaRPr lang="ru-RU" sz="2400" dirty="0">
+              <a:latin typeface="Times New Roman" panose="02020603050405020304" pitchFamily="18" charset="0"/>
+              <a:cs typeface="Times New Roman" panose="02020603050405020304" pitchFamily="18" charset="0"/>
+            </a:endParaRPr>
+          </a:p>
+          <a:p>
+            <a:pPr algn="just"/>
+            <a:r>
+              <a:rPr lang="ru-RU" sz="2400" b="1" i="0" u="none" strike="noStrike" dirty="0">
+                <a:solidFill>
+                  <a:srgbClr val="0F1115"/>
+                </a:solidFill>
+                <a:effectLst/>
+                <a:latin typeface="Times New Roman" panose="02020603050405020304" pitchFamily="18" charset="0"/>
+                <a:cs typeface="Times New Roman" panose="02020603050405020304" pitchFamily="18" charset="0"/>
+              </a:rPr>
+              <a:t>Безопасность: </a:t>
+            </a:r>
+            <a:r>
+              <a:rPr lang="ru-RU" sz="2400" i="0" u="none" strike="noStrike" dirty="0">
+                <a:solidFill>
+                  <a:srgbClr val="0F1115"/>
+                </a:solidFill>
+                <a:effectLst/>
+                <a:latin typeface="Times New Roman" panose="02020603050405020304" pitchFamily="18" charset="0"/>
+                <a:cs typeface="Times New Roman" panose="02020603050405020304" pitchFamily="18" charset="0"/>
+              </a:rPr>
+              <a:t>с</a:t>
+            </a:r>
+            <a:r>
+              <a:rPr lang="ru-RU" sz="2400" dirty="0">
+                <a:latin typeface="Times New Roman" panose="02020603050405020304" pitchFamily="18" charset="0"/>
+                <a:cs typeface="Times New Roman" panose="02020603050405020304" pitchFamily="18" charset="0"/>
+              </a:rPr>
+              <a:t>читается перспективным для долгосрочной криптографической защиты.</a:t>
+            </a:r>
+          </a:p>
+        </p:txBody>
+      </p:sp>
+      <p:sp>
+        <p:nvSpPr>
+          <p:cNvPr id="8" name="TextBox 7">
+            <a:extLst>
+              <a:ext uri="{FF2B5EF4-FFF2-40B4-BE49-F238E27FC236}">
+                <a16:creationId xmlns="" xmlns:a16="http://schemas.microsoft.com/office/drawing/2014/main" id="{338A557A-97C1-6E64-ADA2-F769C4580ED3}"/>
+              </a:ext>
+            </a:extLst>
+          </p:cNvPr>
+          <p:cNvSpPr txBox="1"/>
+          <p:nvPr/>
+        </p:nvSpPr>
+        <p:spPr>
+          <a:xfrm>
+            <a:off x="466388" y="116632"/>
+            <a:ext cx="8064896" cy="477054"/>
+          </a:xfrm>
+          <a:prstGeom prst="rect">
+            <a:avLst/>
+          </a:prstGeom>
+          <a:noFill/>
+        </p:spPr>
+        <p:txBody>
+          <a:bodyPr wrap="square">
+            <a:spAutoFit/>
+          </a:bodyPr>
+          <a:lstStyle/>
+          <a:p>
+            <a:pPr algn="ctr"/>
+            <a:r>
+              <a:rPr lang="ru-RU" sz="2500" b="1" dirty="0">
+                <a:latin typeface="Times New Roman" panose="02020603050405020304" pitchFamily="18" charset="0"/>
+                <a:cs typeface="Times New Roman" pitchFamily="18" charset="0"/>
+              </a:rPr>
+              <a:t>3.Алгоритм </a:t>
+            </a:r>
+            <a:r>
+              <a:rPr lang="en" sz="2500" b="1" dirty="0">
+                <a:latin typeface="Times New Roman" panose="02020603050405020304" pitchFamily="18" charset="0"/>
+                <a:cs typeface="Times New Roman" pitchFamily="18" charset="0"/>
+              </a:rPr>
+              <a:t>SHA-</a:t>
+            </a:r>
+            <a:r>
+              <a:rPr lang="ru-RU" sz="2500" b="1" dirty="0">
+                <a:latin typeface="Times New Roman" panose="02020603050405020304" pitchFamily="18" charset="0"/>
+                <a:cs typeface="Times New Roman" pitchFamily="18" charset="0"/>
+              </a:rPr>
+              <a:t>3</a:t>
+            </a:r>
+            <a:endParaRPr lang="ru-RU" sz="2500" dirty="0">
+              <a:latin typeface="Times New Roman" panose="02020603050405020304" pitchFamily="18" charset="0"/>
+              <a:cs typeface="Times New Roman" panose="02020603050405020304" pitchFamily="18" charset="0"/>
+            </a:endParaRPr>
+          </a:p>
+        </p:txBody>
+      </p:sp>
+    </p:spTree>
+    <p:extLst>
+      <p:ext uri="{BB962C8B-B14F-4D97-AF65-F5344CB8AC3E}">
+        <p14:creationId xmlns:p14="http://schemas.microsoft.com/office/powerpoint/2010/main" val="1422345361"/>
+      </p:ext>
+    </p:extLst>
+  </p:cSld>
+  <p:clrMapOvr>
+    <a:masterClrMapping/>
+  </p:clrMapOvr>
+</p:sld>
+</file>
+
+<file path=ppt/slides/slide25.xml><?xml version="1.0" encoding="utf-8"?>
+<p:sld xmlns:a="http://schemas.openxmlformats.org/drawingml/2006/main" xmlns:r="http://schemas.openxmlformats.org/officeDocument/2006/relationships" xmlns:p="http://schemas.openxmlformats.org/presentationml/2006/main">
+  <p:cSld>
+    <p:spTree>
+      <p:nvGrpSpPr>
+        <p:cNvPr id="1" name=""/>
+        <p:cNvGrpSpPr/>
+        <p:nvPr/>
+      </p:nvGrpSpPr>
+      <p:grpSpPr>
+        <a:xfrm>
+          <a:off x="0" y="0"/>
+          <a:ext cx="0" cy="0"/>
+          <a:chOff x="0" y="0"/>
+          <a:chExt cx="0" cy="0"/>
+        </a:xfrm>
+      </p:grpSpPr>
+      <p:sp>
+        <p:nvSpPr>
+          <p:cNvPr id="7" name="TextBox 6">
+            <a:extLst>
+              <a:ext uri="{FF2B5EF4-FFF2-40B4-BE49-F238E27FC236}">
+                <a16:creationId xmlns="" xmlns:a16="http://schemas.microsoft.com/office/drawing/2014/main" id="{0D11D34A-1FF1-EB02-7DDB-AA1E41C3C9F2}"/>
+              </a:ext>
+            </a:extLst>
+          </p:cNvPr>
+          <p:cNvSpPr txBox="1"/>
+          <p:nvPr/>
+        </p:nvSpPr>
+        <p:spPr>
+          <a:xfrm>
+            <a:off x="395536" y="836712"/>
+            <a:ext cx="8352928" cy="6001643"/>
+          </a:xfrm>
+          <a:prstGeom prst="rect">
+            <a:avLst/>
+          </a:prstGeom>
+          <a:noFill/>
+        </p:spPr>
+        <p:txBody>
+          <a:bodyPr wrap="square">
+            <a:spAutoFit/>
+          </a:bodyPr>
+          <a:lstStyle/>
+          <a:p>
+            <a:pPr algn="just"/>
+            <a:r>
+              <a:rPr lang="ru-RU" sz="2400" b="1" i="0" u="none" strike="noStrike" dirty="0">
+                <a:solidFill>
+                  <a:srgbClr val="0F1115"/>
+                </a:solidFill>
+                <a:effectLst/>
+                <a:latin typeface="Times New Roman" panose="02020603050405020304" pitchFamily="18" charset="0"/>
+                <a:cs typeface="Times New Roman" panose="02020603050405020304" pitchFamily="18" charset="0"/>
+              </a:rPr>
+              <a:t>Разработчик:</a:t>
+            </a:r>
+            <a:r>
+              <a:rPr lang="ru-RU" sz="2400" b="0" i="0" u="none" strike="noStrike" dirty="0">
+                <a:solidFill>
+                  <a:srgbClr val="0F1115"/>
+                </a:solidFill>
+                <a:effectLst/>
+                <a:latin typeface="Times New Roman" panose="02020603050405020304" pitchFamily="18" charset="0"/>
+                <a:cs typeface="Times New Roman" panose="02020603050405020304" pitchFamily="18" charset="0"/>
+              </a:rPr>
+              <a:t> Российские криптографы (ВНИИСТ, ФСБ России). Принят как национальный стандарт РФ.</a:t>
+            </a:r>
+          </a:p>
+          <a:p>
+            <a:pPr algn="just"/>
+            <a:r>
+              <a:rPr lang="ru-RU" sz="2400" b="1" i="0" u="none" strike="noStrike" dirty="0">
+                <a:solidFill>
+                  <a:srgbClr val="0F1115"/>
+                </a:solidFill>
+                <a:effectLst/>
+                <a:latin typeface="Times New Roman" panose="02020603050405020304" pitchFamily="18" charset="0"/>
+                <a:cs typeface="Times New Roman" panose="02020603050405020304" pitchFamily="18" charset="0"/>
+              </a:rPr>
+              <a:t>Архитектура:</a:t>
+            </a:r>
+            <a:r>
+              <a:rPr lang="ru-RU" sz="2400" b="0" i="0" u="none" strike="noStrike" dirty="0">
+                <a:solidFill>
+                  <a:srgbClr val="0F1115"/>
+                </a:solidFill>
+                <a:effectLst/>
+                <a:latin typeface="Times New Roman" panose="02020603050405020304" pitchFamily="18" charset="0"/>
+                <a:cs typeface="Times New Roman" panose="02020603050405020304" pitchFamily="18" charset="0"/>
+              </a:rPr>
+              <a:t> в основе лежит </a:t>
+            </a:r>
+            <a:r>
+              <a:rPr lang="ru-RU" sz="2400" b="1" i="0" u="none" strike="noStrike" dirty="0">
+                <a:solidFill>
+                  <a:srgbClr val="0F1115"/>
+                </a:solidFill>
+                <a:effectLst/>
+                <a:latin typeface="Times New Roman" panose="02020603050405020304" pitchFamily="18" charset="0"/>
+                <a:cs typeface="Times New Roman" panose="02020603050405020304" pitchFamily="18" charset="0"/>
+              </a:rPr>
+              <a:t>отечественный блочный шифр "Кузнечик" (ГОСТ Р 34.12-2015)</a:t>
+            </a:r>
+            <a:r>
+              <a:rPr lang="ru-RU" sz="2400" b="0" i="0" u="none" strike="noStrike" dirty="0">
+                <a:solidFill>
+                  <a:srgbClr val="0F1115"/>
+                </a:solidFill>
+                <a:effectLst/>
+                <a:latin typeface="Times New Roman" panose="02020603050405020304" pitchFamily="18" charset="0"/>
+                <a:cs typeface="Times New Roman" panose="02020603050405020304" pitchFamily="18" charset="0"/>
+              </a:rPr>
+              <a:t>. Алгоритм использует сеть </a:t>
+            </a:r>
+            <a:r>
+              <a:rPr lang="ru-RU" sz="2400" b="0" i="0" u="none" strike="noStrike" dirty="0" err="1">
+                <a:solidFill>
+                  <a:srgbClr val="0F1115"/>
+                </a:solidFill>
+                <a:effectLst/>
+                <a:latin typeface="Times New Roman" panose="02020603050405020304" pitchFamily="18" charset="0"/>
+                <a:cs typeface="Times New Roman" panose="02020603050405020304" pitchFamily="18" charset="0"/>
+              </a:rPr>
+              <a:t>Фейстеля</a:t>
+            </a:r>
+            <a:r>
+              <a:rPr lang="ru-RU" sz="2400" b="0" i="0" u="none" strike="noStrike" dirty="0">
+                <a:solidFill>
+                  <a:srgbClr val="0F1115"/>
+                </a:solidFill>
+                <a:effectLst/>
+                <a:latin typeface="Times New Roman" panose="02020603050405020304" pitchFamily="18" charset="0"/>
+                <a:cs typeface="Times New Roman" panose="02020603050405020304" pitchFamily="18" charset="0"/>
+              </a:rPr>
+              <a:t>.</a:t>
+            </a:r>
+          </a:p>
+          <a:p>
+            <a:pPr algn="just"/>
+            <a:r>
+              <a:rPr lang="ru-RU" sz="2400" b="1" i="0" u="none" strike="noStrike" dirty="0">
+                <a:solidFill>
+                  <a:srgbClr val="0F1115"/>
+                </a:solidFill>
+                <a:effectLst/>
+                <a:latin typeface="Times New Roman" panose="02020603050405020304" pitchFamily="18" charset="0"/>
+                <a:cs typeface="Times New Roman" panose="02020603050405020304" pitchFamily="18" charset="0"/>
+              </a:rPr>
+              <a:t>Ключевые особенности:</a:t>
+            </a:r>
+            <a:endParaRPr lang="ru-RU" sz="2400" b="0" i="0" u="none" strike="noStrike" dirty="0">
+              <a:solidFill>
+                <a:srgbClr val="0F1115"/>
+              </a:solidFill>
+              <a:effectLst/>
+              <a:latin typeface="Times New Roman" panose="02020603050405020304" pitchFamily="18" charset="0"/>
+              <a:cs typeface="Times New Roman" panose="02020603050405020304" pitchFamily="18" charset="0"/>
+            </a:endParaRPr>
+          </a:p>
+          <a:p>
+            <a:pPr marL="742950" lvl="1" indent="-285750" algn="just">
+              <a:buFont typeface="Arial" panose="020B0604020202020204" pitchFamily="34" charset="0"/>
+              <a:buChar char="•"/>
+            </a:pPr>
+            <a:r>
+              <a:rPr lang="ru-RU" sz="2400" b="1" i="0" u="none" strike="noStrike" dirty="0">
+                <a:solidFill>
+                  <a:srgbClr val="0F1115"/>
+                </a:solidFill>
+                <a:effectLst/>
+                <a:latin typeface="Times New Roman" panose="02020603050405020304" pitchFamily="18" charset="0"/>
+                <a:cs typeface="Times New Roman" panose="02020603050405020304" pitchFamily="18" charset="0"/>
+              </a:rPr>
+              <a:t>Две модификации:</a:t>
+            </a:r>
+            <a:r>
+              <a:rPr lang="ru-RU" sz="2400" b="0" i="0" u="none" strike="noStrike" dirty="0">
+                <a:solidFill>
+                  <a:srgbClr val="0F1115"/>
+                </a:solidFill>
+                <a:effectLst/>
+                <a:latin typeface="Times New Roman" panose="02020603050405020304" pitchFamily="18" charset="0"/>
+                <a:cs typeface="Times New Roman" panose="02020603050405020304" pitchFamily="18" charset="0"/>
+              </a:rPr>
+              <a:t> "Стрибог-256" (256 бит) и "Стрибог-512" (512 бит).</a:t>
+            </a:r>
+          </a:p>
+          <a:p>
+            <a:pPr marL="742950" lvl="1" indent="-285750" algn="just">
+              <a:buFont typeface="Arial" panose="020B0604020202020204" pitchFamily="34" charset="0"/>
+              <a:buChar char="•"/>
+            </a:pPr>
+            <a:r>
+              <a:rPr lang="ru-RU" sz="2400" b="1" i="0" u="none" strike="noStrike" dirty="0">
+                <a:solidFill>
+                  <a:srgbClr val="0F1115"/>
+                </a:solidFill>
+                <a:effectLst/>
+                <a:latin typeface="Times New Roman" panose="02020603050405020304" pitchFamily="18" charset="0"/>
+                <a:cs typeface="Times New Roman" panose="02020603050405020304" pitchFamily="18" charset="0"/>
+              </a:rPr>
+              <a:t>Нормативное требование:</a:t>
+            </a:r>
+            <a:r>
+              <a:rPr lang="ru-RU" sz="2400" b="0" i="0" u="none" strike="noStrike" dirty="0">
+                <a:solidFill>
+                  <a:srgbClr val="0F1115"/>
+                </a:solidFill>
+                <a:effectLst/>
+                <a:latin typeface="Times New Roman" panose="02020603050405020304" pitchFamily="18" charset="0"/>
+                <a:cs typeface="Times New Roman" panose="02020603050405020304" pitchFamily="18" charset="0"/>
+              </a:rPr>
+              <a:t> является </a:t>
+            </a:r>
+            <a:r>
+              <a:rPr lang="ru-RU" sz="2400" b="1" i="0" u="none" strike="noStrike" dirty="0">
+                <a:solidFill>
+                  <a:srgbClr val="0F1115"/>
+                </a:solidFill>
+                <a:effectLst/>
+                <a:latin typeface="Times New Roman" panose="02020603050405020304" pitchFamily="18" charset="0"/>
+                <a:cs typeface="Times New Roman" panose="02020603050405020304" pitchFamily="18" charset="0"/>
+              </a:rPr>
+              <a:t>обязательным</a:t>
+            </a:r>
+            <a:r>
+              <a:rPr lang="ru-RU" sz="2400" b="0" i="0" u="none" strike="noStrike" dirty="0">
+                <a:solidFill>
+                  <a:srgbClr val="0F1115"/>
+                </a:solidFill>
+                <a:effectLst/>
+                <a:latin typeface="Times New Roman" panose="02020603050405020304" pitchFamily="18" charset="0"/>
+                <a:cs typeface="Times New Roman" panose="02020603050405020304" pitchFamily="18" charset="0"/>
+              </a:rPr>
+              <a:t> для использования в Российской Федерации в средствах криптографической защиты информации (СКЗИ) и для работы с квалифицированной электронной подписью (КЭП) согласно Федеральному закону № 63-ФЗ.</a:t>
+            </a:r>
+          </a:p>
+          <a:p>
+            <a:pPr algn="just"/>
+            <a:r>
+              <a:rPr lang="ru-RU" sz="2400" b="1" i="0" u="none" strike="noStrike" dirty="0">
+                <a:solidFill>
+                  <a:srgbClr val="0F1115"/>
+                </a:solidFill>
+                <a:effectLst/>
+                <a:latin typeface="Times New Roman" panose="02020603050405020304" pitchFamily="18" charset="0"/>
+                <a:cs typeface="Times New Roman" panose="02020603050405020304" pitchFamily="18" charset="0"/>
+              </a:rPr>
+              <a:t>Назначение:</a:t>
+            </a:r>
+            <a:r>
+              <a:rPr lang="ru-RU" sz="2400" b="0" i="0" u="none" strike="noStrike" dirty="0">
+                <a:solidFill>
+                  <a:srgbClr val="0F1115"/>
+                </a:solidFill>
+                <a:effectLst/>
+                <a:latin typeface="Times New Roman" panose="02020603050405020304" pitchFamily="18" charset="0"/>
+                <a:cs typeface="Times New Roman" panose="02020603050405020304" pitchFamily="18" charset="0"/>
+              </a:rPr>
+              <a:t> </a:t>
+            </a:r>
+            <a:r>
+              <a:rPr lang="ru-RU" sz="2400" b="0" i="0" u="none" strike="noStrike" dirty="0" smtClean="0">
+                <a:solidFill>
+                  <a:srgbClr val="0F1115"/>
+                </a:solidFill>
+                <a:effectLst/>
+                <a:latin typeface="Times New Roman" panose="02020603050405020304" pitchFamily="18" charset="0"/>
+                <a:cs typeface="Times New Roman" panose="02020603050405020304" pitchFamily="18" charset="0"/>
+              </a:rPr>
+              <a:t>защита </a:t>
+            </a:r>
+            <a:r>
+              <a:rPr lang="ru-RU" sz="2400" b="0" i="0" u="none" strike="noStrike" dirty="0">
+                <a:solidFill>
+                  <a:srgbClr val="0F1115"/>
+                </a:solidFill>
+                <a:effectLst/>
+                <a:latin typeface="Times New Roman" panose="02020603050405020304" pitchFamily="18" charset="0"/>
+                <a:cs typeface="Times New Roman" panose="02020603050405020304" pitchFamily="18" charset="0"/>
+              </a:rPr>
+              <a:t>информации в государственных информационных системах, обеспечение юридической значимости электронных документов в РФ.</a:t>
+            </a:r>
+          </a:p>
+        </p:txBody>
+      </p:sp>
+      <p:sp>
+        <p:nvSpPr>
+          <p:cNvPr id="8" name="TextBox 7">
+            <a:extLst>
+              <a:ext uri="{FF2B5EF4-FFF2-40B4-BE49-F238E27FC236}">
+                <a16:creationId xmlns="" xmlns:a16="http://schemas.microsoft.com/office/drawing/2014/main" id="{7AD4DAFC-06D3-8ACE-E5F7-22DDA2583B9A}"/>
+              </a:ext>
+            </a:extLst>
+          </p:cNvPr>
+          <p:cNvSpPr txBox="1"/>
+          <p:nvPr/>
+        </p:nvSpPr>
+        <p:spPr>
+          <a:xfrm>
+            <a:off x="466388" y="116632"/>
+            <a:ext cx="8064896" cy="477054"/>
+          </a:xfrm>
+          <a:prstGeom prst="rect">
+            <a:avLst/>
+          </a:prstGeom>
+          <a:noFill/>
+        </p:spPr>
+        <p:txBody>
+          <a:bodyPr wrap="square">
+            <a:spAutoFit/>
+          </a:bodyPr>
+          <a:lstStyle/>
+          <a:p>
+            <a:pPr algn="ctr"/>
+            <a:r>
+              <a:rPr lang="ru-RU" sz="2500" b="1" dirty="0">
+                <a:latin typeface="Times New Roman" panose="02020603050405020304" pitchFamily="18" charset="0"/>
+                <a:cs typeface="Times New Roman" pitchFamily="18" charset="0"/>
+              </a:rPr>
+              <a:t>3.Алгоритм ГОСТ Р 34.11-2012 ("Стрибог")</a:t>
+            </a:r>
+          </a:p>
+        </p:txBody>
+      </p:sp>
+    </p:spTree>
+    <p:extLst>
+      <p:ext uri="{BB962C8B-B14F-4D97-AF65-F5344CB8AC3E}">
+        <p14:creationId xmlns:p14="http://schemas.microsoft.com/office/powerpoint/2010/main" val="1633476440"/>
+      </p:ext>
+    </p:extLst>
+  </p:cSld>
+  <p:clrMapOvr>
+    <a:masterClrMapping/>
+  </p:clrMapOvr>
+</p:sld>
+</file>
+
+<file path=ppt/slides/slide26.xml><?xml version="1.0" encoding="utf-8"?>
+<p:sld xmlns:a="http://schemas.openxmlformats.org/drawingml/2006/main" xmlns:r="http://schemas.openxmlformats.org/officeDocument/2006/relationships" xmlns:p="http://schemas.openxmlformats.org/presentationml/2006/main">
+  <p:cSld>
+    <p:spTree>
+      <p:nvGrpSpPr>
+        <p:cNvPr id="1" name=""/>
+        <p:cNvGrpSpPr/>
+        <p:nvPr/>
+      </p:nvGrpSpPr>
+      <p:grpSpPr>
+        <a:xfrm>
+          <a:off x="0" y="0"/>
+          <a:ext cx="0" cy="0"/>
+          <a:chOff x="0" y="0"/>
+          <a:chExt cx="0" cy="0"/>
+        </a:xfrm>
+      </p:grpSpPr>
       <p:graphicFrame>
         <p:nvGraphicFramePr>
           <p:cNvPr id="12" name="Таблица 11">
             <a:extLst>
               <a:ext uri="{FF2B5EF4-FFF2-40B4-BE49-F238E27FC236}">
-                <a16:creationId xmlns:a16="http://schemas.microsoft.com/office/drawing/2014/main" id="{57DFF795-5DF1-EBF8-277E-4CDCB696FB92}"/>
+                <a16:creationId xmlns="" xmlns:a16="http://schemas.microsoft.com/office/drawing/2014/main" id="{57DFF795-5DF1-EBF8-277E-4CDCB696FB92}"/>
               </a:ext>
             </a:extLst>
           </p:cNvPr>
@@ -8037,28 +9903,28 @@
                 <a:gridCol w="1931187">
                   <a:extLst>
                     <a:ext uri="{9D8B030D-6E8A-4147-A177-3AD203B41FA5}">
-                      <a16:colId xmlns:a16="http://schemas.microsoft.com/office/drawing/2014/main" val="238078953"/>
+                      <a16:colId xmlns="" xmlns:a16="http://schemas.microsoft.com/office/drawing/2014/main" val="238078953"/>
                     </a:ext>
                   </a:extLst>
                 </a:gridCol>
                 <a:gridCol w="2368436">
                   <a:extLst>
                     <a:ext uri="{9D8B030D-6E8A-4147-A177-3AD203B41FA5}">
-                      <a16:colId xmlns:a16="http://schemas.microsoft.com/office/drawing/2014/main" val="4010447115"/>
+                      <a16:colId xmlns="" xmlns:a16="http://schemas.microsoft.com/office/drawing/2014/main" val="4010447115"/>
                     </a:ext>
                   </a:extLst>
                 </a:gridCol>
                 <a:gridCol w="2368436">
                   <a:extLst>
                     <a:ext uri="{9D8B030D-6E8A-4147-A177-3AD203B41FA5}">
-                      <a16:colId xmlns:a16="http://schemas.microsoft.com/office/drawing/2014/main" val="1492941113"/>
+                      <a16:colId xmlns="" xmlns:a16="http://schemas.microsoft.com/office/drawing/2014/main" val="1492941113"/>
                     </a:ext>
                   </a:extLst>
                 </a:gridCol>
                 <a:gridCol w="2368436">
                   <a:extLst>
                     <a:ext uri="{9D8B030D-6E8A-4147-A177-3AD203B41FA5}">
-                      <a16:colId xmlns:a16="http://schemas.microsoft.com/office/drawing/2014/main" val="32675481"/>
+                      <a16:colId xmlns="" xmlns:a16="http://schemas.microsoft.com/office/drawing/2014/main" val="32675481"/>
                     </a:ext>
                   </a:extLst>
                 </a:gridCol>
@@ -8333,7 +10199,7 @@
                 </a:tc>
                 <a:extLst>
                   <a:ext uri="{0D108BD9-81ED-4DB2-BD59-A6C34878D82A}">
-                    <a16:rowId xmlns:a16="http://schemas.microsoft.com/office/drawing/2014/main" val="1602890769"/>
+                    <a16:rowId xmlns="" xmlns:a16="http://schemas.microsoft.com/office/drawing/2014/main" val="1602890769"/>
                   </a:ext>
                 </a:extLst>
               </a:tr>
@@ -8529,7 +10395,7 @@
                 </a:tc>
                 <a:extLst>
                   <a:ext uri="{0D108BD9-81ED-4DB2-BD59-A6C34878D82A}">
-                    <a16:rowId xmlns:a16="http://schemas.microsoft.com/office/drawing/2014/main" val="738999913"/>
+                    <a16:rowId xmlns="" xmlns:a16="http://schemas.microsoft.com/office/drawing/2014/main" val="738999913"/>
                   </a:ext>
                 </a:extLst>
               </a:tr>
@@ -8691,7 +10557,7 @@
                 </a:tc>
                 <a:extLst>
                   <a:ext uri="{0D108BD9-81ED-4DB2-BD59-A6C34878D82A}">
-                    <a16:rowId xmlns:a16="http://schemas.microsoft.com/office/drawing/2014/main" val="3688169038"/>
+                    <a16:rowId xmlns="" xmlns:a16="http://schemas.microsoft.com/office/drawing/2014/main" val="3688169038"/>
                   </a:ext>
                 </a:extLst>
               </a:tr>
@@ -8902,7 +10768,7 @@
                 </a:tc>
                 <a:extLst>
                   <a:ext uri="{0D108BD9-81ED-4DB2-BD59-A6C34878D82A}">
-                    <a16:rowId xmlns:a16="http://schemas.microsoft.com/office/drawing/2014/main" val="2102421975"/>
+                    <a16:rowId xmlns="" xmlns:a16="http://schemas.microsoft.com/office/drawing/2014/main" val="2102421975"/>
                   </a:ext>
                 </a:extLst>
               </a:tr>
@@ -9104,7 +10970,7 @@
                 </a:tc>
                 <a:extLst>
                   <a:ext uri="{0D108BD9-81ED-4DB2-BD59-A6C34878D82A}">
-                    <a16:rowId xmlns:a16="http://schemas.microsoft.com/office/drawing/2014/main" val="1106899294"/>
+                    <a16:rowId xmlns="" xmlns:a16="http://schemas.microsoft.com/office/drawing/2014/main" val="1106899294"/>
                   </a:ext>
                 </a:extLst>
               </a:tr>
@@ -9282,7 +11148,7 @@
                 </a:tc>
                 <a:extLst>
                   <a:ext uri="{0D108BD9-81ED-4DB2-BD59-A6C34878D82A}">
-                    <a16:rowId xmlns:a16="http://schemas.microsoft.com/office/drawing/2014/main" val="1880899713"/>
+                    <a16:rowId xmlns="" xmlns:a16="http://schemas.microsoft.com/office/drawing/2014/main" val="1880899713"/>
                   </a:ext>
                 </a:extLst>
               </a:tr>
@@ -9476,7 +11342,7 @@
                 </a:tc>
                 <a:extLst>
                   <a:ext uri="{0D108BD9-81ED-4DB2-BD59-A6C34878D82A}">
-                    <a16:rowId xmlns:a16="http://schemas.microsoft.com/office/drawing/2014/main" val="2528732508"/>
+                    <a16:rowId xmlns="" xmlns:a16="http://schemas.microsoft.com/office/drawing/2014/main" val="2528732508"/>
                   </a:ext>
                 </a:extLst>
               </a:tr>
@@ -9489,7 +11355,7 @@
           <p:cNvPr id="14" name="TextBox 13">
             <a:extLst>
               <a:ext uri="{FF2B5EF4-FFF2-40B4-BE49-F238E27FC236}">
-                <a16:creationId xmlns:a16="http://schemas.microsoft.com/office/drawing/2014/main" id="{3C5E01A4-CCE8-54F1-F6B5-6BC99F426E5E}"/>
+                <a16:creationId xmlns="" xmlns:a16="http://schemas.microsoft.com/office/drawing/2014/main" id="{3C5E01A4-CCE8-54F1-F6B5-6BC99F426E5E}"/>
               </a:ext>
             </a:extLst>
           </p:cNvPr>
@@ -9553,7 +11419,7 @@
 </p:sld>
 </file>
 
-<file path=ppt/slides/slide23.xml><?xml version="1.0" encoding="utf-8"?>
+<file path=ppt/slides/slide27.xml><?xml version="1.0" encoding="utf-8"?>
 <p:sld xmlns:a="http://schemas.openxmlformats.org/drawingml/2006/main" xmlns:r="http://schemas.openxmlformats.org/officeDocument/2006/relationships" xmlns:p="http://schemas.openxmlformats.org/presentationml/2006/main">
   <p:cSld>
     <p:spTree>
@@ -9599,6 +11465,13 @@
               </a:rPr>
               <a:t>Выводы </a:t>
             </a:r>
+            <a:r>
+              <a:rPr lang="ru-RU" sz="3200" dirty="0">
+                <a:latin typeface="Times New Roman" pitchFamily="18" charset="0"/>
+                <a:cs typeface="Times New Roman" pitchFamily="18" charset="0"/>
+              </a:rPr>
+              <a:t/>
+            </a:r>
             <a:br>
               <a:rPr lang="ru-RU" sz="3200" dirty="0">
                 <a:latin typeface="Times New Roman" pitchFamily="18" charset="0"/>
@@ -9673,7 +11546,7 @@
           <p:cNvPr id="5" name="TextBox 4">
             <a:extLst>
               <a:ext uri="{FF2B5EF4-FFF2-40B4-BE49-F238E27FC236}">
-                <a16:creationId xmlns:a16="http://schemas.microsoft.com/office/drawing/2014/main" id="{F9826FDD-C506-5A29-59BD-C4FCB7A6FD26}"/>
+                <a16:creationId xmlns="" xmlns:a16="http://schemas.microsoft.com/office/drawing/2014/main" id="{F9826FDD-C506-5A29-59BD-C4FCB7A6FD26}"/>
               </a:ext>
             </a:extLst>
           </p:cNvPr>
@@ -9682,8 +11555,8 @@
         </p:nvSpPr>
         <p:spPr>
           <a:xfrm>
-            <a:off x="269268" y="1005379"/>
-            <a:ext cx="8417532" cy="4893647"/>
+            <a:off x="269268" y="764704"/>
+            <a:ext cx="8417532" cy="6001643"/>
           </a:xfrm>
           <a:prstGeom prst="rect">
             <a:avLst/>
@@ -9775,9 +11648,20 @@
                 <a:latin typeface="Times New Roman" panose="02020603050405020304" pitchFamily="18" charset="0"/>
                 <a:cs typeface="Times New Roman" panose="02020603050405020304" pitchFamily="18" charset="0"/>
               </a:rPr>
-              <a:t>Выбор алгоритма зависит от нормативных требований и задач.</a:t>
-            </a:r>
-            <a:endParaRPr lang="ru-RU" sz="2400" b="0" i="0" u="none" strike="noStrike" dirty="0">
+              <a:t>Выбор алгоритма зависит от нормативных требований и задач</a:t>
+            </a:r>
+            <a:r>
+              <a:rPr lang="ru-RU" sz="2400" b="1" i="0" u="none" strike="noStrike" dirty="0" smtClean="0">
+                <a:solidFill>
+                  <a:srgbClr val="0F1115"/>
+                </a:solidFill>
+                <a:effectLst/>
+                <a:latin typeface="Times New Roman" panose="02020603050405020304" pitchFamily="18" charset="0"/>
+                <a:cs typeface="Times New Roman" panose="02020603050405020304" pitchFamily="18" charset="0"/>
+              </a:rPr>
+              <a:t>.</a:t>
+            </a:r>
+            <a:endParaRPr lang="en-US" sz="2400" b="1" i="0" u="none" strike="noStrike" dirty="0" smtClean="0">
               <a:solidFill>
                 <a:srgbClr val="0F1115"/>
               </a:solidFill>
@@ -9792,37 +11676,84 @@
               <a:buChar char="•"/>
             </a:pPr>
             <a:r>
-              <a:rPr lang="en" sz="2400" b="1" i="0" u="none" strike="noStrike" dirty="0">
-                <a:solidFill>
-                  <a:srgbClr val="0F1115"/>
-                </a:solidFill>
-                <a:effectLst/>
-                <a:latin typeface="Times New Roman" panose="02020603050405020304" pitchFamily="18" charset="0"/>
-                <a:cs typeface="Times New Roman" panose="02020603050405020304" pitchFamily="18" charset="0"/>
-              </a:rPr>
-              <a:t>SHA-256</a:t>
-            </a:r>
-            <a:r>
-              <a:rPr lang="en" sz="2400" b="0" i="0" u="none" strike="noStrike" dirty="0">
-                <a:solidFill>
-                  <a:srgbClr val="0F1115"/>
-                </a:solidFill>
-                <a:effectLst/>
-                <a:latin typeface="Times New Roman" panose="02020603050405020304" pitchFamily="18" charset="0"/>
-                <a:cs typeface="Times New Roman" panose="02020603050405020304" pitchFamily="18" charset="0"/>
-              </a:rPr>
-              <a:t> — </a:t>
-            </a:r>
-            <a:r>
-              <a:rPr lang="ru-RU" sz="2400" b="0" i="0" u="none" strike="noStrike" dirty="0">
-                <a:solidFill>
-                  <a:srgbClr val="0F1115"/>
-                </a:solidFill>
-                <a:effectLst/>
-                <a:latin typeface="Times New Roman" panose="02020603050405020304" pitchFamily="18" charset="0"/>
-                <a:cs typeface="Times New Roman" panose="02020603050405020304" pitchFamily="18" charset="0"/>
-              </a:rPr>
-              <a:t>мировой стандарт для большинства коммерческих приложений.</a:t>
+              <a:rPr lang="ru-RU" sz="2400" b="1" dirty="0">
+                <a:solidFill>
+                  <a:srgbClr val="0F1115"/>
+                </a:solidFill>
+                <a:latin typeface="Times New Roman" panose="02020603050405020304" pitchFamily="18" charset="0"/>
+                <a:cs typeface="Times New Roman" panose="02020603050405020304" pitchFamily="18" charset="0"/>
+              </a:rPr>
+              <a:t>MD4 (MD5) – </a:t>
+            </a:r>
+            <a:r>
+              <a:rPr lang="ru-RU" sz="2400" dirty="0">
+                <a:solidFill>
+                  <a:srgbClr val="0F1115"/>
+                </a:solidFill>
+                <a:latin typeface="Times New Roman" panose="02020603050405020304" pitchFamily="18" charset="0"/>
+                <a:cs typeface="Times New Roman" panose="02020603050405020304" pitchFamily="18" charset="0"/>
+              </a:rPr>
+              <a:t>исторические алгоритмы, использование которых </a:t>
+            </a:r>
+            <a:r>
+              <a:rPr lang="ru-RU" sz="2400" dirty="0" smtClean="0">
+                <a:solidFill>
+                  <a:srgbClr val="0F1115"/>
+                </a:solidFill>
+                <a:latin typeface="Times New Roman" panose="02020603050405020304" pitchFamily="18" charset="0"/>
+                <a:cs typeface="Times New Roman" panose="02020603050405020304" pitchFamily="18" charset="0"/>
+              </a:rPr>
+              <a:t>запрещено. </a:t>
+            </a:r>
+            <a:r>
+              <a:rPr lang="ru-RU" sz="2400" dirty="0">
+                <a:solidFill>
+                  <a:srgbClr val="0F1115"/>
+                </a:solidFill>
+                <a:latin typeface="Times New Roman" panose="02020603050405020304" pitchFamily="18" charset="0"/>
+                <a:cs typeface="Times New Roman" panose="02020603050405020304" pitchFamily="18" charset="0"/>
+              </a:rPr>
+              <a:t>Могут применяться </a:t>
+            </a:r>
+            <a:r>
+              <a:rPr lang="ru-RU" sz="2400" dirty="0" smtClean="0">
+                <a:solidFill>
+                  <a:srgbClr val="0F1115"/>
+                </a:solidFill>
+                <a:latin typeface="Times New Roman" panose="02020603050405020304" pitchFamily="18" charset="0"/>
+                <a:cs typeface="Times New Roman" panose="02020603050405020304" pitchFamily="18" charset="0"/>
+              </a:rPr>
+              <a:t>для задач</a:t>
+            </a:r>
+            <a:r>
+              <a:rPr lang="en-US" sz="2400" dirty="0" smtClean="0">
+                <a:solidFill>
+                  <a:srgbClr val="0F1115"/>
+                </a:solidFill>
+                <a:latin typeface="Times New Roman" panose="02020603050405020304" pitchFamily="18" charset="0"/>
+                <a:cs typeface="Times New Roman" panose="02020603050405020304" pitchFamily="18" charset="0"/>
+              </a:rPr>
+              <a:t> </a:t>
+            </a:r>
+            <a:r>
+              <a:rPr lang="ru-RU" sz="2400" dirty="0" smtClean="0">
+                <a:solidFill>
+                  <a:srgbClr val="0F1115"/>
+                </a:solidFill>
+                <a:latin typeface="Times New Roman" panose="02020603050405020304" pitchFamily="18" charset="0"/>
+                <a:cs typeface="Times New Roman" panose="02020603050405020304" pitchFamily="18" charset="0"/>
+              </a:rPr>
+              <a:t>на  проверку </a:t>
+            </a:r>
+            <a:r>
+              <a:rPr lang="ru-RU" sz="2400" dirty="0">
+                <a:solidFill>
+                  <a:srgbClr val="0F1115"/>
+                </a:solidFill>
+                <a:latin typeface="Times New Roman" panose="02020603050405020304" pitchFamily="18" charset="0"/>
+                <a:cs typeface="Times New Roman" panose="02020603050405020304" pitchFamily="18" charset="0"/>
+              </a:rPr>
+              <a:t>целостности в невраждебных средах.</a:t>
             </a:r>
           </a:p>
           <a:p>
@@ -9831,7 +11762,7 @@
               <a:buChar char="•"/>
             </a:pPr>
             <a:r>
-              <a:rPr lang="en" sz="2400" b="1" i="0" u="none" strike="noStrike" dirty="0">
+              <a:rPr lang="en" sz="2400" b="1" i="0" u="none" strike="noStrike" dirty="0" smtClean="0">
                 <a:solidFill>
                   <a:srgbClr val="0F1115"/>
                 </a:solidFill>
@@ -9839,10 +11770,18 @@
                 <a:latin typeface="Times New Roman" panose="02020603050405020304" pitchFamily="18" charset="0"/>
                 <a:cs typeface="Times New Roman" panose="02020603050405020304" pitchFamily="18" charset="0"/>
               </a:rPr>
-              <a:t>SHA-3</a:t>
-            </a:r>
-            <a:r>
-              <a:rPr lang="en" sz="2400" b="0" i="0" u="none" strike="noStrike" dirty="0">
+              <a:t>SHA-256</a:t>
+            </a:r>
+            <a:r>
+              <a:rPr lang="ru-RU" sz="2400" dirty="0" smtClean="0"/>
+              <a:t> </a:t>
+            </a:r>
+            <a:r>
+              <a:rPr lang="ru-RU" sz="2400" dirty="0"/>
+              <a:t>–</a:t>
+            </a:r>
+            <a:r>
+              <a:rPr lang="en" sz="2400" b="0" i="0" u="none" strike="noStrike" dirty="0" smtClean="0">
                 <a:solidFill>
                   <a:srgbClr val="0F1115"/>
                 </a:solidFill>
@@ -9850,7 +11789,7 @@
                 <a:latin typeface="Times New Roman" panose="02020603050405020304" pitchFamily="18" charset="0"/>
                 <a:cs typeface="Times New Roman" panose="02020603050405020304" pitchFamily="18" charset="0"/>
               </a:rPr>
-              <a:t> — </a:t>
+              <a:t> </a:t>
             </a:r>
             <a:r>
               <a:rPr lang="ru-RU" sz="2400" b="0" i="0" u="none" strike="noStrike" dirty="0">
@@ -9861,7 +11800,7 @@
                 <a:latin typeface="Times New Roman" panose="02020603050405020304" pitchFamily="18" charset="0"/>
                 <a:cs typeface="Times New Roman" panose="02020603050405020304" pitchFamily="18" charset="0"/>
               </a:rPr>
-              <a:t>перспективный и надежный алгоритм "на вырост".</a:t>
+              <a:t>мировой стандарт для большинства коммерческих приложений.</a:t>
             </a:r>
           </a:p>
           <a:p>
@@ -9870,6 +11809,60 @@
               <a:buChar char="•"/>
             </a:pPr>
             <a:r>
+              <a:rPr lang="en" sz="2400" b="1" i="0" u="none" strike="noStrike" dirty="0">
+                <a:solidFill>
+                  <a:srgbClr val="0F1115"/>
+                </a:solidFill>
+                <a:effectLst/>
+                <a:latin typeface="Times New Roman" panose="02020603050405020304" pitchFamily="18" charset="0"/>
+                <a:cs typeface="Times New Roman" panose="02020603050405020304" pitchFamily="18" charset="0"/>
+              </a:rPr>
+              <a:t>SHA-3</a:t>
+            </a:r>
+            <a:r>
+              <a:rPr lang="en" sz="2400" b="0" i="0" u="none" strike="noStrike" dirty="0">
+                <a:solidFill>
+                  <a:srgbClr val="0F1115"/>
+                </a:solidFill>
+                <a:effectLst/>
+                <a:latin typeface="Times New Roman" panose="02020603050405020304" pitchFamily="18" charset="0"/>
+                <a:cs typeface="Times New Roman" panose="02020603050405020304" pitchFamily="18" charset="0"/>
+              </a:rPr>
+              <a:t> </a:t>
+            </a:r>
+            <a:r>
+              <a:rPr lang="ru-RU" sz="2400" dirty="0"/>
+              <a:t> –</a:t>
+            </a:r>
+            <a:r>
+              <a:rPr lang="en" sz="2400" b="0" i="0" u="none" strike="noStrike" dirty="0" smtClean="0">
+                <a:solidFill>
+                  <a:srgbClr val="0F1115"/>
+                </a:solidFill>
+                <a:effectLst/>
+                <a:latin typeface="Times New Roman" panose="02020603050405020304" pitchFamily="18" charset="0"/>
+                <a:cs typeface="Times New Roman" panose="02020603050405020304" pitchFamily="18" charset="0"/>
+              </a:rPr>
+              <a:t> </a:t>
+            </a:r>
+            <a:r>
+              <a:rPr lang="ru-RU" sz="2400" b="0" i="0" u="none" strike="noStrike" dirty="0">
+                <a:solidFill>
+                  <a:srgbClr val="0F1115"/>
+                </a:solidFill>
+                <a:effectLst/>
+                <a:latin typeface="Times New Roman" panose="02020603050405020304" pitchFamily="18" charset="0"/>
+                <a:cs typeface="Times New Roman" panose="02020603050405020304" pitchFamily="18" charset="0"/>
+              </a:rPr>
+              <a:t>перспективный и надежный алгоритм "на вырост".</a:t>
+            </a:r>
+          </a:p>
+          <a:p>
+            <a:pPr marL="742950" lvl="1" indent="-285750" algn="just">
+              <a:buFont typeface="Arial" panose="020B0604020202020204" pitchFamily="34" charset="0"/>
+              <a:buChar char="•"/>
+            </a:pPr>
+            <a:r>
               <a:rPr lang="ru-RU" sz="2400" b="1" i="0" u="none" strike="noStrike" dirty="0">
                 <a:solidFill>
                   <a:srgbClr val="0F1115"/>
@@ -9889,7 +11882,33 @@
                 <a:latin typeface="Times New Roman" panose="02020603050405020304" pitchFamily="18" charset="0"/>
                 <a:cs typeface="Times New Roman" panose="02020603050405020304" pitchFamily="18" charset="0"/>
               </a:rPr>
-              <a:t> — обязательный стандарт для использования в Российской Федерации в рамках выполнения требований ФЗ-63 "Об ЭП" и других нормативных актов.</a:t>
+              <a:t> </a:t>
+            </a:r>
+            <a:r>
+              <a:rPr lang="ru-RU" sz="2400" dirty="0"/>
+              <a:t> –</a:t>
+            </a:r>
+            <a:r>
+              <a:rPr lang="ru-RU" sz="2400" b="0" i="0" u="none" strike="noStrike" dirty="0" smtClean="0">
+                <a:solidFill>
+                  <a:srgbClr val="0F1115"/>
+                </a:solidFill>
+                <a:effectLst/>
+                <a:latin typeface="Times New Roman" panose="02020603050405020304" pitchFamily="18" charset="0"/>
+                <a:cs typeface="Times New Roman" panose="02020603050405020304" pitchFamily="18" charset="0"/>
+              </a:rPr>
+              <a:t> </a:t>
+            </a:r>
+            <a:r>
+              <a:rPr lang="ru-RU" sz="2400" b="0" i="0" u="none" strike="noStrike" dirty="0">
+                <a:solidFill>
+                  <a:srgbClr val="0F1115"/>
+                </a:solidFill>
+                <a:effectLst/>
+                <a:latin typeface="Times New Roman" panose="02020603050405020304" pitchFamily="18" charset="0"/>
+                <a:cs typeface="Times New Roman" panose="02020603050405020304" pitchFamily="18" charset="0"/>
+              </a:rPr>
+              <a:t>обязательный стандарт для использования в Российской Федерации в рамках выполнения требований ФЗ-63 "Об ЭП" и других нормативных актов.</a:t>
             </a:r>
           </a:p>
         </p:txBody>
@@ -10014,6 +12033,14 @@
                 </a:solidFill>
               </a:rPr>
               <a:t>Лекция 2</a:t>
+            </a:r>
+            <a:r>
+              <a:rPr lang="ru-RU" sz="3200" dirty="0">
+                <a:solidFill>
+                  <a:srgbClr val="FF0000"/>
+                </a:solidFill>
+              </a:rPr>
+              <a:t/>
             </a:r>
             <a:br>
               <a:rPr lang="ru-RU" sz="3200" dirty="0">
